--- a/assets/ppt/lex/lex2-regular-expressions.pptx
+++ b/assets/ppt/lex/lex2-regular-expressions.pptx
@@ -249,6 +249,22 @@
       </a:defRPr>
     </a:lvl9pPr>
   </p:defaultTextStyle>
+  <p:extLst>
+    <p:ext uri="{EFAFB233-063F-42B5-8137-9DF3F51BA10A}">
+      <p15:sldGuideLst xmlns:p15="http://schemas.microsoft.com/office/powerpoint/2012/main">
+        <p15:guide id="1" orient="horz" pos="2160">
+          <p15:clr>
+            <a:srgbClr val="A4A3A4"/>
+          </p15:clr>
+        </p15:guide>
+        <p15:guide id="2" pos="2880">
+          <p15:clr>
+            <a:srgbClr val="A4A3A4"/>
+          </p15:clr>
+        </p15:guide>
+      </p15:sldGuideLst>
+    </p:ext>
+  </p:extLst>
 </p:presentation>
 </file>
 
@@ -27625,7 +27641,7 @@
               <a:buChar char="•"/>
             </a:pPr>
             <a:r>
-              <a:rPr lang="en-US" sz="3200" b="0" i="0" u="none" strike="noStrike" cap="none">
+              <a:rPr lang="en-US" sz="3200" b="0" i="0" u="none" strike="noStrike" cap="none" dirty="0">
                 <a:solidFill>
                   <a:schemeClr val="dk1"/>
                 </a:solidFill>
@@ -27653,7 +27669,7 @@
               <a:buChar char="–"/>
             </a:pPr>
             <a:r>
-              <a:rPr lang="en-US" sz="2800" b="0" i="0" u="none" strike="noStrike" cap="none">
+              <a:rPr lang="en-US" sz="2800" b="0" i="0" u="none" strike="noStrike" cap="none" dirty="0">
                 <a:solidFill>
                   <a:schemeClr val="accent2"/>
                 </a:solidFill>
@@ -27665,7 +27681,7 @@
               <a:t>R= {R</a:t>
             </a:r>
             <a:r>
-              <a:rPr lang="en-US" sz="2800" b="0" i="0" u="none" strike="noStrike" cap="none" baseline="-25000">
+              <a:rPr lang="en-US" sz="2800" b="0" i="0" u="none" strike="noStrike" cap="none" baseline="-25000" dirty="0">
                 <a:solidFill>
                   <a:schemeClr val="accent2"/>
                 </a:solidFill>
@@ -27677,7 +27693,7 @@
               <a:t>1</a:t>
             </a:r>
             <a:r>
-              <a:rPr lang="en-US" sz="2800" b="0" i="0" u="none" strike="noStrike" cap="none">
+              <a:rPr lang="en-US" sz="2800" b="0" i="0" u="none" strike="noStrike" cap="none" dirty="0">
                 <a:solidFill>
                   <a:schemeClr val="accent2"/>
                 </a:solidFill>
@@ -27689,7 +27705,7 @@
               <a:t> , R</a:t>
             </a:r>
             <a:r>
-              <a:rPr lang="en-US" sz="2800" b="0" i="0" u="none" strike="noStrike" cap="none" baseline="-25000">
+              <a:rPr lang="en-US" sz="2800" b="0" i="0" u="none" strike="noStrike" cap="none" baseline="-25000" dirty="0">
                 <a:solidFill>
                   <a:schemeClr val="accent2"/>
                 </a:solidFill>
@@ -27701,7 +27717,7 @@
               <a:t>2 </a:t>
             </a:r>
             <a:r>
-              <a:rPr lang="en-US" sz="2800" b="0" i="0" u="none" strike="noStrike" cap="none">
+              <a:rPr lang="en-US" sz="2800" b="0" i="0" u="none" strike="noStrike" cap="none" dirty="0">
                 <a:solidFill>
                   <a:schemeClr val="accent2"/>
                 </a:solidFill>
@@ -27713,7 +27729,7 @@
               <a:t>, …, R</a:t>
             </a:r>
             <a:r>
-              <a:rPr lang="en-US" sz="2800" b="0" i="0" u="none" strike="noStrike" cap="none" baseline="-25000">
+              <a:rPr lang="en-US" sz="2800" b="0" i="0" u="none" strike="noStrike" cap="none" baseline="-25000" dirty="0">
                 <a:solidFill>
                   <a:schemeClr val="accent2"/>
                 </a:solidFill>
@@ -27725,7 +27741,7 @@
               <a:t>n</a:t>
             </a:r>
             <a:r>
-              <a:rPr lang="en-US" sz="2800" b="0" i="0" u="none" strike="noStrike" cap="none">
+              <a:rPr lang="en-US" sz="2800" b="0" i="0" u="none" strike="noStrike" cap="none" dirty="0">
                 <a:solidFill>
                   <a:schemeClr val="accent2"/>
                 </a:solidFill>
@@ -27753,7 +27769,7 @@
               <a:buChar char="•"/>
             </a:pPr>
             <a:r>
-              <a:rPr lang="en-US" sz="3200" b="0" i="0" u="none" strike="noStrike" cap="none">
+              <a:rPr lang="en-US" sz="3200" b="0" i="0" u="none" strike="noStrike" cap="none" dirty="0">
                 <a:solidFill>
                   <a:schemeClr val="dk1"/>
                 </a:solidFill>
@@ -27781,7 +27797,7 @@
               <a:buNone/>
             </a:pPr>
             <a:r>
-              <a:rPr lang="en-US" sz="2800" b="0" i="0" u="none" strike="noStrike" cap="none">
+              <a:rPr lang="en-US" sz="2800" b="0" i="0" u="none" strike="noStrike" cap="none" dirty="0">
                 <a:solidFill>
                   <a:schemeClr val="accent2"/>
                 </a:solidFill>
@@ -27793,7 +27809,7 @@
               <a:t>R</a:t>
             </a:r>
             <a:r>
-              <a:rPr lang="en-US" sz="2800" b="0" i="0" u="none" strike="noStrike" cap="none" baseline="-25000">
+              <a:rPr lang="en-US" sz="2800" b="0" i="0" u="none" strike="noStrike" cap="none" baseline="-25000" dirty="0">
                 <a:solidFill>
                   <a:schemeClr val="accent2"/>
                 </a:solidFill>
@@ -27805,7 +27821,7 @@
               <a:t>1</a:t>
             </a:r>
             <a:r>
-              <a:rPr lang="en-US" sz="2800" b="0" i="0" u="none" strike="noStrike" cap="none">
+              <a:rPr lang="en-US" sz="2800" b="0" i="0" u="none" strike="noStrike" cap="none" dirty="0">
                 <a:solidFill>
                   <a:schemeClr val="accent2"/>
                 </a:solidFill>
@@ -27817,7 +27833,7 @@
               <a:t> = {a}, R</a:t>
             </a:r>
             <a:r>
-              <a:rPr lang="en-US" sz="2800" b="0" i="0" u="none" strike="noStrike" cap="none" baseline="-25000">
+              <a:rPr lang="en-US" sz="2800" b="0" i="0" u="none" strike="noStrike" cap="none" baseline="-25000" dirty="0">
                 <a:solidFill>
                   <a:schemeClr val="accent2"/>
                 </a:solidFill>
@@ -27829,7 +27845,7 @@
               <a:t>2</a:t>
             </a:r>
             <a:r>
-              <a:rPr lang="en-US" sz="2800" b="0" i="0" u="none" strike="noStrike" cap="none">
+              <a:rPr lang="en-US" sz="2800" b="0" i="0" u="none" strike="noStrike" cap="none" dirty="0">
                 <a:solidFill>
                   <a:schemeClr val="accent2"/>
                 </a:solidFill>
@@ -27838,10 +27854,34 @@
                 <a:cs typeface="Calibri"/>
                 <a:sym typeface="Calibri"/>
               </a:rPr>
-              <a:t> = {a, aa, aaa, ...}, R</a:t>
+              <a:t> = {a, aa, </a:t>
             </a:r>
             <a:r>
-              <a:rPr lang="en-US" sz="2800" b="0" i="0" u="none" strike="noStrike" cap="none" baseline="-25000">
+              <a:rPr lang="en-US" sz="2800" b="0" i="0" u="none" strike="noStrike" cap="none" dirty="0" err="1">
+                <a:solidFill>
+                  <a:schemeClr val="accent2"/>
+                </a:solidFill>
+                <a:latin typeface="Calibri"/>
+                <a:ea typeface="Calibri"/>
+                <a:cs typeface="Calibri"/>
+                <a:sym typeface="Calibri"/>
+              </a:rPr>
+              <a:t>aaa</a:t>
+            </a:r>
+            <a:r>
+              <a:rPr lang="en-US" sz="2800" b="0" i="0" u="none" strike="noStrike" cap="none" dirty="0">
+                <a:solidFill>
+                  <a:schemeClr val="accent2"/>
+                </a:solidFill>
+                <a:latin typeface="Calibri"/>
+                <a:ea typeface="Calibri"/>
+                <a:cs typeface="Calibri"/>
+                <a:sym typeface="Calibri"/>
+              </a:rPr>
+              <a:t>, ...}, R</a:t>
+            </a:r>
+            <a:r>
+              <a:rPr lang="en-US" sz="2800" b="0" i="0" u="none" strike="noStrike" cap="none" baseline="-25000" dirty="0">
                 <a:solidFill>
                   <a:schemeClr val="accent2"/>
                 </a:solidFill>
@@ -27853,7 +27893,7 @@
               <a:t>3</a:t>
             </a:r>
             <a:r>
-              <a:rPr lang="en-US" sz="2800" b="0" i="0" u="none" strike="noStrike" cap="none">
+              <a:rPr lang="en-US" sz="2800" b="0" i="0" u="none" strike="noStrike" cap="none" dirty="0">
                 <a:solidFill>
                   <a:schemeClr val="accent2"/>
                 </a:solidFill>
@@ -27881,7 +27921,7 @@
               <a:buNone/>
             </a:pPr>
             <a:r>
-              <a:rPr lang="en-US" sz="2800" b="0" i="0" u="none" strike="noStrike" cap="none">
+              <a:rPr lang="en-US" sz="2800" b="0" i="0" u="none" strike="noStrike" cap="none" dirty="0">
                 <a:solidFill>
                   <a:schemeClr val="accent2"/>
                 </a:solidFill>
@@ -27893,7 +27933,7 @@
               <a:t>R</a:t>
             </a:r>
             <a:r>
-              <a:rPr lang="en-US" sz="2800" b="0" i="0" u="none" strike="noStrike" cap="none" baseline="-25000">
+              <a:rPr lang="en-US" sz="2800" b="0" i="0" u="none" strike="noStrike" cap="none" baseline="-25000" dirty="0">
                 <a:solidFill>
                   <a:schemeClr val="accent2"/>
                 </a:solidFill>
@@ -27905,7 +27945,7 @@
               <a:t>4</a:t>
             </a:r>
             <a:r>
-              <a:rPr lang="en-US" sz="2800" b="0" i="0" u="none" strike="noStrike" cap="none">
+              <a:rPr lang="en-US" sz="2800" b="0" i="0" u="none" strike="noStrike" cap="none" dirty="0">
                 <a:solidFill>
                   <a:schemeClr val="accent2"/>
                 </a:solidFill>
@@ -27914,10 +27954,34 @@
                 <a:cs typeface="Calibri"/>
                 <a:sym typeface="Calibri"/>
               </a:rPr>
-              <a:t> = {ba, ab}, R</a:t>
+              <a:t> = {</a:t>
             </a:r>
             <a:r>
-              <a:rPr lang="en-US" sz="2800" b="0" i="0" u="none" strike="noStrike" cap="none" baseline="-25000">
+              <a:rPr lang="en-US" sz="2800" b="0" i="0" u="none" strike="noStrike" cap="none" dirty="0" err="1">
+                <a:solidFill>
+                  <a:schemeClr val="accent2"/>
+                </a:solidFill>
+                <a:latin typeface="Calibri"/>
+                <a:ea typeface="Calibri"/>
+                <a:cs typeface="Calibri"/>
+                <a:sym typeface="Calibri"/>
+              </a:rPr>
+              <a:t>ba</a:t>
+            </a:r>
+            <a:r>
+              <a:rPr lang="en-US" sz="2800" b="0" i="0" u="none" strike="noStrike" cap="none" dirty="0">
+                <a:solidFill>
+                  <a:schemeClr val="accent2"/>
+                </a:solidFill>
+                <a:latin typeface="Calibri"/>
+                <a:ea typeface="Calibri"/>
+                <a:cs typeface="Calibri"/>
+                <a:sym typeface="Calibri"/>
+              </a:rPr>
+              <a:t>, ab}, R</a:t>
+            </a:r>
+            <a:r>
+              <a:rPr lang="en-US" sz="2800" b="0" i="0" u="none" strike="noStrike" cap="none" baseline="-25000" dirty="0">
                 <a:solidFill>
                   <a:schemeClr val="accent2"/>
                 </a:solidFill>
@@ -27929,7 +27993,7 @@
               <a:t>5</a:t>
             </a:r>
             <a:r>
-              <a:rPr lang="en-US" sz="2800" b="0" i="0" u="none" strike="noStrike" cap="none">
+              <a:rPr lang="en-US" sz="2800" b="0" i="0" u="none" strike="noStrike" cap="none" dirty="0">
                 <a:solidFill>
                   <a:schemeClr val="accent2"/>
                 </a:solidFill>
@@ -27938,7 +28002,55 @@
                 <a:cs typeface="Calibri"/>
                 <a:sym typeface="Calibri"/>
               </a:rPr>
-              <a:t> = {ε, b, bb, bbb, …}, …</a:t>
+              <a:t> = {</a:t>
+            </a:r>
+            <a:r>
+              <a:rPr lang="en-US" sz="2800" b="0" i="0" u="none" strike="noStrike" cap="none" dirty="0" err="1">
+                <a:solidFill>
+                  <a:schemeClr val="accent2"/>
+                </a:solidFill>
+                <a:latin typeface="Calibri"/>
+                <a:ea typeface="Calibri"/>
+                <a:cs typeface="Calibri"/>
+                <a:sym typeface="Calibri"/>
+              </a:rPr>
+              <a:t>ε</a:t>
+            </a:r>
+            <a:r>
+              <a:rPr lang="en-US" sz="2800" b="0" i="0" u="none" strike="noStrike" cap="none" dirty="0">
+                <a:solidFill>
+                  <a:schemeClr val="accent2"/>
+                </a:solidFill>
+                <a:latin typeface="Calibri"/>
+                <a:ea typeface="Calibri"/>
+                <a:cs typeface="Calibri"/>
+                <a:sym typeface="Calibri"/>
+              </a:rPr>
+              <a:t>, b, bb, </a:t>
+            </a:r>
+            <a:r>
+              <a:rPr lang="en-US" sz="2800" b="0" i="0" u="none" strike="noStrike" cap="none" dirty="0" err="1">
+                <a:solidFill>
+                  <a:schemeClr val="accent2"/>
+                </a:solidFill>
+                <a:latin typeface="Calibri"/>
+                <a:ea typeface="Calibri"/>
+                <a:cs typeface="Calibri"/>
+                <a:sym typeface="Calibri"/>
+              </a:rPr>
+              <a:t>bbb</a:t>
+            </a:r>
+            <a:r>
+              <a:rPr lang="en-US" sz="2800" b="0" i="0" u="none" strike="noStrike" cap="none" dirty="0">
+                <a:solidFill>
+                  <a:schemeClr val="accent2"/>
+                </a:solidFill>
+                <a:latin typeface="Calibri"/>
+                <a:ea typeface="Calibri"/>
+                <a:cs typeface="Calibri"/>
+                <a:sym typeface="Calibri"/>
+              </a:rPr>
+              <a:t>, …}, …</a:t>
             </a:r>
           </a:p>
           <a:p>
@@ -27957,7 +28069,7 @@
               <a:buNone/>
             </a:pPr>
             <a:r>
-              <a:rPr lang="en-US" sz="2800" b="0" i="0" u="none" strike="noStrike" cap="none">
+              <a:rPr lang="en-US" sz="2800" b="0" i="0" u="none" strike="noStrike" cap="none" dirty="0">
                 <a:solidFill>
                   <a:schemeClr val="accent2"/>
                 </a:solidFill>
@@ -27984,7 +28096,7 @@
               <a:buFont typeface="Calibri"/>
               <a:buNone/>
             </a:pPr>
-            <a:endParaRPr sz="2800" b="0" i="0" u="none" strike="noStrike" cap="none">
+            <a:endParaRPr sz="2800" b="0" i="0" u="none" strike="noStrike" cap="none" dirty="0">
               <a:solidFill>
                 <a:schemeClr val="accent2"/>
               </a:solidFill>
@@ -30294,7 +30406,7 @@
         </p:nvGraphicFramePr>
         <p:xfrm>
           <a:off x="1066800" y="152400"/>
-          <a:ext cx="3000000" cy="3000000"/>
+          <a:ext cx="7848600" cy="5943770"/>
         </p:xfrm>
         <a:graphic>
           <a:graphicData uri="http://schemas.openxmlformats.org/drawingml/2006/table">
@@ -30304,10 +30416,34 @@
                 <a:tableStyleId>{E70D774E-FEAF-40B0-AA0E-5944BF0AC0D9}</a:tableStyleId>
               </a:tblPr>
               <a:tblGrid>
-                <a:gridCol w="1219200"/>
-                <a:gridCol w="3429000"/>
-                <a:gridCol w="1143000"/>
-                <a:gridCol w="2057400"/>
+                <a:gridCol w="1219200">
+                  <a:extLst>
+                    <a:ext uri="{9D8B030D-6E8A-4147-A177-3AD203B41FA5}">
+                      <a16:colId xmlns:a16="http://schemas.microsoft.com/office/drawing/2014/main" val="20000"/>
+                    </a:ext>
+                  </a:extLst>
+                </a:gridCol>
+                <a:gridCol w="3429000">
+                  <a:extLst>
+                    <a:ext uri="{9D8B030D-6E8A-4147-A177-3AD203B41FA5}">
+                      <a16:colId xmlns:a16="http://schemas.microsoft.com/office/drawing/2014/main" val="20001"/>
+                    </a:ext>
+                  </a:extLst>
+                </a:gridCol>
+                <a:gridCol w="1143000">
+                  <a:extLst>
+                    <a:ext uri="{9D8B030D-6E8A-4147-A177-3AD203B41FA5}">
+                      <a16:colId xmlns:a16="http://schemas.microsoft.com/office/drawing/2014/main" val="20002"/>
+                    </a:ext>
+                  </a:extLst>
+                </a:gridCol>
+                <a:gridCol w="2057400">
+                  <a:extLst>
+                    <a:ext uri="{9D8B030D-6E8A-4147-A177-3AD203B41FA5}">
+                      <a16:colId xmlns:a16="http://schemas.microsoft.com/office/drawing/2014/main" val="20003"/>
+                    </a:ext>
+                  </a:extLst>
+                </a:gridCol>
               </a:tblGrid>
               <a:tr h="319100">
                 <a:tc>
@@ -30622,6 +30758,11 @@
                     </a:solidFill>
                   </a:tcPr>
                 </a:tc>
+                <a:extLst>
+                  <a:ext uri="{0D108BD9-81ED-4DB2-BD59-A6C34878D82A}">
+                    <a16:rowId xmlns:a16="http://schemas.microsoft.com/office/drawing/2014/main" val="10000"/>
+                  </a:ext>
+                </a:extLst>
               </a:tr>
               <a:tr h="319100">
                 <a:tc>
@@ -30921,6 +31062,11 @@
                     </a:lnB>
                   </a:tcPr>
                 </a:tc>
+                <a:extLst>
+                  <a:ext uri="{0D108BD9-81ED-4DB2-BD59-A6C34878D82A}">
+                    <a16:rowId xmlns:a16="http://schemas.microsoft.com/office/drawing/2014/main" val="10001"/>
+                  </a:ext>
+                </a:extLst>
               </a:tr>
               <a:tr h="319100">
                 <a:tc>
@@ -31220,6 +31366,11 @@
                     </a:lnB>
                   </a:tcPr>
                 </a:tc>
+                <a:extLst>
+                  <a:ext uri="{0D108BD9-81ED-4DB2-BD59-A6C34878D82A}">
+                    <a16:rowId xmlns:a16="http://schemas.microsoft.com/office/drawing/2014/main" val="10002"/>
+                  </a:ext>
+                </a:extLst>
               </a:tr>
               <a:tr h="319100">
                 <a:tc>
@@ -31519,6 +31670,11 @@
                     </a:lnB>
                   </a:tcPr>
                 </a:tc>
+                <a:extLst>
+                  <a:ext uri="{0D108BD9-81ED-4DB2-BD59-A6C34878D82A}">
+                    <a16:rowId xmlns:a16="http://schemas.microsoft.com/office/drawing/2014/main" val="10003"/>
+                  </a:ext>
+                </a:extLst>
               </a:tr>
               <a:tr h="319100">
                 <a:tc>
@@ -31818,6 +31974,11 @@
                     </a:lnB>
                   </a:tcPr>
                 </a:tc>
+                <a:extLst>
+                  <a:ext uri="{0D108BD9-81ED-4DB2-BD59-A6C34878D82A}">
+                    <a16:rowId xmlns:a16="http://schemas.microsoft.com/office/drawing/2014/main" val="10004"/>
+                  </a:ext>
+                </a:extLst>
               </a:tr>
               <a:tr h="319100">
                 <a:tc>
@@ -32120,6 +32281,11 @@
                     </a:lnB>
                   </a:tcPr>
                 </a:tc>
+                <a:extLst>
+                  <a:ext uri="{0D108BD9-81ED-4DB2-BD59-A6C34878D82A}">
+                    <a16:rowId xmlns:a16="http://schemas.microsoft.com/office/drawing/2014/main" val="10005"/>
+                  </a:ext>
+                </a:extLst>
               </a:tr>
               <a:tr h="319100">
                 <a:tc>
@@ -32422,6 +32588,11 @@
                     </a:lnB>
                   </a:tcPr>
                 </a:tc>
+                <a:extLst>
+                  <a:ext uri="{0D108BD9-81ED-4DB2-BD59-A6C34878D82A}">
+                    <a16:rowId xmlns:a16="http://schemas.microsoft.com/office/drawing/2014/main" val="10006"/>
+                  </a:ext>
+                </a:extLst>
               </a:tr>
               <a:tr h="319100">
                 <a:tc>
@@ -32724,6 +32895,11 @@
                     </a:lnB>
                   </a:tcPr>
                 </a:tc>
+                <a:extLst>
+                  <a:ext uri="{0D108BD9-81ED-4DB2-BD59-A6C34878D82A}">
+                    <a16:rowId xmlns:a16="http://schemas.microsoft.com/office/drawing/2014/main" val="10007"/>
+                  </a:ext>
+                </a:extLst>
               </a:tr>
               <a:tr h="319100">
                 <a:tc>
@@ -33026,6 +33202,11 @@
                     </a:lnB>
                   </a:tcPr>
                 </a:tc>
+                <a:extLst>
+                  <a:ext uri="{0D108BD9-81ED-4DB2-BD59-A6C34878D82A}">
+                    <a16:rowId xmlns:a16="http://schemas.microsoft.com/office/drawing/2014/main" val="10008"/>
+                  </a:ext>
+                </a:extLst>
               </a:tr>
               <a:tr h="319100">
                 <a:tc>
@@ -33325,6 +33506,11 @@
                     </a:lnB>
                   </a:tcPr>
                 </a:tc>
+                <a:extLst>
+                  <a:ext uri="{0D108BD9-81ED-4DB2-BD59-A6C34878D82A}">
+                    <a16:rowId xmlns:a16="http://schemas.microsoft.com/office/drawing/2014/main" val="10009"/>
+                  </a:ext>
+                </a:extLst>
               </a:tr>
               <a:tr h="319100">
                 <a:tc>
@@ -33627,6 +33813,11 @@
                     </a:lnB>
                   </a:tcPr>
                 </a:tc>
+                <a:extLst>
+                  <a:ext uri="{0D108BD9-81ED-4DB2-BD59-A6C34878D82A}">
+                    <a16:rowId xmlns:a16="http://schemas.microsoft.com/office/drawing/2014/main" val="10010"/>
+                  </a:ext>
+                </a:extLst>
               </a:tr>
               <a:tr h="319100">
                 <a:tc>
@@ -33929,6 +34120,11 @@
                     </a:lnB>
                   </a:tcPr>
                 </a:tc>
+                <a:extLst>
+                  <a:ext uri="{0D108BD9-81ED-4DB2-BD59-A6C34878D82A}">
+                    <a16:rowId xmlns:a16="http://schemas.microsoft.com/office/drawing/2014/main" val="10011"/>
+                  </a:ext>
+                </a:extLst>
               </a:tr>
               <a:tr h="319100">
                 <a:tc>
@@ -34231,6 +34427,11 @@
                     </a:lnB>
                   </a:tcPr>
                 </a:tc>
+                <a:extLst>
+                  <a:ext uri="{0D108BD9-81ED-4DB2-BD59-A6C34878D82A}">
+                    <a16:rowId xmlns:a16="http://schemas.microsoft.com/office/drawing/2014/main" val="10012"/>
+                  </a:ext>
+                </a:extLst>
               </a:tr>
               <a:tr h="319100">
                 <a:tc>
@@ -34602,6 +34803,11 @@
                     </a:lnB>
                   </a:tcPr>
                 </a:tc>
+                <a:extLst>
+                  <a:ext uri="{0D108BD9-81ED-4DB2-BD59-A6C34878D82A}">
+                    <a16:rowId xmlns:a16="http://schemas.microsoft.com/office/drawing/2014/main" val="10013"/>
+                  </a:ext>
+                </a:extLst>
               </a:tr>
               <a:tr h="319100">
                 <a:tc>
@@ -34973,6 +35179,11 @@
                     </a:lnB>
                   </a:tcPr>
                 </a:tc>
+                <a:extLst>
+                  <a:ext uri="{0D108BD9-81ED-4DB2-BD59-A6C34878D82A}">
+                    <a16:rowId xmlns:a16="http://schemas.microsoft.com/office/drawing/2014/main" val="10014"/>
+                  </a:ext>
+                </a:extLst>
               </a:tr>
               <a:tr h="319100">
                 <a:tc>
@@ -35272,6 +35483,11 @@
                     </a:lnB>
                   </a:tcPr>
                 </a:tc>
+                <a:extLst>
+                  <a:ext uri="{0D108BD9-81ED-4DB2-BD59-A6C34878D82A}">
+                    <a16:rowId xmlns:a16="http://schemas.microsoft.com/office/drawing/2014/main" val="10015"/>
+                  </a:ext>
+                </a:extLst>
               </a:tr>
               <a:tr h="319100">
                 <a:tc>
@@ -35646,6 +35862,11 @@
                     </a:lnB>
                   </a:tcPr>
                 </a:tc>
+                <a:extLst>
+                  <a:ext uri="{0D108BD9-81ED-4DB2-BD59-A6C34878D82A}">
+                    <a16:rowId xmlns:a16="http://schemas.microsoft.com/office/drawing/2014/main" val="10016"/>
+                  </a:ext>
+                </a:extLst>
               </a:tr>
             </a:tbl>
           </a:graphicData>
@@ -36311,7 +36532,7 @@
               <a:buChar char="•"/>
             </a:pPr>
             <a:r>
-              <a:rPr lang="en-US" sz="3200" b="0" i="0" u="none" strike="noStrike" cap="none">
+              <a:rPr lang="en-US" sz="3200" b="0" i="0" u="none" strike="noStrike" cap="none" dirty="0">
                 <a:solidFill>
                   <a:schemeClr val="dk1"/>
                 </a:solidFill>
@@ -36320,7 +36541,31 @@
                 <a:cs typeface="Calibri"/>
                 <a:sym typeface="Calibri"/>
               </a:rPr>
-              <a:t>Write a regexp for the lexemes of each token class</a:t>
+              <a:t>Write a </a:t>
+            </a:r>
+            <a:r>
+              <a:rPr lang="en-US" sz="3200" b="0" i="0" u="none" strike="noStrike" cap="none" dirty="0" err="1">
+                <a:solidFill>
+                  <a:schemeClr val="dk1"/>
+                </a:solidFill>
+                <a:latin typeface="Calibri"/>
+                <a:ea typeface="Calibri"/>
+                <a:cs typeface="Calibri"/>
+                <a:sym typeface="Calibri"/>
+              </a:rPr>
+              <a:t>regexp</a:t>
+            </a:r>
+            <a:r>
+              <a:rPr lang="en-US" sz="3200" b="0" i="0" u="none" strike="noStrike" cap="none" dirty="0">
+                <a:solidFill>
+                  <a:schemeClr val="dk1"/>
+                </a:solidFill>
+                <a:latin typeface="Calibri"/>
+                <a:ea typeface="Calibri"/>
+                <a:cs typeface="Calibri"/>
+                <a:sym typeface="Calibri"/>
+              </a:rPr>
+              <a:t> for the lexemes of each token class</a:t>
             </a:r>
           </a:p>
           <a:p>
@@ -36339,7 +36584,7 @@
               <a:buChar char="–"/>
             </a:pPr>
             <a:r>
-              <a:rPr lang="en-US" sz="2800" b="0" i="0" u="none" strike="noStrike" cap="none">
+              <a:rPr lang="en-US" sz="2800" b="0" i="0" u="none" strike="noStrike" cap="none" dirty="0">
                 <a:solidFill>
                   <a:srgbClr val="0070C0"/>
                 </a:solidFill>
@@ -36367,7 +36612,7 @@
               <a:buChar char="–"/>
             </a:pPr>
             <a:r>
-              <a:rPr lang="en-US" sz="2800" b="0" i="0" u="none" strike="noStrike" cap="none">
+              <a:rPr lang="en-US" sz="2800" b="0" i="0" u="none" strike="noStrike" cap="none" dirty="0">
                 <a:solidFill>
                   <a:srgbClr val="0070C0"/>
                 </a:solidFill>
@@ -36376,7 +36621,31 @@
                 <a:cs typeface="Calibri"/>
                 <a:sym typeface="Calibri"/>
               </a:rPr>
-              <a:t>Identifier  =  letter(letter|digit)+</a:t>
+              <a:t>Identifier  =  letter(</a:t>
+            </a:r>
+            <a:r>
+              <a:rPr lang="en-US" sz="2800" b="0" i="0" u="none" strike="noStrike" cap="none" dirty="0" err="1">
+                <a:solidFill>
+                  <a:srgbClr val="0070C0"/>
+                </a:solidFill>
+                <a:latin typeface="Calibri"/>
+                <a:ea typeface="Calibri"/>
+                <a:cs typeface="Calibri"/>
+                <a:sym typeface="Calibri"/>
+              </a:rPr>
+              <a:t>letter|digit</a:t>
+            </a:r>
+            <a:r>
+              <a:rPr lang="en-US" sz="2800" b="0" i="0" u="none" strike="noStrike" cap="none" dirty="0">
+                <a:solidFill>
+                  <a:srgbClr val="0070C0"/>
+                </a:solidFill>
+                <a:latin typeface="Calibri"/>
+                <a:ea typeface="Calibri"/>
+                <a:cs typeface="Calibri"/>
+                <a:sym typeface="Calibri"/>
+              </a:rPr>
+              <a:t>)+</a:t>
             </a:r>
           </a:p>
           <a:p>
@@ -36395,7 +36664,7 @@
               <a:buChar char="–"/>
             </a:pPr>
             <a:r>
-              <a:rPr lang="en-US" sz="2800" b="0" i="0" u="none" strike="noStrike" cap="none">
+              <a:rPr lang="en-US" sz="2800" b="0" i="0" u="none" strike="noStrike" cap="none" dirty="0" err="1">
                 <a:solidFill>
                   <a:srgbClr val="0070C0"/>
                 </a:solidFill>
@@ -36404,7 +36673,19 @@
                 <a:cs typeface="Calibri"/>
                 <a:sym typeface="Calibri"/>
               </a:rPr>
-              <a:t>OpenPar   =  ‘(‘</a:t>
+              <a:t>Lparen</a:t>
+            </a:r>
+            <a:r>
+              <a:rPr lang="en-US" sz="2800" b="0" i="0" u="none" strike="noStrike" cap="none" dirty="0">
+                <a:solidFill>
+                  <a:srgbClr val="0070C0"/>
+                </a:solidFill>
+                <a:latin typeface="Calibri"/>
+                <a:ea typeface="Calibri"/>
+                <a:cs typeface="Calibri"/>
+                <a:sym typeface="Calibri"/>
+              </a:rPr>
+              <a:t>      =  ‘(‘</a:t>
             </a:r>
           </a:p>
           <a:p>
@@ -36423,7 +36704,7 @@
               <a:buChar char="–"/>
             </a:pPr>
             <a:r>
-              <a:rPr lang="en-US" sz="2800" b="0" i="0" u="none" strike="noStrike" cap="none">
+              <a:rPr lang="en-US" sz="2800" b="0" i="0" u="none" strike="noStrike" cap="none" dirty="0">
                 <a:solidFill>
                   <a:srgbClr val="0070C0"/>
                 </a:solidFill>
@@ -36451,7 +36732,7 @@
               <a:buChar char="•"/>
             </a:pPr>
             <a:r>
-              <a:rPr lang="en-US" sz="3200" b="0" i="0" u="none" strike="noStrike" cap="none">
+              <a:rPr lang="en-US" sz="3200" b="0" i="0" u="none" strike="noStrike" cap="none" dirty="0">
                 <a:solidFill>
                   <a:schemeClr val="dk1"/>
                 </a:solidFill>
@@ -36463,7 +36744,7 @@
               <a:t>Construct </a:t>
             </a:r>
             <a:r>
-              <a:rPr lang="en-US" sz="3200" b="0" i="0" u="none" strike="noStrike" cap="none">
+              <a:rPr lang="en-US" sz="3200" b="0" i="0" u="none" strike="noStrike" cap="none" dirty="0">
                 <a:solidFill>
                   <a:srgbClr val="0070C0"/>
                 </a:solidFill>
@@ -36475,7 +36756,7 @@
               <a:t>R</a:t>
             </a:r>
             <a:r>
-              <a:rPr lang="en-US" sz="3200" b="0" i="0" u="none" strike="noStrike" cap="none">
+              <a:rPr lang="en-US" sz="3200" b="0" i="0" u="none" strike="noStrike" cap="none" dirty="0">
                 <a:solidFill>
                   <a:schemeClr val="dk1"/>
                 </a:solidFill>
@@ -36503,7 +36784,7 @@
               <a:buChar char="–"/>
             </a:pPr>
             <a:r>
-              <a:rPr lang="en-US" sz="2800" b="0" i="0" u="none" strike="noStrike" cap="none">
+              <a:rPr lang="en-US" sz="2800" b="0" i="0" u="none" strike="noStrike" cap="none" dirty="0">
                 <a:solidFill>
                   <a:srgbClr val="0070C0"/>
                 </a:solidFill>
@@ -36531,7 +36812,7 @@
               <a:buNone/>
             </a:pPr>
             <a:r>
-              <a:rPr lang="en-US" sz="2800" b="0" i="0" u="none" strike="noStrike" cap="none">
+              <a:rPr lang="en-US" sz="2800" b="0" i="0" u="none" strike="noStrike" cap="none" dirty="0">
                 <a:solidFill>
                   <a:srgbClr val="0070C0"/>
                 </a:solidFill>
@@ -36543,7 +36824,7 @@
               <a:t>        = R</a:t>
             </a:r>
             <a:r>
-              <a:rPr lang="en-US" sz="2800" b="0" i="0" u="none" strike="noStrike" cap="none" baseline="-25000">
+              <a:rPr lang="en-US" sz="2800" b="0" i="0" u="none" strike="noStrike" cap="none" baseline="-25000" dirty="0">
                 <a:solidFill>
                   <a:srgbClr val="0070C0"/>
                 </a:solidFill>
@@ -36555,7 +36836,7 @@
               <a:t>1</a:t>
             </a:r>
             <a:r>
-              <a:rPr lang="en-US" sz="2800" b="0" i="0" u="none" strike="noStrike" cap="none">
+              <a:rPr lang="en-US" sz="2800" b="0" i="0" u="none" strike="noStrike" cap="none" dirty="0">
                 <a:solidFill>
                   <a:srgbClr val="0070C0"/>
                 </a:solidFill>
@@ -36567,7 +36848,7 @@
               <a:t> | R</a:t>
             </a:r>
             <a:r>
-              <a:rPr lang="en-US" sz="2800" b="0" i="0" u="none" strike="noStrike" cap="none" baseline="-25000">
+              <a:rPr lang="en-US" sz="2800" b="0" i="0" u="none" strike="noStrike" cap="none" baseline="-25000" dirty="0">
                 <a:solidFill>
                   <a:srgbClr val="0070C0"/>
                 </a:solidFill>
@@ -36579,7 +36860,7 @@
               <a:t>2</a:t>
             </a:r>
             <a:r>
-              <a:rPr lang="en-US" sz="2800" b="0" i="0" u="none" strike="noStrike" cap="none">
+              <a:rPr lang="en-US" sz="2800" b="0" i="0" u="none" strike="noStrike" cap="none" dirty="0">
                 <a:solidFill>
                   <a:srgbClr val="0070C0"/>
                 </a:solidFill>
@@ -36591,7 +36872,7 @@
               <a:t> | R</a:t>
             </a:r>
             <a:r>
-              <a:rPr lang="en-US" sz="2800" b="0" i="0" u="none" strike="noStrike" cap="none" baseline="-25000">
+              <a:rPr lang="en-US" sz="2800" b="0" i="0" u="none" strike="noStrike" cap="none" baseline="-25000" dirty="0">
                 <a:solidFill>
                   <a:srgbClr val="0070C0"/>
                 </a:solidFill>
@@ -36603,7 +36884,7 @@
               <a:t>3</a:t>
             </a:r>
             <a:r>
-              <a:rPr lang="en-US" sz="2800" b="0" i="0" u="none" strike="noStrike" cap="none">
+              <a:rPr lang="en-US" sz="2800" b="0" i="0" u="none" strike="noStrike" cap="none" dirty="0">
                 <a:solidFill>
                   <a:srgbClr val="0070C0"/>
                 </a:solidFill>
@@ -36630,7 +36911,7 @@
               <a:buFont typeface="Calibri"/>
               <a:buNone/>
             </a:pPr>
-            <a:endParaRPr sz="3200" b="0" i="0" u="none" strike="noStrike" cap="none">
+            <a:endParaRPr sz="3200" b="0" i="0" u="none" strike="noStrike" cap="none" dirty="0">
               <a:solidFill>
                 <a:schemeClr val="dk1"/>
               </a:solidFill>
@@ -37016,60 +37297,6 @@
       </p:grpSpPr>
       <p:sp>
         <p:nvSpPr>
-          <p:cNvPr id="427" name="Shape 427"/>
-          <p:cNvSpPr txBox="1">
-            <a:spLocks noGrp="1"/>
-          </p:cNvSpPr>
-          <p:nvPr>
-            <p:ph type="title"/>
-          </p:nvPr>
-        </p:nvSpPr>
-        <p:spPr>
-          <a:xfrm>
-            <a:off x="685800" y="609600"/>
-            <a:ext cx="7772400" cy="1143000"/>
-          </a:xfrm>
-          <a:prstGeom prst="rect">
-            <a:avLst/>
-          </a:prstGeom>
-          <a:noFill/>
-          <a:ln>
-            <a:noFill/>
-          </a:ln>
-        </p:spPr>
-        <p:txBody>
-          <a:bodyPr lIns="91425" tIns="45700" rIns="91425" bIns="45700" anchor="ctr" anchorCtr="0">
-            <a:noAutofit/>
-          </a:bodyPr>
-          <a:lstStyle/>
-          <a:p>
-            <a:pPr marL="0" marR="0" lvl="0" indent="0" algn="ctr" rtl="0">
-              <a:spcBef>
-                <a:spcPts val="0"/>
-              </a:spcBef>
-              <a:spcAft>
-                <a:spcPts val="0"/>
-              </a:spcAft>
-              <a:buSzPct val="25000"/>
-              <a:buNone/>
-            </a:pPr>
-            <a:r>
-              <a:rPr lang="en-US" sz="4400" b="0" i="0" u="none" strike="noStrike" cap="none">
-                <a:solidFill>
-                  <a:schemeClr val="dk2"/>
-                </a:solidFill>
-                <a:latin typeface="Calibri"/>
-                <a:ea typeface="Calibri"/>
-                <a:cs typeface="Calibri"/>
-                <a:sym typeface="Calibri"/>
-              </a:rPr>
-              <a:t>Lexical Analyzer </a:t>
-            </a:r>
-          </a:p>
-        </p:txBody>
-      </p:sp>
-      <p:sp>
-        <p:nvSpPr>
           <p:cNvPr id="428" name="Shape 428"/>
           <p:cNvSpPr txBox="1">
             <a:spLocks noGrp="1"/>
@@ -37119,13 +37346,67 @@
               <a:buChar char="•"/>
             </a:pPr>
             <a:r>
-              <a:rPr lang="en-US" sz="3200" b="0" i="0" u="none" strike="noStrike" cap="none">
+              <a:rPr lang="en-US" sz="3200" b="0" i="0" u="none" strike="noStrike" cap="none" dirty="0">
                 <a:latin typeface="Calibri"/>
                 <a:ea typeface="Calibri"/>
                 <a:cs typeface="Calibri"/>
                 <a:sym typeface="Calibri"/>
               </a:rPr>
               <a:t> </a:t>
+            </a:r>
+          </a:p>
+        </p:txBody>
+      </p:sp>
+      <p:sp>
+        <p:nvSpPr>
+          <p:cNvPr id="427" name="Shape 427"/>
+          <p:cNvSpPr txBox="1">
+            <a:spLocks noGrp="1"/>
+          </p:cNvSpPr>
+          <p:nvPr>
+            <p:ph type="title"/>
+          </p:nvPr>
+        </p:nvSpPr>
+        <p:spPr>
+          <a:xfrm>
+            <a:off x="685800" y="609600"/>
+            <a:ext cx="7772400" cy="1143000"/>
+          </a:xfrm>
+          <a:prstGeom prst="rect">
+            <a:avLst/>
+          </a:prstGeom>
+          <a:noFill/>
+          <a:ln>
+            <a:noFill/>
+          </a:ln>
+        </p:spPr>
+        <p:txBody>
+          <a:bodyPr lIns="91425" tIns="45700" rIns="91425" bIns="45700" anchor="ctr" anchorCtr="0">
+            <a:noAutofit/>
+          </a:bodyPr>
+          <a:lstStyle/>
+          <a:p>
+            <a:pPr marL="0" marR="0" lvl="0" indent="0" algn="ctr" rtl="0">
+              <a:spcBef>
+                <a:spcPts val="0"/>
+              </a:spcBef>
+              <a:spcAft>
+                <a:spcPts val="0"/>
+              </a:spcAft>
+              <a:buSzPct val="25000"/>
+              <a:buNone/>
+            </a:pPr>
+            <a:r>
+              <a:rPr lang="en-US" sz="4400" b="0" i="0" u="none" strike="noStrike" cap="none" dirty="0">
+                <a:solidFill>
+                  <a:schemeClr val="dk2"/>
+                </a:solidFill>
+                <a:latin typeface="Calibri"/>
+                <a:ea typeface="Calibri"/>
+                <a:cs typeface="Calibri"/>
+                <a:sym typeface="Calibri"/>
+              </a:rPr>
+              <a:t>Lexical Analyzer </a:t>
             </a:r>
           </a:p>
         </p:txBody>
@@ -37181,7 +37462,7 @@
               </a:rPr>
               <a:t>32</a:t>
             </a:fld>
-            <a:endParaRPr lang="en-US" sz="1400">
+            <a:endParaRPr lang="en-US" sz="1400" dirty="0">
               <a:solidFill>
                 <a:schemeClr val="dk1"/>
               </a:solidFill>
@@ -37351,8 +37632,8 @@
         </p:nvSpPr>
         <p:spPr>
           <a:xfrm>
-            <a:off x="4985944" y="3140967"/>
-            <a:ext cx="3431099" cy="584700"/>
+            <a:off x="4996543" y="3140967"/>
+            <a:ext cx="3559628" cy="584700"/>
           </a:xfrm>
           <a:prstGeom prst="rect">
             <a:avLst/>
@@ -37379,7 +37660,7 @@
               <a:buNone/>
             </a:pPr>
             <a:r>
-              <a:rPr lang="en-US" sz="3200">
+              <a:rPr lang="en-US" sz="3200" dirty="0">
                 <a:solidFill>
                   <a:schemeClr val="dk1"/>
                 </a:solidFill>
@@ -37391,7 +37672,7 @@
               <a:t> </a:t>
             </a:r>
             <a:r>
-              <a:rPr lang="en-US" sz="3200">
+              <a:rPr lang="en-US" sz="3200" dirty="0">
                 <a:solidFill>
                   <a:srgbClr val="0070C0"/>
                 </a:solidFill>
@@ -37403,7 +37684,7 @@
               <a:t>x</a:t>
             </a:r>
             <a:r>
-              <a:rPr lang="en-US" sz="3200" baseline="-25000">
+              <a:rPr lang="en-US" sz="3200" baseline="-25000" dirty="0">
                 <a:solidFill>
                   <a:srgbClr val="0070C0"/>
                 </a:solidFill>
@@ -37415,7 +37696,7 @@
               <a:t>1 </a:t>
             </a:r>
             <a:r>
-              <a:rPr lang="en-US" sz="3200">
+              <a:rPr lang="en-US" sz="3200" dirty="0">
                 <a:solidFill>
                   <a:srgbClr val="0070C0"/>
                 </a:solidFill>
@@ -37427,7 +37708,7 @@
               <a:t>x</a:t>
             </a:r>
             <a:r>
-              <a:rPr lang="en-US" sz="3200" baseline="-25000">
+              <a:rPr lang="en-US" sz="3200" baseline="-25000" dirty="0">
                 <a:solidFill>
                   <a:srgbClr val="0070C0"/>
                 </a:solidFill>
@@ -37439,7 +37720,7 @@
               <a:t>2 </a:t>
             </a:r>
             <a:r>
-              <a:rPr lang="en-US" sz="3200">
+              <a:rPr lang="en-US" sz="3200" dirty="0">
                 <a:solidFill>
                   <a:srgbClr val="0070C0"/>
                 </a:solidFill>
@@ -37451,7 +37732,7 @@
               <a:t>x</a:t>
             </a:r>
             <a:r>
-              <a:rPr lang="en-US" sz="3200" baseline="-25000">
+              <a:rPr lang="en-US" sz="3200" baseline="-25000" dirty="0">
                 <a:solidFill>
                   <a:srgbClr val="0070C0"/>
                 </a:solidFill>
@@ -37463,7 +37744,7 @@
               <a:t>3 </a:t>
             </a:r>
             <a:r>
-              <a:rPr lang="en-US" sz="3200">
+              <a:rPr lang="en-US" sz="3200" dirty="0">
                 <a:solidFill>
                   <a:srgbClr val="0070C0"/>
                 </a:solidFill>
@@ -37475,7 +37756,7 @@
               <a:t>x</a:t>
             </a:r>
             <a:r>
-              <a:rPr lang="en-US" sz="3200" baseline="-25000">
+              <a:rPr lang="en-US" sz="3200" baseline="-25000" dirty="0">
                 <a:solidFill>
                   <a:srgbClr val="0070C0"/>
                 </a:solidFill>
@@ -37487,7 +37768,7 @@
               <a:t>4 </a:t>
             </a:r>
             <a:r>
-              <a:rPr lang="en-US" sz="3200">
+              <a:rPr lang="en-US" sz="3200" dirty="0">
                 <a:solidFill>
                   <a:srgbClr val="0070C0"/>
                 </a:solidFill>
@@ -37499,7 +37780,7 @@
               <a:t>x</a:t>
             </a:r>
             <a:r>
-              <a:rPr lang="en-US" sz="3200" baseline="-25000">
+              <a:rPr lang="en-US" sz="3200" baseline="-25000" dirty="0">
                 <a:solidFill>
                   <a:srgbClr val="0070C0"/>
                 </a:solidFill>
@@ -37511,7 +37792,7 @@
               <a:t>5 </a:t>
             </a:r>
             <a:r>
-              <a:rPr lang="en-US" sz="3200">
+              <a:rPr lang="en-US" sz="3200" dirty="0">
                 <a:solidFill>
                   <a:srgbClr val="0070C0"/>
                 </a:solidFill>
@@ -37523,7 +37804,7 @@
               <a:t>x</a:t>
             </a:r>
             <a:r>
-              <a:rPr lang="en-US" sz="3200" baseline="-25000">
+              <a:rPr lang="en-US" sz="3200" baseline="-25000" dirty="0">
                 <a:solidFill>
                   <a:srgbClr val="0070C0"/>
                 </a:solidFill>
@@ -37535,7 +37816,7 @@
               <a:t>6 </a:t>
             </a:r>
             <a:r>
-              <a:rPr lang="en-US" sz="3200">
+              <a:rPr lang="en-US" sz="3200" dirty="0">
                 <a:solidFill>
                   <a:srgbClr val="0070C0"/>
                 </a:solidFill>
@@ -37547,7 +37828,7 @@
               <a:t>x</a:t>
             </a:r>
             <a:r>
-              <a:rPr lang="en-US" sz="3200" baseline="-25000">
+              <a:rPr lang="en-US" sz="3200" baseline="-25000" dirty="0">
                 <a:solidFill>
                   <a:srgbClr val="0070C0"/>
                 </a:solidFill>
@@ -37559,7 +37840,7 @@
               <a:t>7</a:t>
             </a:r>
             <a:r>
-              <a:rPr lang="en-US" sz="3200">
+              <a:rPr lang="en-US" sz="3200" dirty="0">
                 <a:solidFill>
                   <a:srgbClr val="0070C0"/>
                 </a:solidFill>
@@ -37745,11 +38026,131 @@
           </a:p>
         </p:txBody>
       </p:sp>
+      <p:sp>
+        <p:nvSpPr>
+          <p:cNvPr id="2" name="TextBox 1">
+            <a:extLst>
+              <a:ext uri="{FF2B5EF4-FFF2-40B4-BE49-F238E27FC236}">
+                <a16:creationId xmlns:a16="http://schemas.microsoft.com/office/drawing/2014/main" id="{98D7370E-4DA9-0B44-9D25-D0D8767CC278}"/>
+              </a:ext>
+            </a:extLst>
+          </p:cNvPr>
+          <p:cNvSpPr txBox="1"/>
+          <p:nvPr/>
+        </p:nvSpPr>
+        <p:spPr>
+          <a:xfrm>
+            <a:off x="1967530" y="5535962"/>
+            <a:ext cx="1095172" cy="400110"/>
+          </a:xfrm>
+          <a:prstGeom prst="rect">
+            <a:avLst/>
+          </a:prstGeom>
+          <a:noFill/>
+        </p:spPr>
+        <p:txBody>
+          <a:bodyPr wrap="none" rtlCol="0">
+            <a:spAutoFit/>
+          </a:bodyPr>
+          <a:lstStyle/>
+          <a:p>
+            <a:r>
+              <a:rPr lang="en-US" sz="2000" dirty="0">
+                <a:solidFill>
+                  <a:schemeClr val="accent6">
+                    <a:lumMod val="60000"/>
+                    <a:lumOff val="40000"/>
+                  </a:schemeClr>
+                </a:solidFill>
+              </a:rPr>
+              <a:t>max(i, j)</a:t>
+            </a:r>
+          </a:p>
+        </p:txBody>
+      </p:sp>
     </p:spTree>
   </p:cSld>
   <p:clrMapOvr>
     <a:masterClrMapping/>
   </p:clrMapOvr>
+  <p:timing>
+    <p:tnLst>
+      <p:par>
+        <p:cTn id="1" dur="indefinite" restart="never" nodeType="tmRoot">
+          <p:childTnLst>
+            <p:seq concurrent="1" nextAc="seek">
+              <p:cTn id="2" dur="indefinite" nodeType="mainSeq">
+                <p:childTnLst>
+                  <p:par>
+                    <p:cTn id="3" fill="hold">
+                      <p:stCondLst>
+                        <p:cond delay="indefinite"/>
+                      </p:stCondLst>
+                      <p:childTnLst>
+                        <p:par>
+                          <p:cTn id="4" fill="hold">
+                            <p:stCondLst>
+                              <p:cond delay="0"/>
+                            </p:stCondLst>
+                            <p:childTnLst>
+                              <p:par>
+                                <p:cTn id="5" presetID="1" presetClass="entr" presetSubtype="0" fill="hold" grpId="0" nodeType="clickEffect">
+                                  <p:stCondLst>
+                                    <p:cond delay="0"/>
+                                  </p:stCondLst>
+                                  <p:childTnLst>
+                                    <p:set>
+                                      <p:cBhvr>
+                                        <p:cTn id="6" dur="1" fill="hold">
+                                          <p:stCondLst>
+                                            <p:cond delay="0"/>
+                                          </p:stCondLst>
+                                        </p:cTn>
+                                        <p:tgtEl>
+                                          <p:spTgt spid="2"/>
+                                        </p:tgtEl>
+                                        <p:attrNameLst>
+                                          <p:attrName>style.visibility</p:attrName>
+                                        </p:attrNameLst>
+                                      </p:cBhvr>
+                                      <p:to>
+                                        <p:strVal val="visible"/>
+                                      </p:to>
+                                    </p:set>
+                                  </p:childTnLst>
+                                </p:cTn>
+                              </p:par>
+                            </p:childTnLst>
+                          </p:cTn>
+                        </p:par>
+                      </p:childTnLst>
+                    </p:cTn>
+                  </p:par>
+                </p:childTnLst>
+              </p:cTn>
+              <p:prevCondLst>
+                <p:cond evt="onPrev" delay="0">
+                  <p:tgtEl>
+                    <p:sldTgt/>
+                  </p:tgtEl>
+                </p:cond>
+              </p:prevCondLst>
+              <p:nextCondLst>
+                <p:cond evt="onNext" delay="0">
+                  <p:tgtEl>
+                    <p:sldTgt/>
+                  </p:tgtEl>
+                </p:cond>
+              </p:nextCondLst>
+            </p:seq>
+          </p:childTnLst>
+        </p:cTn>
+      </p:par>
+    </p:tnLst>
+    <p:bldLst>
+      <p:bldP spid="2" grpId="0"/>
+    </p:bldLst>
+  </p:timing>
 </p:sld>
 </file>
 
@@ -37875,7 +38276,7 @@
               <a:buChar char="•"/>
             </a:pPr>
             <a:r>
-              <a:rPr lang="en-US" sz="3200" b="0" i="0" u="none" strike="noStrike" cap="none">
+              <a:rPr lang="en-US" sz="3200" b="0" i="0" u="none" strike="noStrike" cap="none" dirty="0">
                 <a:latin typeface="Calibri"/>
                 <a:ea typeface="Calibri"/>
                 <a:cs typeface="Calibri"/>
@@ -38309,11 +38710,148 @@
           </a:p>
         </p:txBody>
       </p:sp>
+      <p:sp>
+        <p:nvSpPr>
+          <p:cNvPr id="2" name="TextBox 1">
+            <a:extLst>
+              <a:ext uri="{FF2B5EF4-FFF2-40B4-BE49-F238E27FC236}">
+                <a16:creationId xmlns:a16="http://schemas.microsoft.com/office/drawing/2014/main" id="{9E679E1F-2F22-1F40-BAFF-5497A818D279}"/>
+              </a:ext>
+            </a:extLst>
+          </p:cNvPr>
+          <p:cNvSpPr txBox="1"/>
+          <p:nvPr/>
+        </p:nvSpPr>
+        <p:spPr>
+          <a:xfrm>
+            <a:off x="4627764" y="5360150"/>
+            <a:ext cx="3830435" cy="707886"/>
+          </a:xfrm>
+          <a:prstGeom prst="rect">
+            <a:avLst/>
+          </a:prstGeom>
+          <a:noFill/>
+        </p:spPr>
+        <p:txBody>
+          <a:bodyPr wrap="square" rtlCol="0">
+            <a:spAutoFit/>
+          </a:bodyPr>
+          <a:lstStyle/>
+          <a:p>
+            <a:r>
+              <a:rPr lang="en-US" sz="2000" dirty="0"/>
+              <a:t>This situation arises when </a:t>
+            </a:r>
+            <a:r>
+              <a:rPr lang="en-US" sz="2000" dirty="0">
+                <a:latin typeface="Courier" pitchFamily="2" charset="0"/>
+              </a:rPr>
+              <a:t>if</a:t>
+            </a:r>
+            <a:r>
+              <a:rPr lang="en-US" sz="2000" dirty="0"/>
+              <a:t> is followed by </a:t>
+            </a:r>
+            <a:r>
+              <a:rPr lang="en-US" sz="2000" dirty="0" err="1"/>
+              <a:t>Lparen</a:t>
+            </a:r>
+            <a:r>
+              <a:rPr lang="en-US" sz="2000" dirty="0"/>
+              <a:t> e.g. </a:t>
+            </a:r>
+            <a:r>
+              <a:rPr lang="en-US" sz="2000" dirty="0">
+                <a:latin typeface="Courier" pitchFamily="2" charset="0"/>
+              </a:rPr>
+              <a:t>if(</a:t>
+            </a:r>
+          </a:p>
+        </p:txBody>
+      </p:sp>
     </p:spTree>
   </p:cSld>
   <p:clrMapOvr>
     <a:masterClrMapping/>
   </p:clrMapOvr>
+  <p:timing>
+    <p:tnLst>
+      <p:par>
+        <p:cTn id="1" dur="indefinite" restart="never" nodeType="tmRoot">
+          <p:childTnLst>
+            <p:seq concurrent="1" nextAc="seek">
+              <p:cTn id="2" dur="indefinite" nodeType="mainSeq">
+                <p:childTnLst>
+                  <p:par>
+                    <p:cTn id="3" fill="hold">
+                      <p:stCondLst>
+                        <p:cond delay="indefinite"/>
+                      </p:stCondLst>
+                      <p:childTnLst>
+                        <p:par>
+                          <p:cTn id="4" fill="hold">
+                            <p:stCondLst>
+                              <p:cond delay="0"/>
+                            </p:stCondLst>
+                            <p:childTnLst>
+                              <p:par>
+                                <p:cTn id="5" presetID="1" presetClass="entr" presetSubtype="0" fill="hold" grpId="0" nodeType="clickEffect">
+                                  <p:stCondLst>
+                                    <p:cond delay="0"/>
+                                  </p:stCondLst>
+                                  <p:childTnLst>
+                                    <p:set>
+                                      <p:cBhvr>
+                                        <p:cTn id="6" dur="1" fill="hold">
+                                          <p:stCondLst>
+                                            <p:cond delay="0"/>
+                                          </p:stCondLst>
+                                        </p:cTn>
+                                        <p:tgtEl>
+                                          <p:spTgt spid="2"/>
+                                        </p:tgtEl>
+                                        <p:attrNameLst>
+                                          <p:attrName>style.visibility</p:attrName>
+                                        </p:attrNameLst>
+                                      </p:cBhvr>
+                                      <p:to>
+                                        <p:strVal val="visible"/>
+                                      </p:to>
+                                    </p:set>
+                                  </p:childTnLst>
+                                </p:cTn>
+                              </p:par>
+                            </p:childTnLst>
+                          </p:cTn>
+                        </p:par>
+                      </p:childTnLst>
+                    </p:cTn>
+                  </p:par>
+                </p:childTnLst>
+              </p:cTn>
+              <p:prevCondLst>
+                <p:cond evt="onPrev" delay="0">
+                  <p:tgtEl>
+                    <p:sldTgt/>
+                  </p:tgtEl>
+                </p:cond>
+              </p:prevCondLst>
+              <p:nextCondLst>
+                <p:cond evt="onNext" delay="0">
+                  <p:tgtEl>
+                    <p:sldTgt/>
+                  </p:tgtEl>
+                </p:cond>
+              </p:nextCondLst>
+            </p:seq>
+          </p:childTnLst>
+        </p:cTn>
+      </p:par>
+    </p:tnLst>
+    <p:bldLst>
+      <p:bldP spid="2" grpId="0"/>
+    </p:bldLst>
+  </p:timing>
 </p:sld>
 </file>
 
@@ -38908,7 +39446,7 @@
               <a:buChar char="•"/>
             </a:pPr>
             <a:r>
-              <a:rPr lang="en-US" sz="3200" b="0" i="0" u="none" strike="noStrike" cap="none">
+              <a:rPr lang="en-US" sz="3200" b="0" i="0" u="none" strike="noStrike" cap="none" dirty="0">
                 <a:solidFill>
                   <a:schemeClr val="dk1"/>
                 </a:solidFill>
@@ -38936,7 +39474,7 @@
               <a:buChar char="•"/>
             </a:pPr>
             <a:r>
-              <a:rPr lang="en-US" sz="3200" b="0" i="0" u="none" strike="noStrike" cap="none">
+              <a:rPr lang="en-US" sz="3200" b="0" i="0" u="none" strike="noStrike" cap="none" dirty="0">
                 <a:solidFill>
                   <a:schemeClr val="dk1"/>
                 </a:solidFill>
@@ -38964,7 +39502,7 @@
               <a:buChar char="–"/>
             </a:pPr>
             <a:r>
-              <a:rPr lang="en-US" sz="2800" b="0" i="0" u="none" strike="noStrike" cap="none">
+              <a:rPr lang="en-US" sz="2800" b="0" i="0" u="none" strike="noStrike" cap="none" dirty="0">
                 <a:solidFill>
                   <a:srgbClr val="0070C0"/>
                 </a:solidFill>
@@ -38992,7 +39530,7 @@
               <a:buChar char="–"/>
             </a:pPr>
             <a:r>
-              <a:rPr lang="en-US" sz="2800" b="0" i="0" u="none" strike="noStrike" cap="none">
+              <a:rPr lang="en-US" sz="2800" b="0" i="0" u="none" strike="noStrike" cap="none" dirty="0">
                 <a:solidFill>
                   <a:srgbClr val="0070C0"/>
                 </a:solidFill>
@@ -39020,6 +39558,18 @@
               <a:buChar char="•"/>
             </a:pPr>
             <a:r>
+              <a:rPr lang="en-US" sz="3200" b="0" i="0" u="none" strike="noStrike" cap="none" dirty="0">
+                <a:solidFill>
+                  <a:schemeClr val="dk1"/>
+                </a:solidFill>
+                <a:latin typeface="Calibri"/>
+                <a:ea typeface="Calibri"/>
+                <a:cs typeface="Calibri"/>
+                <a:sym typeface="Calibri"/>
+              </a:rPr>
+              <a:t>A good algorithm for lexical </a:t>
+            </a:r>
+            <a:r>
               <a:rPr lang="en-US" sz="3200" b="0" i="0" u="none" strike="noStrike" cap="none">
                 <a:solidFill>
                   <a:schemeClr val="dk1"/>
@@ -39029,8 +39579,17 @@
                 <a:cs typeface="Calibri"/>
                 <a:sym typeface="Calibri"/>
               </a:rPr>
-              <a:t>Good Algorithm known</a:t>
+              <a:t>analysis will:</a:t>
             </a:r>
+            <a:endParaRPr lang="en-US" sz="3200" b="0" i="0" u="none" strike="noStrike" cap="none" dirty="0">
+              <a:solidFill>
+                <a:schemeClr val="dk1"/>
+              </a:solidFill>
+              <a:latin typeface="Calibri"/>
+              <a:ea typeface="Calibri"/>
+              <a:cs typeface="Calibri"/>
+              <a:sym typeface="Calibri"/>
+            </a:endParaRPr>
           </a:p>
           <a:p>
             <a:pPr marL="742950" marR="0" lvl="1" indent="-285750" algn="l" rtl="0">
@@ -39048,7 +39607,7 @@
               <a:buChar char="–"/>
             </a:pPr>
             <a:r>
-              <a:rPr lang="en-US" sz="2800" b="0" i="0" u="none" strike="noStrike" cap="none">
+              <a:rPr lang="en-US" sz="2800" b="0" i="0" u="none" strike="noStrike" cap="none" dirty="0">
                 <a:solidFill>
                   <a:srgbClr val="0070C0"/>
                 </a:solidFill>
@@ -39076,7 +39635,7 @@
               <a:buChar char="–"/>
             </a:pPr>
             <a:r>
-              <a:rPr lang="en-US" sz="2800" b="0" i="0" u="none" strike="noStrike" cap="none">
+              <a:rPr lang="en-US" sz="2800" b="0" i="0" u="none" strike="noStrike" cap="none" dirty="0">
                 <a:solidFill>
                   <a:srgbClr val="0070C0"/>
                 </a:solidFill>

--- a/assets/ppt/lex/lex2-regular-expressions.pptx
+++ b/assets/ppt/lex/lex2-regular-expressions.pptx
@@ -2568,7 +2568,7 @@
           <a:p>
             <a:fld id="{1B6DC762-1116-2146-A47C-D79A5A5DBAFD}" type="datetime1">
               <a:rPr lang="en-CA" smtClean="0"/>
-              <a:t>2020-09-12</a:t>
+              <a:t>2020-09-13</a:t>
             </a:fld>
             <a:endParaRPr lang="en-US"/>
           </a:p>
@@ -2766,7 +2766,7 @@
           <a:p>
             <a:fld id="{725FEDD1-5A1B-2342-BAF0-F7C5511A73CE}" type="datetime1">
               <a:rPr lang="en-CA" smtClean="0"/>
-              <a:t>2020-09-12</a:t>
+              <a:t>2020-09-13</a:t>
             </a:fld>
             <a:endParaRPr lang="en-US"/>
           </a:p>
@@ -2974,7 +2974,7 @@
           <a:p>
             <a:fld id="{F09E59AE-0AE1-4048-8BD6-D39FC0EBB194}" type="datetime1">
               <a:rPr lang="en-CA" smtClean="0"/>
-              <a:t>2020-09-12</a:t>
+              <a:t>2020-09-13</a:t>
             </a:fld>
             <a:endParaRPr lang="en-US"/>
           </a:p>
@@ -3324,7 +3324,7 @@
           <a:p>
             <a:fld id="{A2849525-9B7D-5945-A782-775278635E42}" type="datetime1">
               <a:rPr lang="en-CA" smtClean="0"/>
-              <a:t>2020-09-12</a:t>
+              <a:t>2020-09-13</a:t>
             </a:fld>
             <a:endParaRPr lang="en-US"/>
           </a:p>
@@ -3599,7 +3599,7 @@
           <a:p>
             <a:fld id="{D05E1499-BDD1-6940-8C79-13A8B8E63D57}" type="datetime1">
               <a:rPr lang="en-CA" smtClean="0"/>
-              <a:t>2020-09-12</a:t>
+              <a:t>2020-09-13</a:t>
             </a:fld>
             <a:endParaRPr lang="en-US"/>
           </a:p>
@@ -3864,7 +3864,7 @@
           <a:p>
             <a:fld id="{17E70EF3-18A7-4644-8DA2-1EB9CA66C736}" type="datetime1">
               <a:rPr lang="en-CA" smtClean="0"/>
-              <a:t>2020-09-12</a:t>
+              <a:t>2020-09-13</a:t>
             </a:fld>
             <a:endParaRPr lang="en-US"/>
           </a:p>
@@ -4276,7 +4276,7 @@
           <a:p>
             <a:fld id="{54538FC1-2481-FB4A-91E5-87F3422DE2D5}" type="datetime1">
               <a:rPr lang="en-CA" smtClean="0"/>
-              <a:t>2020-09-12</a:t>
+              <a:t>2020-09-13</a:t>
             </a:fld>
             <a:endParaRPr lang="en-US"/>
           </a:p>
@@ -4417,7 +4417,7 @@
           <a:p>
             <a:fld id="{93D5C515-1622-C840-89B2-A4A55D34866A}" type="datetime1">
               <a:rPr lang="en-CA" smtClean="0"/>
-              <a:t>2020-09-12</a:t>
+              <a:t>2020-09-13</a:t>
             </a:fld>
             <a:endParaRPr lang="en-US"/>
           </a:p>
@@ -4530,7 +4530,7 @@
           <a:p>
             <a:fld id="{B9077E75-6C88-BB47-AC6F-0DCA859E7113}" type="datetime1">
               <a:rPr lang="en-CA" smtClean="0"/>
-              <a:t>2020-09-12</a:t>
+              <a:t>2020-09-13</a:t>
             </a:fld>
             <a:endParaRPr lang="en-US"/>
           </a:p>
@@ -4841,7 +4841,7 @@
           <a:p>
             <a:fld id="{1AD12F8B-7E05-A047-BAC3-EE71BEBBE5BE}" type="datetime1">
               <a:rPr lang="en-CA" smtClean="0"/>
-              <a:t>2020-09-12</a:t>
+              <a:t>2020-09-13</a:t>
             </a:fld>
             <a:endParaRPr lang="en-US"/>
           </a:p>
@@ -5129,7 +5129,7 @@
           <a:p>
             <a:fld id="{C1D9F72A-E93E-B546-8268-6408A6E1DA62}" type="datetime1">
               <a:rPr lang="en-CA" smtClean="0"/>
-              <a:t>2020-09-12</a:t>
+              <a:t>2020-09-13</a:t>
             </a:fld>
             <a:endParaRPr lang="en-US"/>
           </a:p>
@@ -5370,7 +5370,7 @@
           <a:p>
             <a:fld id="{97DF4AC7-DB73-7444-A2A7-FD79FE1A2B2B}" type="datetime1">
               <a:rPr lang="en-CA" smtClean="0"/>
-              <a:t>2020-09-12</a:t>
+              <a:t>2020-09-13</a:t>
             </a:fld>
             <a:endParaRPr lang="en-US"/>
           </a:p>
@@ -8107,8 +8107,8 @@
             </a:p>
           </p:txBody>
         </p:sp>
-        <mc:AlternateContent xmlns:mc="http://schemas.openxmlformats.org/markup-compatibility/2006">
-          <mc:Choice xmlns:a14="http://schemas.microsoft.com/office/drawing/2010/main" Requires="a14">
+        <mc:AlternateContent xmlns:mc="http://schemas.openxmlformats.org/markup-compatibility/2006" xmlns:a14="http://schemas.microsoft.com/office/drawing/2010/main">
+          <mc:Choice Requires="a14">
             <p:sp>
               <p:nvSpPr>
                 <p:cNvPr id="7" name="Rectangle 6">
@@ -8177,7 +8177,7 @@
               </p:txBody>
             </p:sp>
           </mc:Choice>
-          <mc:Fallback>
+          <mc:Fallback xmlns="">
             <p:sp>
               <p:nvSpPr>
                 <p:cNvPr id="7" name="Rectangle 6">
@@ -8222,8 +8222,8 @@
             </p:sp>
           </mc:Fallback>
         </mc:AlternateContent>
-        <mc:AlternateContent xmlns:mc="http://schemas.openxmlformats.org/markup-compatibility/2006">
-          <mc:Choice xmlns:a14="http://schemas.microsoft.com/office/drawing/2010/main" Requires="a14">
+        <mc:AlternateContent xmlns:mc="http://schemas.openxmlformats.org/markup-compatibility/2006" xmlns:a14="http://schemas.microsoft.com/office/drawing/2010/main">
+          <mc:Choice Requires="a14">
             <p:sp>
               <p:nvSpPr>
                 <p:cNvPr id="10" name="Rectangle 9">
@@ -8292,7 +8292,7 @@
               </p:txBody>
             </p:sp>
           </mc:Choice>
-          <mc:Fallback>
+          <mc:Fallback xmlns="">
             <p:sp>
               <p:nvSpPr>
                 <p:cNvPr id="10" name="Rectangle 9">
@@ -8337,8 +8337,8 @@
             </p:sp>
           </mc:Fallback>
         </mc:AlternateContent>
-        <mc:AlternateContent xmlns:mc="http://schemas.openxmlformats.org/markup-compatibility/2006">
-          <mc:Choice xmlns:a14="http://schemas.microsoft.com/office/drawing/2010/main" Requires="a14">
+        <mc:AlternateContent xmlns:mc="http://schemas.openxmlformats.org/markup-compatibility/2006" xmlns:a14="http://schemas.microsoft.com/office/drawing/2010/main">
+          <mc:Choice Requires="a14">
             <p:sp>
               <p:nvSpPr>
                 <p:cNvPr id="11" name="Rectangle 10">
@@ -8407,7 +8407,7 @@
               </p:txBody>
             </p:sp>
           </mc:Choice>
-          <mc:Fallback>
+          <mc:Fallback xmlns="">
             <p:sp>
               <p:nvSpPr>
                 <p:cNvPr id="11" name="Rectangle 10">
@@ -8452,8 +8452,8 @@
             </p:sp>
           </mc:Fallback>
         </mc:AlternateContent>
-        <mc:AlternateContent xmlns:mc="http://schemas.openxmlformats.org/markup-compatibility/2006">
-          <mc:Choice xmlns:a14="http://schemas.microsoft.com/office/drawing/2010/main" Requires="a14">
+        <mc:AlternateContent xmlns:mc="http://schemas.openxmlformats.org/markup-compatibility/2006" xmlns:a14="http://schemas.microsoft.com/office/drawing/2010/main">
+          <mc:Choice Requires="a14">
             <p:sp>
               <p:nvSpPr>
                 <p:cNvPr id="12" name="Rectangle 11">
@@ -8522,7 +8522,7 @@
               </p:txBody>
             </p:sp>
           </mc:Choice>
-          <mc:Fallback>
+          <mc:Fallback xmlns="">
             <p:sp>
               <p:nvSpPr>
                 <p:cNvPr id="12" name="Rectangle 11">
@@ -10883,8 +10883,8 @@
           </a:p>
         </p:txBody>
       </p:sp>
-      <mc:AlternateContent xmlns:mc="http://schemas.openxmlformats.org/markup-compatibility/2006">
-        <mc:Choice xmlns:a14="http://schemas.microsoft.com/office/drawing/2010/main" Requires="a14">
+      <mc:AlternateContent xmlns:mc="http://schemas.openxmlformats.org/markup-compatibility/2006" xmlns:a14="http://schemas.microsoft.com/office/drawing/2010/main">
+        <mc:Choice Requires="a14">
           <p:sp>
             <p:nvSpPr>
               <p:cNvPr id="7" name="Rectangle 6">
@@ -10953,7 +10953,7 @@
             </p:txBody>
           </p:sp>
         </mc:Choice>
-        <mc:Fallback>
+        <mc:Fallback xmlns="">
           <p:sp>
             <p:nvSpPr>
               <p:cNvPr id="7" name="Rectangle 6">
@@ -10998,8 +10998,8 @@
           </p:sp>
         </mc:Fallback>
       </mc:AlternateContent>
-      <mc:AlternateContent xmlns:mc="http://schemas.openxmlformats.org/markup-compatibility/2006">
-        <mc:Choice xmlns:a14="http://schemas.microsoft.com/office/drawing/2010/main" Requires="a14">
+      <mc:AlternateContent xmlns:mc="http://schemas.openxmlformats.org/markup-compatibility/2006" xmlns:a14="http://schemas.microsoft.com/office/drawing/2010/main">
+        <mc:Choice Requires="a14">
           <p:sp>
             <p:nvSpPr>
               <p:cNvPr id="10" name="Rectangle 9">
@@ -11068,7 +11068,7 @@
             </p:txBody>
           </p:sp>
         </mc:Choice>
-        <mc:Fallback>
+        <mc:Fallback xmlns="">
           <p:sp>
             <p:nvSpPr>
               <p:cNvPr id="10" name="Rectangle 9">
@@ -11113,8 +11113,8 @@
           </p:sp>
         </mc:Fallback>
       </mc:AlternateContent>
-      <mc:AlternateContent xmlns:mc="http://schemas.openxmlformats.org/markup-compatibility/2006">
-        <mc:Choice xmlns:a14="http://schemas.microsoft.com/office/drawing/2010/main" Requires="a14">
+      <mc:AlternateContent xmlns:mc="http://schemas.openxmlformats.org/markup-compatibility/2006" xmlns:a14="http://schemas.microsoft.com/office/drawing/2010/main">
+        <mc:Choice Requires="a14">
           <p:sp>
             <p:nvSpPr>
               <p:cNvPr id="11" name="Rectangle 10">
@@ -11183,7 +11183,7 @@
             </p:txBody>
           </p:sp>
         </mc:Choice>
-        <mc:Fallback>
+        <mc:Fallback xmlns="">
           <p:sp>
             <p:nvSpPr>
               <p:cNvPr id="11" name="Rectangle 10">
@@ -11228,8 +11228,8 @@
           </p:sp>
         </mc:Fallback>
       </mc:AlternateContent>
-      <mc:AlternateContent xmlns:mc="http://schemas.openxmlformats.org/markup-compatibility/2006">
-        <mc:Choice xmlns:a14="http://schemas.microsoft.com/office/drawing/2010/main" Requires="a14">
+      <mc:AlternateContent xmlns:mc="http://schemas.openxmlformats.org/markup-compatibility/2006" xmlns:a14="http://schemas.microsoft.com/office/drawing/2010/main">
+        <mc:Choice Requires="a14">
           <p:sp>
             <p:nvSpPr>
               <p:cNvPr id="12" name="Rectangle 11">
@@ -11298,7 +11298,7 @@
             </p:txBody>
           </p:sp>
         </mc:Choice>
-        <mc:Fallback>
+        <mc:Fallback xmlns="">
           <p:sp>
             <p:nvSpPr>
               <p:cNvPr id="12" name="Rectangle 11">
@@ -12825,8 +12825,8 @@
           </a:p>
         </p:txBody>
       </p:sp>
-      <mc:AlternateContent xmlns:mc="http://schemas.openxmlformats.org/markup-compatibility/2006">
-        <mc:Choice xmlns:a14="http://schemas.microsoft.com/office/drawing/2010/main" Requires="a14">
+      <mc:AlternateContent xmlns:mc="http://schemas.openxmlformats.org/markup-compatibility/2006" xmlns:a14="http://schemas.microsoft.com/office/drawing/2010/main">
+        <mc:Choice Requires="a14">
           <p:sp>
             <p:nvSpPr>
               <p:cNvPr id="7" name="Rectangle 6">
@@ -12895,7 +12895,7 @@
             </p:txBody>
           </p:sp>
         </mc:Choice>
-        <mc:Fallback>
+        <mc:Fallback xmlns="">
           <p:sp>
             <p:nvSpPr>
               <p:cNvPr id="7" name="Rectangle 6">
@@ -12940,8 +12940,8 @@
           </p:sp>
         </mc:Fallback>
       </mc:AlternateContent>
-      <mc:AlternateContent xmlns:mc="http://schemas.openxmlformats.org/markup-compatibility/2006">
-        <mc:Choice xmlns:a14="http://schemas.microsoft.com/office/drawing/2010/main" Requires="a14">
+      <mc:AlternateContent xmlns:mc="http://schemas.openxmlformats.org/markup-compatibility/2006" xmlns:a14="http://schemas.microsoft.com/office/drawing/2010/main">
+        <mc:Choice Requires="a14">
           <p:sp>
             <p:nvSpPr>
               <p:cNvPr id="10" name="Rectangle 9">
@@ -13010,7 +13010,7 @@
             </p:txBody>
           </p:sp>
         </mc:Choice>
-        <mc:Fallback>
+        <mc:Fallback xmlns="">
           <p:sp>
             <p:nvSpPr>
               <p:cNvPr id="10" name="Rectangle 9">
@@ -13055,8 +13055,8 @@
           </p:sp>
         </mc:Fallback>
       </mc:AlternateContent>
-      <mc:AlternateContent xmlns:mc="http://schemas.openxmlformats.org/markup-compatibility/2006">
-        <mc:Choice xmlns:a14="http://schemas.microsoft.com/office/drawing/2010/main" Requires="a14">
+      <mc:AlternateContent xmlns:mc="http://schemas.openxmlformats.org/markup-compatibility/2006" xmlns:a14="http://schemas.microsoft.com/office/drawing/2010/main">
+        <mc:Choice Requires="a14">
           <p:sp>
             <p:nvSpPr>
               <p:cNvPr id="11" name="Rectangle 10">
@@ -13125,7 +13125,7 @@
             </p:txBody>
           </p:sp>
         </mc:Choice>
-        <mc:Fallback>
+        <mc:Fallback xmlns="">
           <p:sp>
             <p:nvSpPr>
               <p:cNvPr id="11" name="Rectangle 10">
@@ -13170,8 +13170,8 @@
           </p:sp>
         </mc:Fallback>
       </mc:AlternateContent>
-      <mc:AlternateContent xmlns:mc="http://schemas.openxmlformats.org/markup-compatibility/2006">
-        <mc:Choice xmlns:a14="http://schemas.microsoft.com/office/drawing/2010/main" Requires="a14">
+      <mc:AlternateContent xmlns:mc="http://schemas.openxmlformats.org/markup-compatibility/2006" xmlns:a14="http://schemas.microsoft.com/office/drawing/2010/main">
+        <mc:Choice Requires="a14">
           <p:sp>
             <p:nvSpPr>
               <p:cNvPr id="12" name="Rectangle 11">
@@ -13240,7 +13240,7 @@
             </p:txBody>
           </p:sp>
         </mc:Choice>
-        <mc:Fallback>
+        <mc:Fallback xmlns="">
           <p:sp>
             <p:nvSpPr>
               <p:cNvPr id="12" name="Rectangle 11">
@@ -13790,175 +13790,6 @@
   <p:clrMapOvr>
     <a:masterClrMapping/>
   </p:clrMapOvr>
-  <p:timing>
-    <p:tnLst>
-      <p:par>
-        <p:cTn id="1" dur="indefinite" restart="never" nodeType="tmRoot">
-          <p:childTnLst>
-            <p:seq concurrent="1" nextAc="seek">
-              <p:cTn id="2" dur="indefinite" nodeType="mainSeq">
-                <p:childTnLst>
-                  <p:par>
-                    <p:cTn id="3" fill="hold">
-                      <p:stCondLst>
-                        <p:cond delay="indefinite"/>
-                      </p:stCondLst>
-                      <p:childTnLst>
-                        <p:par>
-                          <p:cTn id="4" fill="hold">
-                            <p:stCondLst>
-                              <p:cond delay="0"/>
-                            </p:stCondLst>
-                            <p:childTnLst>
-                              <p:par>
-                                <p:cTn id="5" presetID="1" presetClass="entr" presetSubtype="0" fill="hold" nodeType="clickEffect">
-                                  <p:stCondLst>
-                                    <p:cond delay="0"/>
-                                  </p:stCondLst>
-                                  <p:childTnLst>
-                                    <p:set>
-                                      <p:cBhvr>
-                                        <p:cTn id="6" dur="1" fill="hold">
-                                          <p:stCondLst>
-                                            <p:cond delay="0"/>
-                                          </p:stCondLst>
-                                        </p:cTn>
-                                        <p:tgtEl>
-                                          <p:spTgt spid="60"/>
-                                        </p:tgtEl>
-                                        <p:attrNameLst>
-                                          <p:attrName>style.visibility</p:attrName>
-                                        </p:attrNameLst>
-                                      </p:cBhvr>
-                                      <p:to>
-                                        <p:strVal val="visible"/>
-                                      </p:to>
-                                    </p:set>
-                                  </p:childTnLst>
-                                </p:cTn>
-                              </p:par>
-                            </p:childTnLst>
-                          </p:cTn>
-                        </p:par>
-                      </p:childTnLst>
-                    </p:cTn>
-                  </p:par>
-                  <p:par>
-                    <p:cTn id="7" fill="hold">
-                      <p:stCondLst>
-                        <p:cond delay="indefinite"/>
-                      </p:stCondLst>
-                      <p:childTnLst>
-                        <p:par>
-                          <p:cTn id="8" fill="hold">
-                            <p:stCondLst>
-                              <p:cond delay="0"/>
-                            </p:stCondLst>
-                            <p:childTnLst>
-                              <p:par>
-                                <p:cTn id="9" presetID="1" presetClass="entr" presetSubtype="0" fill="hold" grpId="0" nodeType="clickEffect">
-                                  <p:stCondLst>
-                                    <p:cond delay="0"/>
-                                  </p:stCondLst>
-                                  <p:childTnLst>
-                                    <p:set>
-                                      <p:cBhvr>
-                                        <p:cTn id="10" dur="1" fill="hold">
-                                          <p:stCondLst>
-                                            <p:cond delay="0"/>
-                                          </p:stCondLst>
-                                        </p:cTn>
-                                        <p:tgtEl>
-                                          <p:spTgt spid="9"/>
-                                        </p:tgtEl>
-                                        <p:attrNameLst>
-                                          <p:attrName>style.visibility</p:attrName>
-                                        </p:attrNameLst>
-                                      </p:cBhvr>
-                                      <p:to>
-                                        <p:strVal val="visible"/>
-                                      </p:to>
-                                    </p:set>
-                                  </p:childTnLst>
-                                </p:cTn>
-                              </p:par>
-                            </p:childTnLst>
-                          </p:cTn>
-                        </p:par>
-                      </p:childTnLst>
-                    </p:cTn>
-                  </p:par>
-                  <p:par>
-                    <p:cTn id="11" fill="hold">
-                      <p:stCondLst>
-                        <p:cond delay="indefinite"/>
-                      </p:stCondLst>
-                      <p:childTnLst>
-                        <p:par>
-                          <p:cTn id="12" fill="hold">
-                            <p:stCondLst>
-                              <p:cond delay="0"/>
-                            </p:stCondLst>
-                            <p:childTnLst>
-                              <p:par>
-                                <p:cTn id="13" presetID="1" presetClass="entr" presetSubtype="0" fill="hold" grpId="0" nodeType="clickEffect">
-                                  <p:stCondLst>
-                                    <p:cond delay="0"/>
-                                  </p:stCondLst>
-                                  <p:childTnLst>
-                                    <p:set>
-                                      <p:cBhvr>
-                                        <p:cTn id="14" dur="1" fill="hold">
-                                          <p:stCondLst>
-                                            <p:cond delay="0"/>
-                                          </p:stCondLst>
-                                        </p:cTn>
-                                        <p:tgtEl>
-                                          <p:spTgt spid="29"/>
-                                        </p:tgtEl>
-                                        <p:attrNameLst>
-                                          <p:attrName>style.visibility</p:attrName>
-                                        </p:attrNameLst>
-                                      </p:cBhvr>
-                                      <p:to>
-                                        <p:strVal val="visible"/>
-                                      </p:to>
-                                    </p:set>
-                                  </p:childTnLst>
-                                </p:cTn>
-                              </p:par>
-                            </p:childTnLst>
-                          </p:cTn>
-                        </p:par>
-                      </p:childTnLst>
-                    </p:cTn>
-                  </p:par>
-                </p:childTnLst>
-              </p:cTn>
-              <p:prevCondLst>
-                <p:cond evt="onPrev" delay="0">
-                  <p:tgtEl>
-                    <p:sldTgt/>
-                  </p:tgtEl>
-                </p:cond>
-              </p:prevCondLst>
-              <p:nextCondLst>
-                <p:cond evt="onNext" delay="0">
-                  <p:tgtEl>
-                    <p:sldTgt/>
-                  </p:tgtEl>
-                </p:cond>
-              </p:nextCondLst>
-            </p:seq>
-          </p:childTnLst>
-        </p:cTn>
-      </p:par>
-    </p:tnLst>
-    <p:bldLst>
-      <p:bldP spid="9" grpId="0" animBg="1"/>
-      <p:bldP spid="29" grpId="0"/>
-    </p:bldLst>
-  </p:timing>
 </p:sld>
 </file>
 
@@ -14383,8 +14214,8 @@
           </a:p>
         </p:txBody>
       </p:sp>
-      <mc:AlternateContent xmlns:mc="http://schemas.openxmlformats.org/markup-compatibility/2006">
-        <mc:Choice xmlns:a14="http://schemas.microsoft.com/office/drawing/2010/main" Requires="a14">
+      <mc:AlternateContent xmlns:mc="http://schemas.openxmlformats.org/markup-compatibility/2006" xmlns:a14="http://schemas.microsoft.com/office/drawing/2010/main">
+        <mc:Choice Requires="a14">
           <p:sp>
             <p:nvSpPr>
               <p:cNvPr id="7" name="Rectangle 6">
@@ -14453,7 +14284,7 @@
             </p:txBody>
           </p:sp>
         </mc:Choice>
-        <mc:Fallback>
+        <mc:Fallback xmlns="">
           <p:sp>
             <p:nvSpPr>
               <p:cNvPr id="7" name="Rectangle 6">
@@ -14498,8 +14329,8 @@
           </p:sp>
         </mc:Fallback>
       </mc:AlternateContent>
-      <mc:AlternateContent xmlns:mc="http://schemas.openxmlformats.org/markup-compatibility/2006">
-        <mc:Choice xmlns:a14="http://schemas.microsoft.com/office/drawing/2010/main" Requires="a14">
+      <mc:AlternateContent xmlns:mc="http://schemas.openxmlformats.org/markup-compatibility/2006" xmlns:a14="http://schemas.microsoft.com/office/drawing/2010/main">
+        <mc:Choice Requires="a14">
           <p:sp>
             <p:nvSpPr>
               <p:cNvPr id="10" name="Rectangle 9">
@@ -14568,7 +14399,7 @@
             </p:txBody>
           </p:sp>
         </mc:Choice>
-        <mc:Fallback>
+        <mc:Fallback xmlns="">
           <p:sp>
             <p:nvSpPr>
               <p:cNvPr id="10" name="Rectangle 9">
@@ -14613,8 +14444,8 @@
           </p:sp>
         </mc:Fallback>
       </mc:AlternateContent>
-      <mc:AlternateContent xmlns:mc="http://schemas.openxmlformats.org/markup-compatibility/2006">
-        <mc:Choice xmlns:a14="http://schemas.microsoft.com/office/drawing/2010/main" Requires="a14">
+      <mc:AlternateContent xmlns:mc="http://schemas.openxmlformats.org/markup-compatibility/2006" xmlns:a14="http://schemas.microsoft.com/office/drawing/2010/main">
+        <mc:Choice Requires="a14">
           <p:sp>
             <p:nvSpPr>
               <p:cNvPr id="11" name="Rectangle 10">
@@ -14683,7 +14514,7 @@
             </p:txBody>
           </p:sp>
         </mc:Choice>
-        <mc:Fallback>
+        <mc:Fallback xmlns="">
           <p:sp>
             <p:nvSpPr>
               <p:cNvPr id="11" name="Rectangle 10">
@@ -14728,8 +14559,8 @@
           </p:sp>
         </mc:Fallback>
       </mc:AlternateContent>
-      <mc:AlternateContent xmlns:mc="http://schemas.openxmlformats.org/markup-compatibility/2006">
-        <mc:Choice xmlns:a14="http://schemas.microsoft.com/office/drawing/2010/main" Requires="a14">
+      <mc:AlternateContent xmlns:mc="http://schemas.openxmlformats.org/markup-compatibility/2006" xmlns:a14="http://schemas.microsoft.com/office/drawing/2010/main">
+        <mc:Choice Requires="a14">
           <p:sp>
             <p:nvSpPr>
               <p:cNvPr id="12" name="Rectangle 11">
@@ -14798,7 +14629,7 @@
             </p:txBody>
           </p:sp>
         </mc:Choice>
-        <mc:Fallback>
+        <mc:Fallback xmlns="">
           <p:sp>
             <p:nvSpPr>
               <p:cNvPr id="12" name="Rectangle 11">
@@ -14878,8 +14709,8 @@
           </a:p>
         </p:txBody>
       </p:sp>
-      <mc:AlternateContent xmlns:mc="http://schemas.openxmlformats.org/markup-compatibility/2006">
-        <mc:Choice xmlns:a14="http://schemas.microsoft.com/office/drawing/2010/main" Requires="a14">
+      <mc:AlternateContent xmlns:mc="http://schemas.openxmlformats.org/markup-compatibility/2006" xmlns:a14="http://schemas.microsoft.com/office/drawing/2010/main">
+        <mc:Choice Requires="a14">
           <p:sp>
             <p:nvSpPr>
               <p:cNvPr id="52" name="TextBox 51">
@@ -15324,7 +15155,7 @@
             </p:txBody>
           </p:sp>
         </mc:Choice>
-        <mc:Fallback>
+        <mc:Fallback xmlns="">
           <p:sp>
             <p:nvSpPr>
               <p:cNvPr id="52" name="TextBox 51">
@@ -15369,8 +15200,8 @@
           </p:sp>
         </mc:Fallback>
       </mc:AlternateContent>
-      <mc:AlternateContent xmlns:mc="http://schemas.openxmlformats.org/markup-compatibility/2006">
-        <mc:Choice xmlns:a14="http://schemas.microsoft.com/office/drawing/2010/main" Requires="a14">
+      <mc:AlternateContent xmlns:mc="http://schemas.openxmlformats.org/markup-compatibility/2006" xmlns:a14="http://schemas.microsoft.com/office/drawing/2010/main">
+        <mc:Choice Requires="a14">
           <p:sp>
             <p:nvSpPr>
               <p:cNvPr id="3" name="Rounded Rectangular Callout 2">
@@ -15447,7 +15278,7 @@
             </p:txBody>
           </p:sp>
         </mc:Choice>
-        <mc:Fallback>
+        <mc:Fallback xmlns="">
           <p:sp>
             <p:nvSpPr>
               <p:cNvPr id="3" name="Rounded Rectangular Callout 2">
@@ -15881,319 +15712,606 @@
           </a:p>
         </p:txBody>
       </p:sp>
-      <p:sp>
-        <p:nvSpPr>
-          <p:cNvPr id="156" name="Shape 156"/>
-          <p:cNvSpPr txBox="1">
-            <a:spLocks noGrp="1"/>
-          </p:cNvSpPr>
-          <p:nvPr>
-            <p:ph idx="1"/>
-          </p:nvPr>
-        </p:nvSpPr>
-        <p:spPr>
-          <a:prstGeom prst="rect">
-            <a:avLst/>
-          </a:prstGeom>
-          <a:noFill/>
-          <a:ln>
-            <a:noFill/>
-          </a:ln>
-        </p:spPr>
-        <p:txBody>
-          <a:bodyPr lIns="68569" tIns="34275" rIns="68569" bIns="34275" anchor="t" anchorCtr="0">
-            <a:noAutofit/>
-          </a:bodyPr>
-          <a:lstStyle/>
-          <a:p>
-            <a:pPr indent="-257175">
-              <a:spcBef>
-                <a:spcPts val="0"/>
-              </a:spcBef>
-            </a:pPr>
-            <a:r>
-              <a:rPr lang="en-US" dirty="0"/>
-              <a:t>The set of regular languages: each element is a regular language</a:t>
-            </a:r>
-          </a:p>
-          <a:p>
-            <a:pPr lvl="1" indent="-214313">
-              <a:buClr>
-                <a:schemeClr val="accent2"/>
-              </a:buClr>
-            </a:pPr>
-            <a:r>
-              <a:rPr lang="en-US" dirty="0">
-                <a:solidFill>
-                  <a:schemeClr val="accent2"/>
-                </a:solidFill>
-              </a:rPr>
-              <a:t>R= {R</a:t>
-            </a:r>
-            <a:r>
-              <a:rPr lang="en-US" baseline="-25000" dirty="0">
-                <a:solidFill>
-                  <a:schemeClr val="accent2"/>
-                </a:solidFill>
-              </a:rPr>
-              <a:t>1</a:t>
-            </a:r>
-            <a:r>
-              <a:rPr lang="en-US" dirty="0">
-                <a:solidFill>
-                  <a:schemeClr val="accent2"/>
-                </a:solidFill>
-              </a:rPr>
-              <a:t> , R</a:t>
-            </a:r>
-            <a:r>
-              <a:rPr lang="en-US" baseline="-25000" dirty="0">
-                <a:solidFill>
-                  <a:schemeClr val="accent2"/>
-                </a:solidFill>
-              </a:rPr>
-              <a:t>2 </a:t>
-            </a:r>
-            <a:r>
-              <a:rPr lang="en-US" dirty="0">
-                <a:solidFill>
-                  <a:schemeClr val="accent2"/>
-                </a:solidFill>
-              </a:rPr>
-              <a:t>, …, R</a:t>
-            </a:r>
-            <a:r>
-              <a:rPr lang="en-US" baseline="-25000" dirty="0">
-                <a:solidFill>
-                  <a:schemeClr val="accent2"/>
-                </a:solidFill>
-              </a:rPr>
-              <a:t>n</a:t>
-            </a:r>
-            <a:r>
-              <a:rPr lang="en-US" dirty="0">
-                <a:solidFill>
-                  <a:schemeClr val="accent2"/>
-                </a:solidFill>
-              </a:rPr>
-              <a:t>,…}</a:t>
-            </a:r>
-          </a:p>
-          <a:p>
-            <a:pPr indent="-257175"/>
-            <a:r>
-              <a:rPr lang="en-US" dirty="0"/>
-              <a:t>Each regular language is an example of a (formal) language, i.e. a set of strings</a:t>
-            </a:r>
-          </a:p>
-          <a:p>
-            <a:pPr lvl="1" indent="-214313">
-              <a:buClr>
-                <a:schemeClr val="accent2"/>
-              </a:buClr>
-              <a:buSzPct val="25000"/>
-              <a:buNone/>
-            </a:pPr>
-            <a:r>
-              <a:rPr lang="en-US" dirty="0">
-                <a:solidFill>
-                  <a:schemeClr val="accent2"/>
-                </a:solidFill>
-              </a:rPr>
-              <a:t>R</a:t>
-            </a:r>
-            <a:r>
-              <a:rPr lang="en-US" baseline="-25000" dirty="0">
-                <a:solidFill>
-                  <a:schemeClr val="accent2"/>
-                </a:solidFill>
-              </a:rPr>
-              <a:t>1</a:t>
-            </a:r>
-            <a:r>
-              <a:rPr lang="en-US" dirty="0">
-                <a:solidFill>
-                  <a:schemeClr val="accent2"/>
-                </a:solidFill>
-              </a:rPr>
-              <a:t> = {a}, R</a:t>
-            </a:r>
-            <a:r>
-              <a:rPr lang="en-US" baseline="-25000" dirty="0">
-                <a:solidFill>
-                  <a:schemeClr val="accent2"/>
-                </a:solidFill>
-              </a:rPr>
-              <a:t>2</a:t>
-            </a:r>
-            <a:r>
-              <a:rPr lang="en-US" dirty="0">
-                <a:solidFill>
-                  <a:schemeClr val="accent2"/>
-                </a:solidFill>
-              </a:rPr>
-              <a:t> = {a, aa, </a:t>
-            </a:r>
-            <a:r>
-              <a:rPr lang="en-US" dirty="0" err="1">
-                <a:solidFill>
-                  <a:schemeClr val="accent2"/>
-                </a:solidFill>
-              </a:rPr>
-              <a:t>aaa</a:t>
-            </a:r>
-            <a:r>
-              <a:rPr lang="en-US" dirty="0">
-                <a:solidFill>
-                  <a:schemeClr val="accent2"/>
-                </a:solidFill>
-              </a:rPr>
-              <a:t>, ...}, R</a:t>
-            </a:r>
-            <a:r>
-              <a:rPr lang="en-US" baseline="-25000" dirty="0">
-                <a:solidFill>
-                  <a:schemeClr val="accent2"/>
-                </a:solidFill>
-              </a:rPr>
-              <a:t>3</a:t>
-            </a:r>
-            <a:r>
-              <a:rPr lang="en-US" dirty="0">
-                <a:solidFill>
-                  <a:schemeClr val="accent2"/>
-                </a:solidFill>
-              </a:rPr>
-              <a:t> = {b},</a:t>
-            </a:r>
-          </a:p>
-          <a:p>
-            <a:pPr lvl="1" indent="-214313">
-              <a:buClr>
-                <a:schemeClr val="accent2"/>
-              </a:buClr>
-              <a:buSzPct val="25000"/>
-              <a:buNone/>
-            </a:pPr>
-            <a:r>
-              <a:rPr lang="en-US" dirty="0">
-                <a:solidFill>
-                  <a:schemeClr val="accent2"/>
-                </a:solidFill>
-              </a:rPr>
-              <a:t>R</a:t>
-            </a:r>
-            <a:r>
-              <a:rPr lang="en-US" baseline="-25000" dirty="0">
-                <a:solidFill>
-                  <a:schemeClr val="accent2"/>
-                </a:solidFill>
-              </a:rPr>
-              <a:t>4</a:t>
-            </a:r>
-            <a:r>
-              <a:rPr lang="en-US" dirty="0">
-                <a:solidFill>
-                  <a:schemeClr val="accent2"/>
-                </a:solidFill>
-              </a:rPr>
-              <a:t> = {</a:t>
-            </a:r>
-            <a:r>
-              <a:rPr lang="en-US" dirty="0" err="1">
-                <a:solidFill>
-                  <a:schemeClr val="accent2"/>
-                </a:solidFill>
-              </a:rPr>
-              <a:t>ba</a:t>
-            </a:r>
-            <a:r>
-              <a:rPr lang="en-US" dirty="0">
-                <a:solidFill>
-                  <a:schemeClr val="accent2"/>
-                </a:solidFill>
-              </a:rPr>
-              <a:t>, ab}, R</a:t>
-            </a:r>
-            <a:r>
-              <a:rPr lang="en-US" baseline="-25000" dirty="0">
-                <a:solidFill>
-                  <a:schemeClr val="accent2"/>
-                </a:solidFill>
-              </a:rPr>
-              <a:t>5</a:t>
-            </a:r>
-            <a:r>
-              <a:rPr lang="en-US" dirty="0">
-                <a:solidFill>
-                  <a:schemeClr val="accent2"/>
-                </a:solidFill>
-              </a:rPr>
-              <a:t> = {</a:t>
-            </a:r>
-            <a:r>
-              <a:rPr lang="en-US" dirty="0" err="1">
-                <a:solidFill>
-                  <a:schemeClr val="accent2"/>
-                </a:solidFill>
-              </a:rPr>
-              <a:t>ε</a:t>
-            </a:r>
-            <a:r>
-              <a:rPr lang="en-US" dirty="0">
-                <a:solidFill>
-                  <a:schemeClr val="accent2"/>
-                </a:solidFill>
-              </a:rPr>
-              <a:t>, b, bb, </a:t>
-            </a:r>
-            <a:r>
-              <a:rPr lang="en-US" dirty="0" err="1">
-                <a:solidFill>
-                  <a:schemeClr val="accent2"/>
-                </a:solidFill>
-              </a:rPr>
-              <a:t>bbb</a:t>
-            </a:r>
-            <a:r>
-              <a:rPr lang="en-US" dirty="0">
-                <a:solidFill>
-                  <a:schemeClr val="accent2"/>
-                </a:solidFill>
-              </a:rPr>
-              <a:t>, …}, …</a:t>
-            </a:r>
-          </a:p>
-          <a:p>
-            <a:pPr lvl="1" indent="-214313">
-              <a:buClr>
-                <a:schemeClr val="accent2"/>
-              </a:buClr>
-              <a:buSzPct val="25000"/>
-              <a:buNone/>
-            </a:pPr>
-            <a:r>
-              <a:rPr lang="en-US" dirty="0">
-                <a:solidFill>
-                  <a:schemeClr val="accent2"/>
-                </a:solidFill>
-              </a:rPr>
-              <a:t> </a:t>
-            </a:r>
-          </a:p>
-          <a:p>
-            <a:pPr lvl="1" indent="-214313">
-              <a:buSzPct val="25000"/>
-              <a:buNone/>
-            </a:pPr>
-            <a:endParaRPr dirty="0">
-              <a:solidFill>
-                <a:schemeClr val="accent2"/>
-              </a:solidFill>
-            </a:endParaRPr>
-          </a:p>
-        </p:txBody>
-      </p:sp>
+      <mc:AlternateContent xmlns:mc="http://schemas.openxmlformats.org/markup-compatibility/2006">
+        <mc:Choice xmlns:a14="http://schemas.microsoft.com/office/drawing/2010/main" Requires="a14">
+          <p:sp>
+            <p:nvSpPr>
+              <p:cNvPr id="156" name="Shape 156"/>
+              <p:cNvSpPr txBox="1">
+                <a:spLocks noGrp="1"/>
+              </p:cNvSpPr>
+              <p:nvPr>
+                <p:ph idx="1"/>
+              </p:nvPr>
+            </p:nvSpPr>
+            <p:spPr>
+              <a:prstGeom prst="rect">
+                <a:avLst/>
+              </a:prstGeom>
+              <a:noFill/>
+              <a:ln>
+                <a:noFill/>
+              </a:ln>
+            </p:spPr>
+            <p:txBody>
+              <a:bodyPr lIns="68569" tIns="34275" rIns="68569" bIns="34275" anchor="t" anchorCtr="0">
+                <a:noAutofit/>
+              </a:bodyPr>
+              <a:lstStyle/>
+              <a:p>
+                <a:pPr indent="-257175">
+                  <a:spcBef>
+                    <a:spcPts val="0"/>
+                  </a:spcBef>
+                </a:pPr>
+                <a:r>
+                  <a:rPr lang="en-US" dirty="0"/>
+                  <a:t>The set of regular languages: each element is a regular language</a:t>
+                </a:r>
+              </a:p>
+              <a:p>
+                <a:pPr lvl="1" indent="-214313">
+                  <a:buClr>
+                    <a:schemeClr val="accent2"/>
+                  </a:buClr>
+                </a:pPr>
+                <a14:m>
+                  <m:oMath xmlns:m="http://schemas.openxmlformats.org/officeDocument/2006/math">
+                    <m:r>
+                      <a:rPr lang="en-US" i="1" dirty="0" smtClean="0">
+                        <a:solidFill>
+                          <a:schemeClr val="accent2"/>
+                        </a:solidFill>
+                        <a:latin typeface="Cambria Math" panose="02040503050406030204" pitchFamily="18" charset="0"/>
+                      </a:rPr>
+                      <m:t>𝑅</m:t>
+                    </m:r>
+                    <m:r>
+                      <a:rPr lang="en-US" i="1" dirty="0" smtClean="0">
+                        <a:solidFill>
+                          <a:schemeClr val="accent2"/>
+                        </a:solidFill>
+                        <a:latin typeface="Cambria Math" panose="02040503050406030204" pitchFamily="18" charset="0"/>
+                      </a:rPr>
+                      <m:t>= {</m:t>
+                    </m:r>
+                    <m:r>
+                      <a:rPr lang="en-US" i="1" dirty="0" smtClean="0">
+                        <a:solidFill>
+                          <a:schemeClr val="accent2"/>
+                        </a:solidFill>
+                        <a:latin typeface="Cambria Math" panose="02040503050406030204" pitchFamily="18" charset="0"/>
+                      </a:rPr>
+                      <m:t>𝑅</m:t>
+                    </m:r>
+                    <m:r>
+                      <a:rPr lang="en-US" i="1" baseline="-25000" dirty="0">
+                        <a:solidFill>
+                          <a:schemeClr val="accent2"/>
+                        </a:solidFill>
+                        <a:latin typeface="Cambria Math" panose="02040503050406030204" pitchFamily="18" charset="0"/>
+                      </a:rPr>
+                      <m:t>1</m:t>
+                    </m:r>
+                    <m:r>
+                      <a:rPr lang="en-US" i="1" dirty="0">
+                        <a:solidFill>
+                          <a:schemeClr val="accent2"/>
+                        </a:solidFill>
+                        <a:latin typeface="Cambria Math" panose="02040503050406030204" pitchFamily="18" charset="0"/>
+                      </a:rPr>
+                      <m:t> , </m:t>
+                    </m:r>
+                    <m:r>
+                      <a:rPr lang="en-US" i="1" dirty="0">
+                        <a:solidFill>
+                          <a:schemeClr val="accent2"/>
+                        </a:solidFill>
+                        <a:latin typeface="Cambria Math" panose="02040503050406030204" pitchFamily="18" charset="0"/>
+                      </a:rPr>
+                      <m:t>𝑅</m:t>
+                    </m:r>
+                    <m:r>
+                      <a:rPr lang="en-US" i="1" baseline="-25000" dirty="0">
+                        <a:solidFill>
+                          <a:schemeClr val="accent2"/>
+                        </a:solidFill>
+                        <a:latin typeface="Cambria Math" panose="02040503050406030204" pitchFamily="18" charset="0"/>
+                      </a:rPr>
+                      <m:t>2 </m:t>
+                    </m:r>
+                    <m:r>
+                      <a:rPr lang="en-US" i="1" dirty="0">
+                        <a:solidFill>
+                          <a:schemeClr val="accent2"/>
+                        </a:solidFill>
+                        <a:latin typeface="Cambria Math" panose="02040503050406030204" pitchFamily="18" charset="0"/>
+                      </a:rPr>
+                      <m:t>, …, </m:t>
+                    </m:r>
+                    <m:r>
+                      <a:rPr lang="en-US" i="1" dirty="0">
+                        <a:solidFill>
+                          <a:schemeClr val="accent2"/>
+                        </a:solidFill>
+                        <a:latin typeface="Cambria Math" panose="02040503050406030204" pitchFamily="18" charset="0"/>
+                      </a:rPr>
+                      <m:t>𝑅𝑛</m:t>
+                    </m:r>
+                    <m:r>
+                      <a:rPr lang="en-US" i="1" dirty="0">
+                        <a:solidFill>
+                          <a:schemeClr val="accent2"/>
+                        </a:solidFill>
+                        <a:latin typeface="Cambria Math" panose="02040503050406030204" pitchFamily="18" charset="0"/>
+                      </a:rPr>
+                      <m:t>,…}</m:t>
+                    </m:r>
+                  </m:oMath>
+                </a14:m>
+                <a:endParaRPr lang="en-US" dirty="0">
+                  <a:solidFill>
+                    <a:schemeClr val="accent2"/>
+                  </a:solidFill>
+                </a:endParaRPr>
+              </a:p>
+              <a:p>
+                <a:pPr indent="-257175"/>
+                <a:r>
+                  <a:rPr lang="en-US" dirty="0"/>
+                  <a:t>Each regular language is an example of a (formal) language, i.e. a set of strings</a:t>
+                </a:r>
+              </a:p>
+              <a:p>
+                <a:pPr lvl="1" indent="-214313">
+                  <a:buClr>
+                    <a:schemeClr val="accent2"/>
+                  </a:buClr>
+                  <a:buSzPct val="25000"/>
+                  <a:buNone/>
+                </a:pPr>
+                <a14:m>
+                  <m:oMathPara xmlns:m="http://schemas.openxmlformats.org/officeDocument/2006/math">
+                    <m:oMathParaPr>
+                      <m:jc m:val="centerGroup"/>
+                    </m:oMathParaPr>
+                    <m:oMath xmlns:m="http://schemas.openxmlformats.org/officeDocument/2006/math">
+                      <m:r>
+                        <a:rPr lang="en-US" i="1" dirty="0" smtClean="0">
+                          <a:solidFill>
+                            <a:schemeClr val="accent2"/>
+                          </a:solidFill>
+                          <a:latin typeface="Cambria Math" panose="02040503050406030204" pitchFamily="18" charset="0"/>
+                        </a:rPr>
+                        <m:t>𝑅</m:t>
+                      </m:r>
+                      <m:r>
+                        <a:rPr lang="en-US" i="1" baseline="-25000" dirty="0">
+                          <a:solidFill>
+                            <a:schemeClr val="accent2"/>
+                          </a:solidFill>
+                          <a:latin typeface="Cambria Math" panose="02040503050406030204" pitchFamily="18" charset="0"/>
+                        </a:rPr>
+                        <m:t>1</m:t>
+                      </m:r>
+                      <m:r>
+                        <a:rPr lang="en-US" i="1" dirty="0">
+                          <a:solidFill>
+                            <a:schemeClr val="accent2"/>
+                          </a:solidFill>
+                          <a:latin typeface="Cambria Math" panose="02040503050406030204" pitchFamily="18" charset="0"/>
+                        </a:rPr>
+                        <m:t> = {</m:t>
+                      </m:r>
+                      <m:r>
+                        <a:rPr lang="en-US" i="1" dirty="0">
+                          <a:solidFill>
+                            <a:schemeClr val="accent2"/>
+                          </a:solidFill>
+                          <a:latin typeface="Cambria Math" panose="02040503050406030204" pitchFamily="18" charset="0"/>
+                        </a:rPr>
+                        <m:t>𝑎</m:t>
+                      </m:r>
+                      <m:r>
+                        <a:rPr lang="en-US" i="1" dirty="0">
+                          <a:solidFill>
+                            <a:schemeClr val="accent2"/>
+                          </a:solidFill>
+                          <a:latin typeface="Cambria Math" panose="02040503050406030204" pitchFamily="18" charset="0"/>
+                        </a:rPr>
+                        <m:t>}, </m:t>
+                      </m:r>
+                      <m:r>
+                        <a:rPr lang="en-US" i="1" dirty="0">
+                          <a:solidFill>
+                            <a:schemeClr val="accent2"/>
+                          </a:solidFill>
+                          <a:latin typeface="Cambria Math" panose="02040503050406030204" pitchFamily="18" charset="0"/>
+                        </a:rPr>
+                        <m:t>𝑅</m:t>
+                      </m:r>
+                      <m:r>
+                        <a:rPr lang="en-US" i="1" baseline="-25000" dirty="0">
+                          <a:solidFill>
+                            <a:schemeClr val="accent2"/>
+                          </a:solidFill>
+                          <a:latin typeface="Cambria Math" panose="02040503050406030204" pitchFamily="18" charset="0"/>
+                        </a:rPr>
+                        <m:t>2</m:t>
+                      </m:r>
+                      <m:r>
+                        <a:rPr lang="en-US" i="1" dirty="0">
+                          <a:solidFill>
+                            <a:schemeClr val="accent2"/>
+                          </a:solidFill>
+                          <a:latin typeface="Cambria Math" panose="02040503050406030204" pitchFamily="18" charset="0"/>
+                        </a:rPr>
+                        <m:t> = {</m:t>
+                      </m:r>
+                      <m:r>
+                        <a:rPr lang="en-US" i="1" dirty="0">
+                          <a:solidFill>
+                            <a:schemeClr val="accent2"/>
+                          </a:solidFill>
+                          <a:latin typeface="Cambria Math" panose="02040503050406030204" pitchFamily="18" charset="0"/>
+                        </a:rPr>
+                        <m:t>𝑎</m:t>
+                      </m:r>
+                      <m:r>
+                        <a:rPr lang="en-US" i="1" dirty="0">
+                          <a:solidFill>
+                            <a:schemeClr val="accent2"/>
+                          </a:solidFill>
+                          <a:latin typeface="Cambria Math" panose="02040503050406030204" pitchFamily="18" charset="0"/>
+                        </a:rPr>
+                        <m:t>, </m:t>
+                      </m:r>
+                      <m:r>
+                        <a:rPr lang="en-US" i="1" dirty="0">
+                          <a:solidFill>
+                            <a:schemeClr val="accent2"/>
+                          </a:solidFill>
+                          <a:latin typeface="Cambria Math" panose="02040503050406030204" pitchFamily="18" charset="0"/>
+                        </a:rPr>
+                        <m:t>𝑎𝑎</m:t>
+                      </m:r>
+                      <m:r>
+                        <a:rPr lang="en-US" i="1" dirty="0">
+                          <a:solidFill>
+                            <a:schemeClr val="accent2"/>
+                          </a:solidFill>
+                          <a:latin typeface="Cambria Math" panose="02040503050406030204" pitchFamily="18" charset="0"/>
+                        </a:rPr>
+                        <m:t>, </m:t>
+                      </m:r>
+                      <m:r>
+                        <a:rPr lang="en-US" i="1" dirty="0" err="1">
+                          <a:solidFill>
+                            <a:schemeClr val="accent2"/>
+                          </a:solidFill>
+                          <a:latin typeface="Cambria Math" panose="02040503050406030204" pitchFamily="18" charset="0"/>
+                        </a:rPr>
+                        <m:t>𝑎𝑎𝑎</m:t>
+                      </m:r>
+                      <m:r>
+                        <a:rPr lang="en-US" i="1" dirty="0">
+                          <a:solidFill>
+                            <a:schemeClr val="accent2"/>
+                          </a:solidFill>
+                          <a:latin typeface="Cambria Math" panose="02040503050406030204" pitchFamily="18" charset="0"/>
+                        </a:rPr>
+                        <m:t>, …}, </m:t>
+                      </m:r>
+                      <m:r>
+                        <a:rPr lang="en-US" i="1" dirty="0">
+                          <a:solidFill>
+                            <a:schemeClr val="accent2"/>
+                          </a:solidFill>
+                          <a:latin typeface="Cambria Math" panose="02040503050406030204" pitchFamily="18" charset="0"/>
+                        </a:rPr>
+                        <m:t>𝑅</m:t>
+                      </m:r>
+                      <m:r>
+                        <a:rPr lang="en-US" i="1" baseline="-25000" dirty="0">
+                          <a:solidFill>
+                            <a:schemeClr val="accent2"/>
+                          </a:solidFill>
+                          <a:latin typeface="Cambria Math" panose="02040503050406030204" pitchFamily="18" charset="0"/>
+                        </a:rPr>
+                        <m:t>3</m:t>
+                      </m:r>
+                      <m:r>
+                        <a:rPr lang="en-US" i="1" dirty="0">
+                          <a:solidFill>
+                            <a:schemeClr val="accent2"/>
+                          </a:solidFill>
+                          <a:latin typeface="Cambria Math" panose="02040503050406030204" pitchFamily="18" charset="0"/>
+                        </a:rPr>
+                        <m:t> = {</m:t>
+                      </m:r>
+                      <m:r>
+                        <a:rPr lang="en-US" i="1" dirty="0">
+                          <a:solidFill>
+                            <a:schemeClr val="accent2"/>
+                          </a:solidFill>
+                          <a:latin typeface="Cambria Math" panose="02040503050406030204" pitchFamily="18" charset="0"/>
+                        </a:rPr>
+                        <m:t>𝑏</m:t>
+                      </m:r>
+                      <m:r>
+                        <a:rPr lang="en-US" i="1" dirty="0">
+                          <a:solidFill>
+                            <a:schemeClr val="accent2"/>
+                          </a:solidFill>
+                          <a:latin typeface="Cambria Math" panose="02040503050406030204" pitchFamily="18" charset="0"/>
+                        </a:rPr>
+                        <m:t>},</m:t>
+                      </m:r>
+                    </m:oMath>
+                  </m:oMathPara>
+                </a14:m>
+                <a:endParaRPr lang="en-US" dirty="0">
+                  <a:solidFill>
+                    <a:schemeClr val="accent2"/>
+                  </a:solidFill>
+                </a:endParaRPr>
+              </a:p>
+              <a:p>
+                <a:pPr lvl="1" indent="-214313">
+                  <a:buClr>
+                    <a:schemeClr val="accent2"/>
+                  </a:buClr>
+                  <a:buSzPct val="25000"/>
+                  <a:buNone/>
+                </a:pPr>
+                <a14:m>
+                  <m:oMathPara xmlns:m="http://schemas.openxmlformats.org/officeDocument/2006/math">
+                    <m:oMathParaPr>
+                      <m:jc m:val="centerGroup"/>
+                    </m:oMathParaPr>
+                    <m:oMath xmlns:m="http://schemas.openxmlformats.org/officeDocument/2006/math">
+                      <m:r>
+                        <a:rPr lang="en-US" i="1" dirty="0" smtClean="0">
+                          <a:solidFill>
+                            <a:schemeClr val="accent2"/>
+                          </a:solidFill>
+                          <a:latin typeface="Cambria Math" panose="02040503050406030204" pitchFamily="18" charset="0"/>
+                        </a:rPr>
+                        <m:t>𝑅</m:t>
+                      </m:r>
+                      <m:r>
+                        <a:rPr lang="en-US" i="1" baseline="-25000" dirty="0">
+                          <a:solidFill>
+                            <a:schemeClr val="accent2"/>
+                          </a:solidFill>
+                          <a:latin typeface="Cambria Math" panose="02040503050406030204" pitchFamily="18" charset="0"/>
+                        </a:rPr>
+                        <m:t>4</m:t>
+                      </m:r>
+                      <m:r>
+                        <a:rPr lang="en-US" i="1" dirty="0">
+                          <a:solidFill>
+                            <a:schemeClr val="accent2"/>
+                          </a:solidFill>
+                          <a:latin typeface="Cambria Math" panose="02040503050406030204" pitchFamily="18" charset="0"/>
+                        </a:rPr>
+                        <m:t> = {</m:t>
+                      </m:r>
+                      <m:r>
+                        <a:rPr lang="en-US" i="1" dirty="0" err="1">
+                          <a:solidFill>
+                            <a:schemeClr val="accent2"/>
+                          </a:solidFill>
+                          <a:latin typeface="Cambria Math" panose="02040503050406030204" pitchFamily="18" charset="0"/>
+                        </a:rPr>
+                        <m:t>𝑏𝑎</m:t>
+                      </m:r>
+                      <m:r>
+                        <a:rPr lang="en-US" i="1" dirty="0">
+                          <a:solidFill>
+                            <a:schemeClr val="accent2"/>
+                          </a:solidFill>
+                          <a:latin typeface="Cambria Math" panose="02040503050406030204" pitchFamily="18" charset="0"/>
+                        </a:rPr>
+                        <m:t>, </m:t>
+                      </m:r>
+                      <m:r>
+                        <a:rPr lang="en-US" i="1" dirty="0">
+                          <a:solidFill>
+                            <a:schemeClr val="accent2"/>
+                          </a:solidFill>
+                          <a:latin typeface="Cambria Math" panose="02040503050406030204" pitchFamily="18" charset="0"/>
+                        </a:rPr>
+                        <m:t>𝑎𝑏</m:t>
+                      </m:r>
+                      <m:r>
+                        <a:rPr lang="en-US" i="1" dirty="0">
+                          <a:solidFill>
+                            <a:schemeClr val="accent2"/>
+                          </a:solidFill>
+                          <a:latin typeface="Cambria Math" panose="02040503050406030204" pitchFamily="18" charset="0"/>
+                        </a:rPr>
+                        <m:t>}, </m:t>
+                      </m:r>
+                      <m:r>
+                        <a:rPr lang="en-US" i="1" dirty="0">
+                          <a:solidFill>
+                            <a:schemeClr val="accent2"/>
+                          </a:solidFill>
+                          <a:latin typeface="Cambria Math" panose="02040503050406030204" pitchFamily="18" charset="0"/>
+                        </a:rPr>
+                        <m:t>𝑅</m:t>
+                      </m:r>
+                      <m:r>
+                        <a:rPr lang="en-US" i="1" baseline="-25000" dirty="0">
+                          <a:solidFill>
+                            <a:schemeClr val="accent2"/>
+                          </a:solidFill>
+                          <a:latin typeface="Cambria Math" panose="02040503050406030204" pitchFamily="18" charset="0"/>
+                        </a:rPr>
+                        <m:t>5</m:t>
+                      </m:r>
+                      <m:r>
+                        <a:rPr lang="en-US" i="1" dirty="0">
+                          <a:solidFill>
+                            <a:schemeClr val="accent2"/>
+                          </a:solidFill>
+                          <a:latin typeface="Cambria Math" panose="02040503050406030204" pitchFamily="18" charset="0"/>
+                        </a:rPr>
+                        <m:t> = {</m:t>
+                      </m:r>
+                      <m:r>
+                        <a:rPr lang="en-US" i="1" dirty="0" err="1">
+                          <a:solidFill>
+                            <a:schemeClr val="accent2"/>
+                          </a:solidFill>
+                          <a:latin typeface="Cambria Math" panose="02040503050406030204" pitchFamily="18" charset="0"/>
+                        </a:rPr>
+                        <m:t>𝜀</m:t>
+                      </m:r>
+                      <m:r>
+                        <a:rPr lang="en-US" i="1" dirty="0">
+                          <a:solidFill>
+                            <a:schemeClr val="accent2"/>
+                          </a:solidFill>
+                          <a:latin typeface="Cambria Math" panose="02040503050406030204" pitchFamily="18" charset="0"/>
+                        </a:rPr>
+                        <m:t>, </m:t>
+                      </m:r>
+                      <m:r>
+                        <a:rPr lang="en-US" i="1" dirty="0">
+                          <a:solidFill>
+                            <a:schemeClr val="accent2"/>
+                          </a:solidFill>
+                          <a:latin typeface="Cambria Math" panose="02040503050406030204" pitchFamily="18" charset="0"/>
+                        </a:rPr>
+                        <m:t>𝑏</m:t>
+                      </m:r>
+                      <m:r>
+                        <a:rPr lang="en-US" i="1" dirty="0">
+                          <a:solidFill>
+                            <a:schemeClr val="accent2"/>
+                          </a:solidFill>
+                          <a:latin typeface="Cambria Math" panose="02040503050406030204" pitchFamily="18" charset="0"/>
+                        </a:rPr>
+                        <m:t>, </m:t>
+                      </m:r>
+                      <m:r>
+                        <a:rPr lang="en-US" i="1" dirty="0">
+                          <a:solidFill>
+                            <a:schemeClr val="accent2"/>
+                          </a:solidFill>
+                          <a:latin typeface="Cambria Math" panose="02040503050406030204" pitchFamily="18" charset="0"/>
+                        </a:rPr>
+                        <m:t>𝑏𝑏</m:t>
+                      </m:r>
+                      <m:r>
+                        <a:rPr lang="en-US" i="1" dirty="0">
+                          <a:solidFill>
+                            <a:schemeClr val="accent2"/>
+                          </a:solidFill>
+                          <a:latin typeface="Cambria Math" panose="02040503050406030204" pitchFamily="18" charset="0"/>
+                        </a:rPr>
+                        <m:t>, </m:t>
+                      </m:r>
+                      <m:r>
+                        <a:rPr lang="en-US" i="1" dirty="0" err="1">
+                          <a:solidFill>
+                            <a:schemeClr val="accent2"/>
+                          </a:solidFill>
+                          <a:latin typeface="Cambria Math" panose="02040503050406030204" pitchFamily="18" charset="0"/>
+                        </a:rPr>
+                        <m:t>𝑏𝑏𝑏</m:t>
+                      </m:r>
+                      <m:r>
+                        <a:rPr lang="en-US" i="1" dirty="0">
+                          <a:solidFill>
+                            <a:schemeClr val="accent2"/>
+                          </a:solidFill>
+                          <a:latin typeface="Cambria Math" panose="02040503050406030204" pitchFamily="18" charset="0"/>
+                        </a:rPr>
+                        <m:t>, …}, …</m:t>
+                      </m:r>
+                    </m:oMath>
+                  </m:oMathPara>
+                </a14:m>
+                <a:endParaRPr lang="en-US" dirty="0">
+                  <a:solidFill>
+                    <a:schemeClr val="accent2"/>
+                  </a:solidFill>
+                </a:endParaRPr>
+              </a:p>
+              <a:p>
+                <a:pPr lvl="1" indent="-214313">
+                  <a:buClr>
+                    <a:schemeClr val="accent2"/>
+                  </a:buClr>
+                  <a:buSzPct val="25000"/>
+                  <a:buNone/>
+                </a:pPr>
+                <a:r>
+                  <a:rPr lang="en-US" dirty="0">
+                    <a:solidFill>
+                      <a:schemeClr val="accent2"/>
+                    </a:solidFill>
+                  </a:rPr>
+                  <a:t> </a:t>
+                </a:r>
+              </a:p>
+              <a:p>
+                <a:pPr lvl="1" indent="-214313">
+                  <a:buSzPct val="25000"/>
+                  <a:buNone/>
+                </a:pPr>
+                <a:endParaRPr dirty="0">
+                  <a:solidFill>
+                    <a:schemeClr val="accent2"/>
+                  </a:solidFill>
+                </a:endParaRPr>
+              </a:p>
+            </p:txBody>
+          </p:sp>
+        </mc:Choice>
+        <mc:Fallback>
+          <p:sp>
+            <p:nvSpPr>
+              <p:cNvPr id="156" name="Shape 156"/>
+              <p:cNvSpPr txBox="1">
+                <a:spLocks noGrp="1" noRot="1" noChangeAspect="1" noMove="1" noResize="1" noEditPoints="1" noAdjustHandles="1" noChangeArrowheads="1" noChangeShapeType="1" noTextEdit="1"/>
+              </p:cNvSpPr>
+              <p:nvPr>
+                <p:ph idx="1"/>
+              </p:nvPr>
+            </p:nvSpPr>
+            <p:spPr>
+              <a:prstGeom prst="rect">
+                <a:avLst/>
+              </a:prstGeom>
+              <a:blipFill>
+                <a:blip r:embed="rId3"/>
+                <a:stretch>
+                  <a:fillRect l="-966" t="-3125" r="-483"/>
+                </a:stretch>
+              </a:blipFill>
+              <a:ln>
+                <a:noFill/>
+              </a:ln>
+            </p:spPr>
+            <p:txBody>
+              <a:bodyPr/>
+              <a:lstStyle/>
+              <a:p>
+                <a:r>
+                  <a:rPr lang="en-US">
+                    <a:noFill/>
+                  </a:rPr>
+                  <a:t> </a:t>
+                </a:r>
+              </a:p>
+            </p:txBody>
+          </p:sp>
+        </mc:Fallback>
+      </mc:AlternateContent>
       <p:sp>
         <p:nvSpPr>
           <p:cNvPr id="154" name="Shape 154"/>
@@ -16322,6 +16440,10 @@
               </p:nvPr>
             </p:nvSpPr>
             <p:spPr>
+              <a:xfrm>
+                <a:off x="628650" y="1369219"/>
+                <a:ext cx="7886700" cy="3398044"/>
+              </a:xfrm>
               <a:prstGeom prst="rect">
                 <a:avLst/>
               </a:prstGeom>
@@ -16519,6 +16641,16 @@
                 <a14:m>
                   <m:oMath xmlns:m="http://schemas.openxmlformats.org/officeDocument/2006/math">
                     <m:r>
+                      <a:rPr lang="en-US" b="0" i="0" dirty="0" smtClean="0">
+                        <a:solidFill>
+                          <a:srgbClr val="FF0000"/>
+                        </a:solidFill>
+                        <a:latin typeface="Cambria Math" panose="02040503050406030204" pitchFamily="18" charset="0"/>
+                        <a:ea typeface="Cambria Math" panose="02040503050406030204" pitchFamily="18" charset="0"/>
+                      </a:rPr>
+                      <m:t>{</m:t>
+                    </m:r>
+                    <m:r>
                       <a:rPr lang="en-US" i="1" dirty="0" smtClean="0">
                         <a:solidFill>
                           <a:srgbClr val="FF0000"/>
@@ -16527,6 +16659,16 @@
                         <a:ea typeface="Cambria Math" panose="02040503050406030204" pitchFamily="18" charset="0"/>
                       </a:rPr>
                       <m:t>𝜀</m:t>
+                    </m:r>
+                    <m:r>
+                      <a:rPr lang="en-US" b="0" i="1" dirty="0" smtClean="0">
+                        <a:solidFill>
+                          <a:srgbClr val="FF0000"/>
+                        </a:solidFill>
+                        <a:latin typeface="Cambria Math" panose="02040503050406030204" pitchFamily="18" charset="0"/>
+                        <a:ea typeface="Cambria Math" panose="02040503050406030204" pitchFamily="18" charset="0"/>
+                      </a:rPr>
+                      <m:t>}</m:t>
                     </m:r>
                   </m:oMath>
                 </a14:m>
@@ -16556,6 +16698,15 @@
                 <a14:m>
                   <m:oMath xmlns:m="http://schemas.openxmlformats.org/officeDocument/2006/math">
                     <m:r>
+                      <a:rPr lang="en-US" b="0" i="0" dirty="0" smtClean="0">
+                        <a:solidFill>
+                          <a:srgbClr val="FF0000"/>
+                        </a:solidFill>
+                        <a:latin typeface="Cambria Math" panose="02040503050406030204" pitchFamily="18" charset="0"/>
+                      </a:rPr>
+                      <m:t>{</m:t>
+                    </m:r>
+                    <m:r>
                       <a:rPr lang="en-US" b="0" i="1" dirty="0" smtClean="0">
                         <a:solidFill>
                           <a:srgbClr val="FF0000"/>
@@ -16563,6 +16714,15 @@
                         <a:latin typeface="Cambria Math" panose="02040503050406030204" pitchFamily="18" charset="0"/>
                       </a:rPr>
                       <m:t>𝑎</m:t>
+                    </m:r>
+                    <m:r>
+                      <a:rPr lang="en-US" b="0" i="1" dirty="0" smtClean="0">
+                        <a:solidFill>
+                          <a:srgbClr val="FF0000"/>
+                        </a:solidFill>
+                        <a:latin typeface="Cambria Math" panose="02040503050406030204" pitchFamily="18" charset="0"/>
+                      </a:rPr>
+                      <m:t>}</m:t>
                     </m:r>
                   </m:oMath>
                 </a14:m>
@@ -16583,7 +16743,28 @@
                     <a:latin typeface="Consolas" panose="020B0609020204030204" pitchFamily="49" charset="0"/>
                     <a:cs typeface="Consolas" panose="020B0609020204030204" pitchFamily="49" charset="0"/>
                   </a:rPr>
-                  <a:t>A|B</a:t>
+                  <a:t>r</a:t>
+                </a:r>
+                <a:r>
+                  <a:rPr lang="en-US" baseline="-25000" dirty="0">
+                    <a:latin typeface="Consolas" panose="020B0609020204030204" pitchFamily="49" charset="0"/>
+                    <a:cs typeface="Consolas" panose="020B0609020204030204" pitchFamily="49" charset="0"/>
+                  </a:rPr>
+                  <a:t>1</a:t>
+                </a:r>
+                <a:r>
+                  <a:rPr lang="en-US" dirty="0">
+                    <a:latin typeface="Consolas" panose="020B0609020204030204" pitchFamily="49" charset="0"/>
+                    <a:cs typeface="Consolas" panose="020B0609020204030204" pitchFamily="49" charset="0"/>
+                  </a:rPr>
+                  <a:t>|r</a:t>
+                </a:r>
+                <a:r>
+                  <a:rPr lang="en-US" baseline="-25000" dirty="0">
+                    <a:latin typeface="Consolas" panose="020B0609020204030204" pitchFamily="49" charset="0"/>
+                    <a:cs typeface="Consolas" panose="020B0609020204030204" pitchFamily="49" charset="0"/>
+                  </a:rPr>
+                  <a:t>2</a:t>
                 </a:r>
                 <a:r>
                   <a:rPr lang="en-US" dirty="0"/>
@@ -16592,13 +16773,65 @@
                 <a14:m>
                   <m:oMath xmlns:m="http://schemas.openxmlformats.org/officeDocument/2006/math">
                     <m:r>
-                      <a:rPr lang="en-US" i="1" dirty="0" smtClean="0">
+                      <a:rPr lang="en-US" b="0" i="1" dirty="0" smtClean="0">
                         <a:solidFill>
                           <a:srgbClr val="FF0000"/>
                         </a:solidFill>
                         <a:latin typeface="Cambria Math" panose="02040503050406030204" pitchFamily="18" charset="0"/>
                       </a:rPr>
-                      <m:t>𝐴</m:t>
+                      <m:t>𝐿</m:t>
+                    </m:r>
+                    <m:r>
+                      <a:rPr lang="en-US" b="0" i="1" dirty="0" smtClean="0">
+                        <a:solidFill>
+                          <a:srgbClr val="FF0000"/>
+                        </a:solidFill>
+                        <a:latin typeface="Cambria Math" panose="02040503050406030204" pitchFamily="18" charset="0"/>
+                      </a:rPr>
+                      <m:t>(</m:t>
+                    </m:r>
+                    <m:sSub>
+                      <m:sSubPr>
+                        <m:ctrlPr>
+                          <a:rPr lang="en-US" b="0" i="1" dirty="0" smtClean="0">
+                            <a:solidFill>
+                              <a:srgbClr val="FF0000"/>
+                            </a:solidFill>
+                            <a:latin typeface="Cambria Math" panose="02040503050406030204" pitchFamily="18" charset="0"/>
+                          </a:rPr>
+                        </m:ctrlPr>
+                      </m:sSubPr>
+                      <m:e>
+                        <m:r>
+                          <a:rPr lang="en-US" b="0" i="1" dirty="0" smtClean="0">
+                            <a:solidFill>
+                              <a:srgbClr val="FF0000"/>
+                            </a:solidFill>
+                            <a:latin typeface="Cambria Math" panose="02040503050406030204" pitchFamily="18" charset="0"/>
+                          </a:rPr>
+                          <m:t>𝑟</m:t>
+                        </m:r>
+                      </m:e>
+                      <m:sub>
+                        <m:r>
+                          <a:rPr lang="en-US" b="0" i="1" dirty="0" smtClean="0">
+                            <a:solidFill>
+                              <a:srgbClr val="FF0000"/>
+                            </a:solidFill>
+                            <a:latin typeface="Cambria Math" panose="02040503050406030204" pitchFamily="18" charset="0"/>
+                          </a:rPr>
+                          <m:t>1</m:t>
+                        </m:r>
+                      </m:sub>
+                    </m:sSub>
+                    <m:r>
+                      <a:rPr lang="en-US" b="0" i="1" dirty="0" smtClean="0">
+                        <a:solidFill>
+                          <a:srgbClr val="FF0000"/>
+                        </a:solidFill>
+                        <a:latin typeface="Cambria Math" panose="02040503050406030204" pitchFamily="18" charset="0"/>
+                      </a:rPr>
+                      <m:t>)</m:t>
                     </m:r>
                     <m:r>
                       <a:rPr lang="en-US" i="1" dirty="0" smtClean="0">
@@ -16610,13 +16843,65 @@
                       <m:t> ⋃ </m:t>
                     </m:r>
                     <m:r>
-                      <a:rPr lang="en-US" i="1" dirty="0" smtClean="0">
+                      <a:rPr lang="en-US" b="0" i="1" dirty="0" smtClean="0">
                         <a:solidFill>
                           <a:srgbClr val="FF0000"/>
                         </a:solidFill>
                         <a:latin typeface="Cambria Math" panose="02040503050406030204" pitchFamily="18" charset="0"/>
                       </a:rPr>
-                      <m:t>𝐵</m:t>
+                      <m:t>𝐿</m:t>
+                    </m:r>
+                    <m:r>
+                      <a:rPr lang="en-US" b="0" i="1" dirty="0" smtClean="0">
+                        <a:solidFill>
+                          <a:srgbClr val="FF0000"/>
+                        </a:solidFill>
+                        <a:latin typeface="Cambria Math" panose="02040503050406030204" pitchFamily="18" charset="0"/>
+                      </a:rPr>
+                      <m:t>(</m:t>
+                    </m:r>
+                    <m:sSub>
+                      <m:sSubPr>
+                        <m:ctrlPr>
+                          <a:rPr lang="en-US" b="0" i="1" dirty="0" smtClean="0">
+                            <a:solidFill>
+                              <a:srgbClr val="FF0000"/>
+                            </a:solidFill>
+                            <a:latin typeface="Cambria Math" panose="02040503050406030204" pitchFamily="18" charset="0"/>
+                          </a:rPr>
+                        </m:ctrlPr>
+                      </m:sSubPr>
+                      <m:e>
+                        <m:r>
+                          <a:rPr lang="en-US" b="0" i="1" dirty="0" smtClean="0">
+                            <a:solidFill>
+                              <a:srgbClr val="FF0000"/>
+                            </a:solidFill>
+                            <a:latin typeface="Cambria Math" panose="02040503050406030204" pitchFamily="18" charset="0"/>
+                          </a:rPr>
+                          <m:t>𝑟</m:t>
+                        </m:r>
+                      </m:e>
+                      <m:sub>
+                        <m:r>
+                          <a:rPr lang="en-US" b="0" i="1" dirty="0" smtClean="0">
+                            <a:solidFill>
+                              <a:srgbClr val="FF0000"/>
+                            </a:solidFill>
+                            <a:latin typeface="Cambria Math" panose="02040503050406030204" pitchFamily="18" charset="0"/>
+                          </a:rPr>
+                          <m:t>2</m:t>
+                        </m:r>
+                      </m:sub>
+                    </m:sSub>
+                    <m:r>
+                      <a:rPr lang="en-US" b="0" i="1" dirty="0" smtClean="0">
+                        <a:solidFill>
+                          <a:srgbClr val="FF0000"/>
+                        </a:solidFill>
+                        <a:latin typeface="Cambria Math" panose="02040503050406030204" pitchFamily="18" charset="0"/>
+                      </a:rPr>
+                      <m:t>)</m:t>
                     </m:r>
                   </m:oMath>
                 </a14:m>
@@ -16627,11 +16912,7 @@
                 </a:endParaRPr>
               </a:p>
               <a:p>
-                <a:pPr lvl="1" indent="-214313">
-                  <a:lnSpc>
-                    <a:spcPct val="90000"/>
-                  </a:lnSpc>
-                </a:pPr>
+                <a:pPr lvl="1" indent="-214313"/>
                 <a:r>
                   <a:rPr lang="en-US" dirty="0"/>
                   <a:t>L(</a:t>
@@ -16641,7 +16922,28 @@
                     <a:latin typeface="Consolas" panose="020B0609020204030204" pitchFamily="49" charset="0"/>
                     <a:cs typeface="Consolas" panose="020B0609020204030204" pitchFamily="49" charset="0"/>
                   </a:rPr>
-                  <a:t>AB</a:t>
+                  <a:t>r</a:t>
+                </a:r>
+                <a:r>
+                  <a:rPr lang="en-US" baseline="-25000" dirty="0">
+                    <a:latin typeface="Consolas" panose="020B0609020204030204" pitchFamily="49" charset="0"/>
+                    <a:cs typeface="Consolas" panose="020B0609020204030204" pitchFamily="49" charset="0"/>
+                  </a:rPr>
+                  <a:t>1</a:t>
+                </a:r>
+                <a:r>
+                  <a:rPr lang="en-US" dirty="0">
+                    <a:latin typeface="Consolas" panose="020B0609020204030204" pitchFamily="49" charset="0"/>
+                    <a:cs typeface="Consolas" panose="020B0609020204030204" pitchFamily="49" charset="0"/>
+                  </a:rPr>
+                  <a:t>r</a:t>
+                </a:r>
+                <a:r>
+                  <a:rPr lang="en-US" baseline="-25000" dirty="0">
+                    <a:latin typeface="Consolas" panose="020B0609020204030204" pitchFamily="49" charset="0"/>
+                    <a:cs typeface="Consolas" panose="020B0609020204030204" pitchFamily="49" charset="0"/>
+                  </a:rPr>
+                  <a:t>2</a:t>
                 </a:r>
                 <a:r>
                   <a:rPr lang="en-US" dirty="0"/>
@@ -16717,7 +17019,7 @@
                         </a:solidFill>
                         <a:latin typeface="Cambria Math" panose="02040503050406030204" pitchFamily="18" charset="0"/>
                       </a:rPr>
-                      <m:t> ∈ </m:t>
+                      <m:t> ∈</m:t>
                     </m:r>
                     <m:r>
                       <a:rPr lang="en-US" i="1" dirty="0">
@@ -16726,16 +17028,59 @@
                         </a:solidFill>
                         <a:latin typeface="Cambria Math" panose="02040503050406030204" pitchFamily="18" charset="0"/>
                       </a:rPr>
-                      <m:t>𝐴</m:t>
+                      <m:t>𝐿</m:t>
                     </m:r>
                     <m:r>
-                      <a:rPr lang="en-US" b="0" i="1" dirty="0" smtClean="0">
+                      <a:rPr lang="en-US" i="1" dirty="0">
                         <a:solidFill>
                           <a:srgbClr val="FF0000"/>
                         </a:solidFill>
                         <a:latin typeface="Cambria Math" panose="02040503050406030204" pitchFamily="18" charset="0"/>
                       </a:rPr>
-                      <m:t>,</m:t>
+                      <m:t>(</m:t>
+                    </m:r>
+                    <m:sSub>
+                      <m:sSubPr>
+                        <m:ctrlPr>
+                          <a:rPr lang="en-US" i="1" dirty="0">
+                            <a:solidFill>
+                              <a:srgbClr val="FF0000"/>
+                            </a:solidFill>
+                            <a:latin typeface="Cambria Math" panose="02040503050406030204" pitchFamily="18" charset="0"/>
+                          </a:rPr>
+                        </m:ctrlPr>
+                      </m:sSubPr>
+                      <m:e>
+                        <m:r>
+                          <a:rPr lang="en-US" i="1" dirty="0">
+                            <a:solidFill>
+                              <a:srgbClr val="FF0000"/>
+                            </a:solidFill>
+                            <a:latin typeface="Cambria Math" panose="02040503050406030204" pitchFamily="18" charset="0"/>
+                          </a:rPr>
+                          <m:t>𝑟</m:t>
+                        </m:r>
+                      </m:e>
+                      <m:sub>
+                        <m:r>
+                          <a:rPr lang="en-US" i="1" dirty="0">
+                            <a:solidFill>
+                              <a:srgbClr val="FF0000"/>
+                            </a:solidFill>
+                            <a:latin typeface="Cambria Math" panose="02040503050406030204" pitchFamily="18" charset="0"/>
+                          </a:rPr>
+                          <m:t>1</m:t>
+                        </m:r>
+                      </m:sub>
+                    </m:sSub>
+                    <m:r>
+                      <a:rPr lang="en-US" i="1" dirty="0">
+                        <a:solidFill>
+                          <a:srgbClr val="FF0000"/>
+                        </a:solidFill>
+                        <a:latin typeface="Cambria Math" panose="02040503050406030204" pitchFamily="18" charset="0"/>
+                      </a:rPr>
+                      <m:t>),</m:t>
                     </m:r>
                     <m:r>
                       <a:rPr lang="en-US" i="1" dirty="0">
@@ -16771,7 +17116,68 @@
                         </a:solidFill>
                         <a:latin typeface="Cambria Math" panose="02040503050406030204" pitchFamily="18" charset="0"/>
                       </a:rPr>
-                      <m:t>∈ </m:t>
+                      <m:t>∈</m:t>
+                    </m:r>
+                    <m:r>
+                      <a:rPr lang="en-US" i="1" dirty="0">
+                        <a:solidFill>
+                          <a:srgbClr val="FF0000"/>
+                        </a:solidFill>
+                        <a:latin typeface="Cambria Math" panose="02040503050406030204" pitchFamily="18" charset="0"/>
+                      </a:rPr>
+                      <m:t>𝐿</m:t>
+                    </m:r>
+                    <m:r>
+                      <a:rPr lang="en-US" i="1" dirty="0">
+                        <a:solidFill>
+                          <a:srgbClr val="FF0000"/>
+                        </a:solidFill>
+                        <a:latin typeface="Cambria Math" panose="02040503050406030204" pitchFamily="18" charset="0"/>
+                      </a:rPr>
+                      <m:t>(</m:t>
+                    </m:r>
+                    <m:sSub>
+                      <m:sSubPr>
+                        <m:ctrlPr>
+                          <a:rPr lang="en-US" i="1" dirty="0">
+                            <a:solidFill>
+                              <a:srgbClr val="FF0000"/>
+                            </a:solidFill>
+                            <a:latin typeface="Cambria Math" panose="02040503050406030204" pitchFamily="18" charset="0"/>
+                          </a:rPr>
+                        </m:ctrlPr>
+                      </m:sSubPr>
+                      <m:e>
+                        <m:r>
+                          <a:rPr lang="en-US" i="1" dirty="0">
+                            <a:solidFill>
+                              <a:srgbClr val="FF0000"/>
+                            </a:solidFill>
+                            <a:latin typeface="Cambria Math" panose="02040503050406030204" pitchFamily="18" charset="0"/>
+                          </a:rPr>
+                          <m:t>𝑟</m:t>
+                        </m:r>
+                      </m:e>
+                      <m:sub>
+                        <m:r>
+                          <a:rPr lang="en-US" i="1" dirty="0">
+                            <a:solidFill>
+                              <a:srgbClr val="FF0000"/>
+                            </a:solidFill>
+                            <a:latin typeface="Cambria Math" panose="02040503050406030204" pitchFamily="18" charset="0"/>
+                          </a:rPr>
+                          <m:t>2</m:t>
+                        </m:r>
+                      </m:sub>
+                    </m:sSub>
+                    <m:r>
+                      <a:rPr lang="en-US" i="1" dirty="0">
+                        <a:solidFill>
+                          <a:srgbClr val="FF0000"/>
+                        </a:solidFill>
+                        <a:latin typeface="Cambria Math" panose="02040503050406030204" pitchFamily="18" charset="0"/>
+                      </a:rPr>
+                      <m:t>)</m:t>
                     </m:r>
                     <m:r>
                       <a:rPr lang="en-US" i="1" dirty="0" smtClean="0">
@@ -16780,16 +17186,7 @@
                         </a:solidFill>
                         <a:latin typeface="Cambria Math" panose="02040503050406030204" pitchFamily="18" charset="0"/>
                       </a:rPr>
-                      <m:t>𝐵</m:t>
-                    </m:r>
-                    <m:r>
-                      <a:rPr lang="en-US" i="1" dirty="0" smtClean="0">
-                        <a:solidFill>
-                          <a:srgbClr val="FF0000"/>
-                        </a:solidFill>
-                        <a:latin typeface="Cambria Math" panose="02040503050406030204" pitchFamily="18" charset="0"/>
-                      </a:rPr>
-                      <m:t> }</m:t>
+                      <m:t>}</m:t>
                     </m:r>
                   </m:oMath>
                 </a14:m>
@@ -16800,11 +17197,7 @@
                 </a:endParaRPr>
               </a:p>
               <a:p>
-                <a:pPr lvl="1" indent="-214313">
-                  <a:lnSpc>
-                    <a:spcPct val="90000"/>
-                  </a:lnSpc>
-                </a:pPr>
+                <a:pPr lvl="1" indent="-214313"/>
                 <a:r>
                   <a:rPr lang="en-US" dirty="0"/>
                   <a:t>L(</a:t>
@@ -16814,7 +17207,14 @@
                     <a:latin typeface="Consolas" panose="020B0609020204030204" pitchFamily="49" charset="0"/>
                     <a:cs typeface="Consolas" panose="020B0609020204030204" pitchFamily="49" charset="0"/>
                   </a:rPr>
-                  <a:t>A</a:t>
+                  <a:t>r</a:t>
+                </a:r>
+                <a:r>
+                  <a:rPr lang="en-US" baseline="-25000" dirty="0">
+                    <a:latin typeface="Consolas" panose="020B0609020204030204" pitchFamily="49" charset="0"/>
+                    <a:cs typeface="Consolas" panose="020B0609020204030204" pitchFamily="49" charset="0"/>
+                  </a:rPr>
+                  <a:t>1</a:t>
                 </a:r>
                 <a:r>
                   <a:rPr lang="en-US" baseline="30000" dirty="0">
@@ -16881,16 +17281,68 @@
                         </a:solidFill>
                         <a:latin typeface="Cambria Math" panose="02040503050406030204" pitchFamily="18" charset="0"/>
                       </a:rPr>
-                      <m:t> ∈ </m:t>
+                      <m:t> ∈</m:t>
                     </m:r>
                     <m:r>
-                      <a:rPr lang="en-US" i="1" dirty="0" smtClean="0">
+                      <a:rPr lang="en-US" i="1" dirty="0">
                         <a:solidFill>
                           <a:srgbClr val="FF0000"/>
                         </a:solidFill>
                         <a:latin typeface="Cambria Math" panose="02040503050406030204" pitchFamily="18" charset="0"/>
                       </a:rPr>
-                      <m:t>𝐴</m:t>
+                      <m:t>𝐿</m:t>
+                    </m:r>
+                    <m:r>
+                      <a:rPr lang="en-US" i="1" dirty="0">
+                        <a:solidFill>
+                          <a:srgbClr val="FF0000"/>
+                        </a:solidFill>
+                        <a:latin typeface="Cambria Math" panose="02040503050406030204" pitchFamily="18" charset="0"/>
+                      </a:rPr>
+                      <m:t>(</m:t>
+                    </m:r>
+                    <m:sSub>
+                      <m:sSubPr>
+                        <m:ctrlPr>
+                          <a:rPr lang="en-US" i="1" dirty="0">
+                            <a:solidFill>
+                              <a:srgbClr val="FF0000"/>
+                            </a:solidFill>
+                            <a:latin typeface="Cambria Math" panose="02040503050406030204" pitchFamily="18" charset="0"/>
+                          </a:rPr>
+                        </m:ctrlPr>
+                      </m:sSubPr>
+                      <m:e>
+                        <m:r>
+                          <a:rPr lang="en-US" i="1" dirty="0">
+                            <a:solidFill>
+                              <a:srgbClr val="FF0000"/>
+                            </a:solidFill>
+                            <a:latin typeface="Cambria Math" panose="02040503050406030204" pitchFamily="18" charset="0"/>
+                          </a:rPr>
+                          <m:t>𝑟</m:t>
+                        </m:r>
+                      </m:e>
+                      <m:sub>
+                        <m:r>
+                          <a:rPr lang="en-US" i="1" dirty="0">
+                            <a:solidFill>
+                              <a:srgbClr val="FF0000"/>
+                            </a:solidFill>
+                            <a:latin typeface="Cambria Math" panose="02040503050406030204" pitchFamily="18" charset="0"/>
+                          </a:rPr>
+                          <m:t>1</m:t>
+                        </m:r>
+                      </m:sub>
+                    </m:sSub>
+                    <m:r>
+                      <a:rPr lang="en-US" i="1" dirty="0">
+                        <a:solidFill>
+                          <a:srgbClr val="FF0000"/>
+                        </a:solidFill>
+                        <a:latin typeface="Cambria Math" panose="02040503050406030204" pitchFamily="18" charset="0"/>
+                      </a:rPr>
+                      <m:t>)</m:t>
                     </m:r>
                     <m:r>
                       <a:rPr lang="en-US" i="1" dirty="0" smtClean="0">
@@ -16917,7 +17369,68 @@
                         </a:solidFill>
                         <a:latin typeface="Cambria Math" panose="02040503050406030204" pitchFamily="18" charset="0"/>
                       </a:rPr>
-                      <m:t> ∈ </m:t>
+                      <m:t> ∈</m:t>
+                    </m:r>
+                    <m:r>
+                      <a:rPr lang="en-US" i="1" dirty="0">
+                        <a:solidFill>
+                          <a:srgbClr val="FF0000"/>
+                        </a:solidFill>
+                        <a:latin typeface="Cambria Math" panose="02040503050406030204" pitchFamily="18" charset="0"/>
+                      </a:rPr>
+                      <m:t>𝐿</m:t>
+                    </m:r>
+                    <m:r>
+                      <a:rPr lang="en-US" i="1" dirty="0">
+                        <a:solidFill>
+                          <a:srgbClr val="FF0000"/>
+                        </a:solidFill>
+                        <a:latin typeface="Cambria Math" panose="02040503050406030204" pitchFamily="18" charset="0"/>
+                      </a:rPr>
+                      <m:t>(</m:t>
+                    </m:r>
+                    <m:sSub>
+                      <m:sSubPr>
+                        <m:ctrlPr>
+                          <a:rPr lang="en-US" i="1" dirty="0">
+                            <a:solidFill>
+                              <a:srgbClr val="FF0000"/>
+                            </a:solidFill>
+                            <a:latin typeface="Cambria Math" panose="02040503050406030204" pitchFamily="18" charset="0"/>
+                          </a:rPr>
+                        </m:ctrlPr>
+                      </m:sSubPr>
+                      <m:e>
+                        <m:r>
+                          <a:rPr lang="en-US" i="1" dirty="0">
+                            <a:solidFill>
+                              <a:srgbClr val="FF0000"/>
+                            </a:solidFill>
+                            <a:latin typeface="Cambria Math" panose="02040503050406030204" pitchFamily="18" charset="0"/>
+                          </a:rPr>
+                          <m:t>𝑟</m:t>
+                        </m:r>
+                      </m:e>
+                      <m:sub>
+                        <m:r>
+                          <a:rPr lang="en-US" i="1" dirty="0">
+                            <a:solidFill>
+                              <a:srgbClr val="FF0000"/>
+                            </a:solidFill>
+                            <a:latin typeface="Cambria Math" panose="02040503050406030204" pitchFamily="18" charset="0"/>
+                          </a:rPr>
+                          <m:t>1</m:t>
+                        </m:r>
+                      </m:sub>
+                    </m:sSub>
+                    <m:r>
+                      <a:rPr lang="en-US" i="1" dirty="0">
+                        <a:solidFill>
+                          <a:srgbClr val="FF0000"/>
+                        </a:solidFill>
+                        <a:latin typeface="Cambria Math" panose="02040503050406030204" pitchFamily="18" charset="0"/>
+                      </a:rPr>
+                      <m:t>)</m:t>
                     </m:r>
                     <m:r>
                       <a:rPr lang="en-US" i="1" dirty="0" smtClean="0">
@@ -16926,16 +17439,7 @@
                         </a:solidFill>
                         <a:latin typeface="Cambria Math" panose="02040503050406030204" pitchFamily="18" charset="0"/>
                       </a:rPr>
-                      <m:t>𝐴</m:t>
-                    </m:r>
-                    <m:r>
-                      <a:rPr lang="en-US" i="1" dirty="0" smtClean="0">
-                        <a:solidFill>
-                          <a:srgbClr val="FF0000"/>
-                        </a:solidFill>
-                        <a:latin typeface="Cambria Math" panose="02040503050406030204" pitchFamily="18" charset="0"/>
-                      </a:rPr>
-                      <m:t> }</m:t>
+                      <m:t>}</m:t>
                     </m:r>
                   </m:oMath>
                 </a14:m>
@@ -16946,11 +17450,7 @@
                 </a:endParaRPr>
               </a:p>
               <a:p>
-                <a:pPr lvl="1" indent="-214313">
-                  <a:lnSpc>
-                    <a:spcPct val="90000"/>
-                  </a:lnSpc>
-                </a:pPr>
+                <a:pPr lvl="1" indent="-214313"/>
                 <a:r>
                   <a:rPr lang="en-US" dirty="0"/>
                   <a:t>L(</a:t>
@@ -16960,7 +17460,21 @@
                     <a:latin typeface="Consolas" panose="020B0609020204030204" pitchFamily="49" charset="0"/>
                     <a:cs typeface="Consolas" panose="020B0609020204030204" pitchFamily="49" charset="0"/>
                   </a:rPr>
-                  <a:t>A*</a:t>
+                  <a:t>r</a:t>
+                </a:r>
+                <a:r>
+                  <a:rPr lang="en-US" baseline="-25000" dirty="0">
+                    <a:latin typeface="Consolas" panose="020B0609020204030204" pitchFamily="49" charset="0"/>
+                    <a:cs typeface="Consolas" panose="020B0609020204030204" pitchFamily="49" charset="0"/>
+                  </a:rPr>
+                  <a:t>1</a:t>
+                </a:r>
+                <a:r>
+                  <a:rPr lang="en-US" dirty="0">
+                    <a:latin typeface="Consolas" panose="020B0609020204030204" pitchFamily="49" charset="0"/>
+                    <a:cs typeface="Consolas" panose="020B0609020204030204" pitchFamily="49" charset="0"/>
+                  </a:rPr>
+                  <a:t>*</a:t>
                 </a:r>
                 <a:r>
                   <a:rPr lang="en-US" dirty="0"/>
@@ -16969,13 +17483,65 @@
                 <a14:m>
                   <m:oMath xmlns:m="http://schemas.openxmlformats.org/officeDocument/2006/math">
                     <m:r>
-                      <a:rPr lang="en-US" i="1" dirty="0" smtClean="0">
+                      <a:rPr lang="en-US" i="1" dirty="0">
                         <a:solidFill>
                           <a:srgbClr val="FF0000"/>
                         </a:solidFill>
                         <a:latin typeface="Cambria Math" panose="02040503050406030204" pitchFamily="18" charset="0"/>
                       </a:rPr>
-                      <m:t>𝐴</m:t>
+                      <m:t>𝐿</m:t>
+                    </m:r>
+                    <m:r>
+                      <a:rPr lang="en-US" i="1" dirty="0">
+                        <a:solidFill>
+                          <a:srgbClr val="FF0000"/>
+                        </a:solidFill>
+                        <a:latin typeface="Cambria Math" panose="02040503050406030204" pitchFamily="18" charset="0"/>
+                      </a:rPr>
+                      <m:t>(</m:t>
+                    </m:r>
+                    <m:sSub>
+                      <m:sSubPr>
+                        <m:ctrlPr>
+                          <a:rPr lang="en-US" i="1" dirty="0">
+                            <a:solidFill>
+                              <a:srgbClr val="FF0000"/>
+                            </a:solidFill>
+                            <a:latin typeface="Cambria Math" panose="02040503050406030204" pitchFamily="18" charset="0"/>
+                          </a:rPr>
+                        </m:ctrlPr>
+                      </m:sSubPr>
+                      <m:e>
+                        <m:r>
+                          <a:rPr lang="en-US" i="1" dirty="0">
+                            <a:solidFill>
+                              <a:srgbClr val="FF0000"/>
+                            </a:solidFill>
+                            <a:latin typeface="Cambria Math" panose="02040503050406030204" pitchFamily="18" charset="0"/>
+                          </a:rPr>
+                          <m:t>𝑟</m:t>
+                        </m:r>
+                      </m:e>
+                      <m:sub>
+                        <m:r>
+                          <a:rPr lang="en-US" i="1" dirty="0">
+                            <a:solidFill>
+                              <a:srgbClr val="FF0000"/>
+                            </a:solidFill>
+                            <a:latin typeface="Cambria Math" panose="02040503050406030204" pitchFamily="18" charset="0"/>
+                          </a:rPr>
+                          <m:t>1</m:t>
+                        </m:r>
+                      </m:sub>
+                    </m:sSub>
+                    <m:r>
+                      <a:rPr lang="en-US" i="1" dirty="0">
+                        <a:solidFill>
+                          <a:srgbClr val="FF0000"/>
+                        </a:solidFill>
+                        <a:latin typeface="Cambria Math" panose="02040503050406030204" pitchFamily="18" charset="0"/>
+                      </a:rPr>
+                      <m:t>)</m:t>
                     </m:r>
                     <m:r>
                       <a:rPr lang="en-US" i="1" baseline="30000" dirty="0">
@@ -16993,7 +17559,7 @@
                         </a:solidFill>
                         <a:latin typeface="Cambria Math" panose="02040503050406030204" pitchFamily="18" charset="0"/>
                       </a:rPr>
-                      <m:t> ⋃ </m:t>
+                      <m:t> ⋃</m:t>
                     </m:r>
                     <m:r>
                       <a:rPr lang="en-US" i="1" dirty="0">
@@ -17002,7 +17568,59 @@
                         </a:solidFill>
                         <a:latin typeface="Cambria Math" panose="02040503050406030204" pitchFamily="18" charset="0"/>
                       </a:rPr>
-                      <m:t>𝐴</m:t>
+                      <m:t>𝐿</m:t>
+                    </m:r>
+                    <m:r>
+                      <a:rPr lang="en-US" i="1" dirty="0">
+                        <a:solidFill>
+                          <a:srgbClr val="FF0000"/>
+                        </a:solidFill>
+                        <a:latin typeface="Cambria Math" panose="02040503050406030204" pitchFamily="18" charset="0"/>
+                      </a:rPr>
+                      <m:t>(</m:t>
+                    </m:r>
+                    <m:sSub>
+                      <m:sSubPr>
+                        <m:ctrlPr>
+                          <a:rPr lang="en-US" i="1" dirty="0">
+                            <a:solidFill>
+                              <a:srgbClr val="FF0000"/>
+                            </a:solidFill>
+                            <a:latin typeface="Cambria Math" panose="02040503050406030204" pitchFamily="18" charset="0"/>
+                          </a:rPr>
+                        </m:ctrlPr>
+                      </m:sSubPr>
+                      <m:e>
+                        <m:r>
+                          <a:rPr lang="en-US" i="1" dirty="0">
+                            <a:solidFill>
+                              <a:srgbClr val="FF0000"/>
+                            </a:solidFill>
+                            <a:latin typeface="Cambria Math" panose="02040503050406030204" pitchFamily="18" charset="0"/>
+                          </a:rPr>
+                          <m:t>𝑟</m:t>
+                        </m:r>
+                      </m:e>
+                      <m:sub>
+                        <m:r>
+                          <a:rPr lang="en-US" i="1" dirty="0">
+                            <a:solidFill>
+                              <a:srgbClr val="FF0000"/>
+                            </a:solidFill>
+                            <a:latin typeface="Cambria Math" panose="02040503050406030204" pitchFamily="18" charset="0"/>
+                          </a:rPr>
+                          <m:t>1</m:t>
+                        </m:r>
+                      </m:sub>
+                    </m:sSub>
+                    <m:r>
+                      <a:rPr lang="en-US" i="1" dirty="0">
+                        <a:solidFill>
+                          <a:srgbClr val="FF0000"/>
+                        </a:solidFill>
+                        <a:latin typeface="Cambria Math" panose="02040503050406030204" pitchFamily="18" charset="0"/>
+                      </a:rPr>
+                      <m:t>)</m:t>
                     </m:r>
                     <m:r>
                       <a:rPr lang="en-US" i="1" baseline="30000" dirty="0">
@@ -17020,7 +17638,7 @@
                         </a:solidFill>
                         <a:latin typeface="Cambria Math" panose="02040503050406030204" pitchFamily="18" charset="0"/>
                       </a:rPr>
-                      <m:t> ⋃ </m:t>
+                      <m:t> ⋃</m:t>
                     </m:r>
                     <m:r>
                       <a:rPr lang="en-US" i="1" dirty="0">
@@ -17029,7 +17647,59 @@
                         </a:solidFill>
                         <a:latin typeface="Cambria Math" panose="02040503050406030204" pitchFamily="18" charset="0"/>
                       </a:rPr>
-                      <m:t>𝐴</m:t>
+                      <m:t>𝐿</m:t>
+                    </m:r>
+                    <m:r>
+                      <a:rPr lang="en-US" i="1" dirty="0">
+                        <a:solidFill>
+                          <a:srgbClr val="FF0000"/>
+                        </a:solidFill>
+                        <a:latin typeface="Cambria Math" panose="02040503050406030204" pitchFamily="18" charset="0"/>
+                      </a:rPr>
+                      <m:t>(</m:t>
+                    </m:r>
+                    <m:sSub>
+                      <m:sSubPr>
+                        <m:ctrlPr>
+                          <a:rPr lang="en-US" i="1" dirty="0">
+                            <a:solidFill>
+                              <a:srgbClr val="FF0000"/>
+                            </a:solidFill>
+                            <a:latin typeface="Cambria Math" panose="02040503050406030204" pitchFamily="18" charset="0"/>
+                          </a:rPr>
+                        </m:ctrlPr>
+                      </m:sSubPr>
+                      <m:e>
+                        <m:r>
+                          <a:rPr lang="en-US" i="1" dirty="0">
+                            <a:solidFill>
+                              <a:srgbClr val="FF0000"/>
+                            </a:solidFill>
+                            <a:latin typeface="Cambria Math" panose="02040503050406030204" pitchFamily="18" charset="0"/>
+                          </a:rPr>
+                          <m:t>𝑟</m:t>
+                        </m:r>
+                      </m:e>
+                      <m:sub>
+                        <m:r>
+                          <a:rPr lang="en-US" i="1" dirty="0">
+                            <a:solidFill>
+                              <a:srgbClr val="FF0000"/>
+                            </a:solidFill>
+                            <a:latin typeface="Cambria Math" panose="02040503050406030204" pitchFamily="18" charset="0"/>
+                          </a:rPr>
+                          <m:t>1</m:t>
+                        </m:r>
+                      </m:sub>
+                    </m:sSub>
+                    <m:r>
+                      <a:rPr lang="en-US" i="1" dirty="0">
+                        <a:solidFill>
+                          <a:srgbClr val="FF0000"/>
+                        </a:solidFill>
+                        <a:latin typeface="Cambria Math" panose="02040503050406030204" pitchFamily="18" charset="0"/>
+                      </a:rPr>
+                      <m:t>)</m:t>
                     </m:r>
                     <m:r>
                       <a:rPr lang="en-US" i="1" baseline="30000" dirty="0">
@@ -17047,7 +17717,7 @@
                         </a:solidFill>
                         <a:latin typeface="Cambria Math" panose="02040503050406030204" pitchFamily="18" charset="0"/>
                       </a:rPr>
-                      <m:t> ⋃ </m:t>
+                      <m:t> ⋃</m:t>
                     </m:r>
                     <m:r>
                       <a:rPr lang="en-US" i="1" dirty="0">
@@ -17056,7 +17726,59 @@
                         </a:solidFill>
                         <a:latin typeface="Cambria Math" panose="02040503050406030204" pitchFamily="18" charset="0"/>
                       </a:rPr>
-                      <m:t>𝐴</m:t>
+                      <m:t>𝐿</m:t>
+                    </m:r>
+                    <m:r>
+                      <a:rPr lang="en-US" i="1" dirty="0">
+                        <a:solidFill>
+                          <a:srgbClr val="FF0000"/>
+                        </a:solidFill>
+                        <a:latin typeface="Cambria Math" panose="02040503050406030204" pitchFamily="18" charset="0"/>
+                      </a:rPr>
+                      <m:t>(</m:t>
+                    </m:r>
+                    <m:sSub>
+                      <m:sSubPr>
+                        <m:ctrlPr>
+                          <a:rPr lang="en-US" i="1" dirty="0">
+                            <a:solidFill>
+                              <a:srgbClr val="FF0000"/>
+                            </a:solidFill>
+                            <a:latin typeface="Cambria Math" panose="02040503050406030204" pitchFamily="18" charset="0"/>
+                          </a:rPr>
+                        </m:ctrlPr>
+                      </m:sSubPr>
+                      <m:e>
+                        <m:r>
+                          <a:rPr lang="en-US" i="1" dirty="0">
+                            <a:solidFill>
+                              <a:srgbClr val="FF0000"/>
+                            </a:solidFill>
+                            <a:latin typeface="Cambria Math" panose="02040503050406030204" pitchFamily="18" charset="0"/>
+                          </a:rPr>
+                          <m:t>𝑟</m:t>
+                        </m:r>
+                      </m:e>
+                      <m:sub>
+                        <m:r>
+                          <a:rPr lang="en-US" i="1" dirty="0">
+                            <a:solidFill>
+                              <a:srgbClr val="FF0000"/>
+                            </a:solidFill>
+                            <a:latin typeface="Cambria Math" panose="02040503050406030204" pitchFamily="18" charset="0"/>
+                          </a:rPr>
+                          <m:t>1</m:t>
+                        </m:r>
+                      </m:sub>
+                    </m:sSub>
+                    <m:r>
+                      <a:rPr lang="en-US" i="1" dirty="0">
+                        <a:solidFill>
+                          <a:srgbClr val="FF0000"/>
+                        </a:solidFill>
+                        <a:latin typeface="Cambria Math" panose="02040503050406030204" pitchFamily="18" charset="0"/>
+                      </a:rPr>
+                      <m:t>)</m:t>
                     </m:r>
                     <m:r>
                       <a:rPr lang="en-US" i="1" baseline="30000" dirty="0">
@@ -17095,13 +17817,17 @@
               </p:nvPr>
             </p:nvSpPr>
             <p:spPr>
+              <a:xfrm>
+                <a:off x="628650" y="1369219"/>
+                <a:ext cx="7886700" cy="3398044"/>
+              </a:xfrm>
               <a:prstGeom prst="rect">
                 <a:avLst/>
               </a:prstGeom>
               <a:blipFill>
                 <a:blip r:embed="rId3"/>
                 <a:stretch>
-                  <a:fillRect l="-966" t="-3125" b="-5859"/>
+                  <a:fillRect l="-966" t="-2996" b="-1498"/>
                 </a:stretch>
               </a:blipFill>
               <a:ln>
@@ -17183,6 +17909,480 @@
   <p:clrMapOvr>
     <a:masterClrMapping/>
   </p:clrMapOvr>
+  <p:timing>
+    <p:tnLst>
+      <p:par>
+        <p:cTn id="1" dur="indefinite" restart="never" nodeType="tmRoot">
+          <p:childTnLst>
+            <p:seq concurrent="1" nextAc="seek">
+              <p:cTn id="2" dur="indefinite" nodeType="mainSeq">
+                <p:childTnLst>
+                  <p:par>
+                    <p:cTn id="3" fill="hold">
+                      <p:stCondLst>
+                        <p:cond delay="indefinite"/>
+                      </p:stCondLst>
+                      <p:childTnLst>
+                        <p:par>
+                          <p:cTn id="4" fill="hold">
+                            <p:stCondLst>
+                              <p:cond delay="0"/>
+                            </p:stCondLst>
+                            <p:childTnLst>
+                              <p:par>
+                                <p:cTn id="5" presetID="1" presetClass="entr" presetSubtype="0" fill="hold" grpId="0" nodeType="clickEffect">
+                                  <p:stCondLst>
+                                    <p:cond delay="0"/>
+                                  </p:stCondLst>
+                                  <p:childTnLst>
+                                    <p:set>
+                                      <p:cBhvr>
+                                        <p:cTn id="6" dur="1" fill="hold">
+                                          <p:stCondLst>
+                                            <p:cond delay="0"/>
+                                          </p:stCondLst>
+                                        </p:cTn>
+                                        <p:tgtEl>
+                                          <p:spTgt spid="163">
+                                            <p:txEl>
+                                              <p:pRg st="0" end="0"/>
+                                            </p:txEl>
+                                          </p:spTgt>
+                                        </p:tgtEl>
+                                        <p:attrNameLst>
+                                          <p:attrName>style.visibility</p:attrName>
+                                        </p:attrNameLst>
+                                      </p:cBhvr>
+                                      <p:to>
+                                        <p:strVal val="visible"/>
+                                      </p:to>
+                                    </p:set>
+                                  </p:childTnLst>
+                                </p:cTn>
+                              </p:par>
+                            </p:childTnLst>
+                          </p:cTn>
+                        </p:par>
+                      </p:childTnLst>
+                    </p:cTn>
+                  </p:par>
+                  <p:par>
+                    <p:cTn id="7" fill="hold">
+                      <p:stCondLst>
+                        <p:cond delay="indefinite"/>
+                      </p:stCondLst>
+                      <p:childTnLst>
+                        <p:par>
+                          <p:cTn id="8" fill="hold">
+                            <p:stCondLst>
+                              <p:cond delay="0"/>
+                            </p:stCondLst>
+                            <p:childTnLst>
+                              <p:par>
+                                <p:cTn id="9" presetID="1" presetClass="entr" presetSubtype="0" fill="hold" grpId="0" nodeType="clickEffect">
+                                  <p:stCondLst>
+                                    <p:cond delay="0"/>
+                                  </p:stCondLst>
+                                  <p:childTnLst>
+                                    <p:set>
+                                      <p:cBhvr>
+                                        <p:cTn id="10" dur="1" fill="hold">
+                                          <p:stCondLst>
+                                            <p:cond delay="0"/>
+                                          </p:stCondLst>
+                                        </p:cTn>
+                                        <p:tgtEl>
+                                          <p:spTgt spid="163">
+                                            <p:txEl>
+                                              <p:pRg st="1" end="1"/>
+                                            </p:txEl>
+                                          </p:spTgt>
+                                        </p:tgtEl>
+                                        <p:attrNameLst>
+                                          <p:attrName>style.visibility</p:attrName>
+                                        </p:attrNameLst>
+                                      </p:cBhvr>
+                                      <p:to>
+                                        <p:strVal val="visible"/>
+                                      </p:to>
+                                    </p:set>
+                                  </p:childTnLst>
+                                </p:cTn>
+                              </p:par>
+                            </p:childTnLst>
+                          </p:cTn>
+                        </p:par>
+                      </p:childTnLst>
+                    </p:cTn>
+                  </p:par>
+                  <p:par>
+                    <p:cTn id="11" fill="hold">
+                      <p:stCondLst>
+                        <p:cond delay="indefinite"/>
+                      </p:stCondLst>
+                      <p:childTnLst>
+                        <p:par>
+                          <p:cTn id="12" fill="hold">
+                            <p:stCondLst>
+                              <p:cond delay="0"/>
+                            </p:stCondLst>
+                            <p:childTnLst>
+                              <p:par>
+                                <p:cTn id="13" presetID="1" presetClass="entr" presetSubtype="0" fill="hold" grpId="0" nodeType="clickEffect">
+                                  <p:stCondLst>
+                                    <p:cond delay="0"/>
+                                  </p:stCondLst>
+                                  <p:childTnLst>
+                                    <p:set>
+                                      <p:cBhvr>
+                                        <p:cTn id="14" dur="1" fill="hold">
+                                          <p:stCondLst>
+                                            <p:cond delay="0"/>
+                                          </p:stCondLst>
+                                        </p:cTn>
+                                        <p:tgtEl>
+                                          <p:spTgt spid="163">
+                                            <p:txEl>
+                                              <p:pRg st="2" end="2"/>
+                                            </p:txEl>
+                                          </p:spTgt>
+                                        </p:tgtEl>
+                                        <p:attrNameLst>
+                                          <p:attrName>style.visibility</p:attrName>
+                                        </p:attrNameLst>
+                                      </p:cBhvr>
+                                      <p:to>
+                                        <p:strVal val="visible"/>
+                                      </p:to>
+                                    </p:set>
+                                  </p:childTnLst>
+                                </p:cTn>
+                              </p:par>
+                            </p:childTnLst>
+                          </p:cTn>
+                        </p:par>
+                      </p:childTnLst>
+                    </p:cTn>
+                  </p:par>
+                  <p:par>
+                    <p:cTn id="15" fill="hold">
+                      <p:stCondLst>
+                        <p:cond delay="indefinite"/>
+                      </p:stCondLst>
+                      <p:childTnLst>
+                        <p:par>
+                          <p:cTn id="16" fill="hold">
+                            <p:stCondLst>
+                              <p:cond delay="0"/>
+                            </p:stCondLst>
+                            <p:childTnLst>
+                              <p:par>
+                                <p:cTn id="17" presetID="1" presetClass="entr" presetSubtype="0" fill="hold" grpId="0" nodeType="clickEffect">
+                                  <p:stCondLst>
+                                    <p:cond delay="0"/>
+                                  </p:stCondLst>
+                                  <p:childTnLst>
+                                    <p:set>
+                                      <p:cBhvr>
+                                        <p:cTn id="18" dur="1" fill="hold">
+                                          <p:stCondLst>
+                                            <p:cond delay="0"/>
+                                          </p:stCondLst>
+                                        </p:cTn>
+                                        <p:tgtEl>
+                                          <p:spTgt spid="163">
+                                            <p:txEl>
+                                              <p:pRg st="3" end="3"/>
+                                            </p:txEl>
+                                          </p:spTgt>
+                                        </p:tgtEl>
+                                        <p:attrNameLst>
+                                          <p:attrName>style.visibility</p:attrName>
+                                        </p:attrNameLst>
+                                      </p:cBhvr>
+                                      <p:to>
+                                        <p:strVal val="visible"/>
+                                      </p:to>
+                                    </p:set>
+                                  </p:childTnLst>
+                                </p:cTn>
+                              </p:par>
+                            </p:childTnLst>
+                          </p:cTn>
+                        </p:par>
+                      </p:childTnLst>
+                    </p:cTn>
+                  </p:par>
+                  <p:par>
+                    <p:cTn id="19" fill="hold">
+                      <p:stCondLst>
+                        <p:cond delay="indefinite"/>
+                      </p:stCondLst>
+                      <p:childTnLst>
+                        <p:par>
+                          <p:cTn id="20" fill="hold">
+                            <p:stCondLst>
+                              <p:cond delay="0"/>
+                            </p:stCondLst>
+                            <p:childTnLst>
+                              <p:par>
+                                <p:cTn id="21" presetID="1" presetClass="entr" presetSubtype="0" fill="hold" grpId="0" nodeType="clickEffect">
+                                  <p:stCondLst>
+                                    <p:cond delay="0"/>
+                                  </p:stCondLst>
+                                  <p:childTnLst>
+                                    <p:set>
+                                      <p:cBhvr>
+                                        <p:cTn id="22" dur="1" fill="hold">
+                                          <p:stCondLst>
+                                            <p:cond delay="0"/>
+                                          </p:stCondLst>
+                                        </p:cTn>
+                                        <p:tgtEl>
+                                          <p:spTgt spid="163">
+                                            <p:txEl>
+                                              <p:pRg st="4" end="4"/>
+                                            </p:txEl>
+                                          </p:spTgt>
+                                        </p:tgtEl>
+                                        <p:attrNameLst>
+                                          <p:attrName>style.visibility</p:attrName>
+                                        </p:attrNameLst>
+                                      </p:cBhvr>
+                                      <p:to>
+                                        <p:strVal val="visible"/>
+                                      </p:to>
+                                    </p:set>
+                                  </p:childTnLst>
+                                </p:cTn>
+                              </p:par>
+                            </p:childTnLst>
+                          </p:cTn>
+                        </p:par>
+                      </p:childTnLst>
+                    </p:cTn>
+                  </p:par>
+                  <p:par>
+                    <p:cTn id="23" fill="hold">
+                      <p:stCondLst>
+                        <p:cond delay="indefinite"/>
+                      </p:stCondLst>
+                      <p:childTnLst>
+                        <p:par>
+                          <p:cTn id="24" fill="hold">
+                            <p:stCondLst>
+                              <p:cond delay="0"/>
+                            </p:stCondLst>
+                            <p:childTnLst>
+                              <p:par>
+                                <p:cTn id="25" presetID="1" presetClass="entr" presetSubtype="0" fill="hold" grpId="0" nodeType="clickEffect">
+                                  <p:stCondLst>
+                                    <p:cond delay="0"/>
+                                  </p:stCondLst>
+                                  <p:childTnLst>
+                                    <p:set>
+                                      <p:cBhvr>
+                                        <p:cTn id="26" dur="1" fill="hold">
+                                          <p:stCondLst>
+                                            <p:cond delay="0"/>
+                                          </p:stCondLst>
+                                        </p:cTn>
+                                        <p:tgtEl>
+                                          <p:spTgt spid="163">
+                                            <p:txEl>
+                                              <p:pRg st="5" end="5"/>
+                                            </p:txEl>
+                                          </p:spTgt>
+                                        </p:tgtEl>
+                                        <p:attrNameLst>
+                                          <p:attrName>style.visibility</p:attrName>
+                                        </p:attrNameLst>
+                                      </p:cBhvr>
+                                      <p:to>
+                                        <p:strVal val="visible"/>
+                                      </p:to>
+                                    </p:set>
+                                  </p:childTnLst>
+                                </p:cTn>
+                              </p:par>
+                            </p:childTnLst>
+                          </p:cTn>
+                        </p:par>
+                      </p:childTnLst>
+                    </p:cTn>
+                  </p:par>
+                  <p:par>
+                    <p:cTn id="27" fill="hold">
+                      <p:stCondLst>
+                        <p:cond delay="indefinite"/>
+                      </p:stCondLst>
+                      <p:childTnLst>
+                        <p:par>
+                          <p:cTn id="28" fill="hold">
+                            <p:stCondLst>
+                              <p:cond delay="0"/>
+                            </p:stCondLst>
+                            <p:childTnLst>
+                              <p:par>
+                                <p:cTn id="29" presetID="1" presetClass="entr" presetSubtype="0" fill="hold" grpId="0" nodeType="clickEffect">
+                                  <p:stCondLst>
+                                    <p:cond delay="0"/>
+                                  </p:stCondLst>
+                                  <p:childTnLst>
+                                    <p:set>
+                                      <p:cBhvr>
+                                        <p:cTn id="30" dur="1" fill="hold">
+                                          <p:stCondLst>
+                                            <p:cond delay="0"/>
+                                          </p:stCondLst>
+                                        </p:cTn>
+                                        <p:tgtEl>
+                                          <p:spTgt spid="163">
+                                            <p:txEl>
+                                              <p:pRg st="6" end="6"/>
+                                            </p:txEl>
+                                          </p:spTgt>
+                                        </p:tgtEl>
+                                        <p:attrNameLst>
+                                          <p:attrName>style.visibility</p:attrName>
+                                        </p:attrNameLst>
+                                      </p:cBhvr>
+                                      <p:to>
+                                        <p:strVal val="visible"/>
+                                      </p:to>
+                                    </p:set>
+                                  </p:childTnLst>
+                                </p:cTn>
+                              </p:par>
+                            </p:childTnLst>
+                          </p:cTn>
+                        </p:par>
+                      </p:childTnLst>
+                    </p:cTn>
+                  </p:par>
+                  <p:par>
+                    <p:cTn id="31" fill="hold">
+                      <p:stCondLst>
+                        <p:cond delay="indefinite"/>
+                      </p:stCondLst>
+                      <p:childTnLst>
+                        <p:par>
+                          <p:cTn id="32" fill="hold">
+                            <p:stCondLst>
+                              <p:cond delay="0"/>
+                            </p:stCondLst>
+                            <p:childTnLst>
+                              <p:par>
+                                <p:cTn id="33" presetID="1" presetClass="entr" presetSubtype="0" fill="hold" grpId="0" nodeType="clickEffect">
+                                  <p:stCondLst>
+                                    <p:cond delay="0"/>
+                                  </p:stCondLst>
+                                  <p:childTnLst>
+                                    <p:set>
+                                      <p:cBhvr>
+                                        <p:cTn id="34" dur="1" fill="hold">
+                                          <p:stCondLst>
+                                            <p:cond delay="0"/>
+                                          </p:stCondLst>
+                                        </p:cTn>
+                                        <p:tgtEl>
+                                          <p:spTgt spid="163">
+                                            <p:txEl>
+                                              <p:pRg st="7" end="7"/>
+                                            </p:txEl>
+                                          </p:spTgt>
+                                        </p:tgtEl>
+                                        <p:attrNameLst>
+                                          <p:attrName>style.visibility</p:attrName>
+                                        </p:attrNameLst>
+                                      </p:cBhvr>
+                                      <p:to>
+                                        <p:strVal val="visible"/>
+                                      </p:to>
+                                    </p:set>
+                                  </p:childTnLst>
+                                </p:cTn>
+                              </p:par>
+                            </p:childTnLst>
+                          </p:cTn>
+                        </p:par>
+                      </p:childTnLst>
+                    </p:cTn>
+                  </p:par>
+                  <p:par>
+                    <p:cTn id="35" fill="hold">
+                      <p:stCondLst>
+                        <p:cond delay="indefinite"/>
+                      </p:stCondLst>
+                      <p:childTnLst>
+                        <p:par>
+                          <p:cTn id="36" fill="hold">
+                            <p:stCondLst>
+                              <p:cond delay="0"/>
+                            </p:stCondLst>
+                            <p:childTnLst>
+                              <p:par>
+                                <p:cTn id="37" presetID="1" presetClass="entr" presetSubtype="0" fill="hold" grpId="0" nodeType="clickEffect">
+                                  <p:stCondLst>
+                                    <p:cond delay="0"/>
+                                  </p:stCondLst>
+                                  <p:childTnLst>
+                                    <p:set>
+                                      <p:cBhvr>
+                                        <p:cTn id="38" dur="1" fill="hold">
+                                          <p:stCondLst>
+                                            <p:cond delay="0"/>
+                                          </p:stCondLst>
+                                        </p:cTn>
+                                        <p:tgtEl>
+                                          <p:spTgt spid="163">
+                                            <p:txEl>
+                                              <p:pRg st="8" end="8"/>
+                                            </p:txEl>
+                                          </p:spTgt>
+                                        </p:tgtEl>
+                                        <p:attrNameLst>
+                                          <p:attrName>style.visibility</p:attrName>
+                                        </p:attrNameLst>
+                                      </p:cBhvr>
+                                      <p:to>
+                                        <p:strVal val="visible"/>
+                                      </p:to>
+                                    </p:set>
+                                  </p:childTnLst>
+                                </p:cTn>
+                              </p:par>
+                            </p:childTnLst>
+                          </p:cTn>
+                        </p:par>
+                      </p:childTnLst>
+                    </p:cTn>
+                  </p:par>
+                </p:childTnLst>
+              </p:cTn>
+              <p:prevCondLst>
+                <p:cond evt="onPrev" delay="0">
+                  <p:tgtEl>
+                    <p:sldTgt/>
+                  </p:tgtEl>
+                </p:cond>
+              </p:prevCondLst>
+              <p:nextCondLst>
+                <p:cond evt="onNext" delay="0">
+                  <p:tgtEl>
+                    <p:sldTgt/>
+                  </p:tgtEl>
+                </p:cond>
+              </p:nextCondLst>
+            </p:seq>
+          </p:childTnLst>
+        </p:cTn>
+      </p:par>
+    </p:tnLst>
+    <p:bldLst>
+      <p:bldP spid="163" grpId="0" uiExpand="1" build="p" bldLvl="2"/>
+    </p:bldLst>
+  </p:timing>
 </p:sld>
 </file>
 
@@ -18333,7 +19533,7 @@
                             </p:stCondLst>
                             <p:childTnLst>
                               <p:par>
-                                <p:cTn id="21" presetID="1" presetClass="entr" presetSubtype="0" fill="hold" grpId="1" nodeType="clickEffect">
+                                <p:cTn id="21" presetID="1" presetClass="entr" presetSubtype="0" fill="hold" grpId="0" nodeType="clickEffect">
                                   <p:stCondLst>
                                     <p:cond delay="0"/>
                                   </p:stCondLst>
@@ -18341,186 +19541,6 @@
                                     <p:set>
                                       <p:cBhvr>
                                         <p:cTn id="22" dur="1" fill="hold">
-                                          <p:stCondLst>
-                                            <p:cond delay="0"/>
-                                          </p:stCondLst>
-                                        </p:cTn>
-                                        <p:tgtEl>
-                                          <p:spTgt spid="7"/>
-                                        </p:tgtEl>
-                                        <p:attrNameLst>
-                                          <p:attrName>style.visibility</p:attrName>
-                                        </p:attrNameLst>
-                                      </p:cBhvr>
-                                      <p:to>
-                                        <p:strVal val="visible"/>
-                                      </p:to>
-                                    </p:set>
-                                  </p:childTnLst>
-                                </p:cTn>
-                              </p:par>
-                            </p:childTnLst>
-                          </p:cTn>
-                        </p:par>
-                      </p:childTnLst>
-                    </p:cTn>
-                  </p:par>
-                  <p:par>
-                    <p:cTn id="23" fill="hold">
-                      <p:stCondLst>
-                        <p:cond delay="indefinite"/>
-                      </p:stCondLst>
-                      <p:childTnLst>
-                        <p:par>
-                          <p:cTn id="24" fill="hold">
-                            <p:stCondLst>
-                              <p:cond delay="0"/>
-                            </p:stCondLst>
-                            <p:childTnLst>
-                              <p:par>
-                                <p:cTn id="25" presetID="1" presetClass="entr" presetSubtype="0" fill="hold" grpId="1" nodeType="clickEffect">
-                                  <p:stCondLst>
-                                    <p:cond delay="0"/>
-                                  </p:stCondLst>
-                                  <p:childTnLst>
-                                    <p:set>
-                                      <p:cBhvr>
-                                        <p:cTn id="26" dur="1" fill="hold">
-                                          <p:stCondLst>
-                                            <p:cond delay="0"/>
-                                          </p:stCondLst>
-                                        </p:cTn>
-                                        <p:tgtEl>
-                                          <p:spTgt spid="4"/>
-                                        </p:tgtEl>
-                                        <p:attrNameLst>
-                                          <p:attrName>style.visibility</p:attrName>
-                                        </p:attrNameLst>
-                                      </p:cBhvr>
-                                      <p:to>
-                                        <p:strVal val="visible"/>
-                                      </p:to>
-                                    </p:set>
-                                  </p:childTnLst>
-                                </p:cTn>
-                              </p:par>
-                            </p:childTnLst>
-                          </p:cTn>
-                        </p:par>
-                      </p:childTnLst>
-                    </p:cTn>
-                  </p:par>
-                  <p:par>
-                    <p:cTn id="27" fill="hold">
-                      <p:stCondLst>
-                        <p:cond delay="indefinite"/>
-                      </p:stCondLst>
-                      <p:childTnLst>
-                        <p:par>
-                          <p:cTn id="28" fill="hold">
-                            <p:stCondLst>
-                              <p:cond delay="0"/>
-                            </p:stCondLst>
-                            <p:childTnLst>
-                              <p:par>
-                                <p:cTn id="29" presetID="1" presetClass="entr" presetSubtype="0" fill="hold" grpId="1" nodeType="clickEffect">
-                                  <p:stCondLst>
-                                    <p:cond delay="0"/>
-                                  </p:stCondLst>
-                                  <p:childTnLst>
-                                    <p:set>
-                                      <p:cBhvr>
-                                        <p:cTn id="30" dur="1" fill="hold">
-                                          <p:stCondLst>
-                                            <p:cond delay="0"/>
-                                          </p:stCondLst>
-                                        </p:cTn>
-                                        <p:tgtEl>
-                                          <p:spTgt spid="8"/>
-                                        </p:tgtEl>
-                                        <p:attrNameLst>
-                                          <p:attrName>style.visibility</p:attrName>
-                                        </p:attrNameLst>
-                                      </p:cBhvr>
-                                      <p:to>
-                                        <p:strVal val="visible"/>
-                                      </p:to>
-                                    </p:set>
-                                  </p:childTnLst>
-                                </p:cTn>
-                              </p:par>
-                            </p:childTnLst>
-                          </p:cTn>
-                        </p:par>
-                      </p:childTnLst>
-                    </p:cTn>
-                  </p:par>
-                  <p:par>
-                    <p:cTn id="31" fill="hold">
-                      <p:stCondLst>
-                        <p:cond delay="indefinite"/>
-                      </p:stCondLst>
-                      <p:childTnLst>
-                        <p:par>
-                          <p:cTn id="32" fill="hold">
-                            <p:stCondLst>
-                              <p:cond delay="0"/>
-                            </p:stCondLst>
-                            <p:childTnLst>
-                              <p:par>
-                                <p:cTn id="33" presetID="1" presetClass="entr" presetSubtype="0" fill="hold" grpId="1" nodeType="clickEffect">
-                                  <p:stCondLst>
-                                    <p:cond delay="0"/>
-                                  </p:stCondLst>
-                                  <p:childTnLst>
-                                    <p:set>
-                                      <p:cBhvr>
-                                        <p:cTn id="34" dur="1" fill="hold">
-                                          <p:stCondLst>
-                                            <p:cond delay="0"/>
-                                          </p:stCondLst>
-                                        </p:cTn>
-                                        <p:tgtEl>
-                                          <p:spTgt spid="6"/>
-                                        </p:tgtEl>
-                                        <p:attrNameLst>
-                                          <p:attrName>style.visibility</p:attrName>
-                                        </p:attrNameLst>
-                                      </p:cBhvr>
-                                      <p:to>
-                                        <p:strVal val="visible"/>
-                                      </p:to>
-                                    </p:set>
-                                  </p:childTnLst>
-                                </p:cTn>
-                              </p:par>
-                            </p:childTnLst>
-                          </p:cTn>
-                        </p:par>
-                      </p:childTnLst>
-                    </p:cTn>
-                  </p:par>
-                  <p:par>
-                    <p:cTn id="35" fill="hold">
-                      <p:stCondLst>
-                        <p:cond delay="indefinite"/>
-                      </p:stCondLst>
-                      <p:childTnLst>
-                        <p:par>
-                          <p:cTn id="36" fill="hold">
-                            <p:stCondLst>
-                              <p:cond delay="0"/>
-                            </p:stCondLst>
-                            <p:childTnLst>
-                              <p:par>
-                                <p:cTn id="37" presetID="1" presetClass="entr" presetSubtype="0" fill="hold" grpId="0" nodeType="clickEffect">
-                                  <p:stCondLst>
-                                    <p:cond delay="0"/>
-                                  </p:stCondLst>
-                                  <p:childTnLst>
-                                    <p:set>
-                                      <p:cBhvr>
-                                        <p:cTn id="38" dur="1" fill="hold">
                                           <p:stCondLst>
                                             <p:cond delay="0"/>
                                           </p:stCondLst>
@@ -18568,14 +19588,10 @@
     </p:tnLst>
     <p:bldLst>
       <p:bldP spid="4" grpId="0"/>
-      <p:bldP spid="4" grpId="1"/>
       <p:bldP spid="5" grpId="0"/>
       <p:bldP spid="6" grpId="0"/>
-      <p:bldP spid="6" grpId="1"/>
       <p:bldP spid="7" grpId="0"/>
-      <p:bldP spid="7" grpId="1"/>
       <p:bldP spid="8" grpId="0"/>
-      <p:bldP spid="8" grpId="1"/>
     </p:bldLst>
   </p:timing>
 </p:sld>
@@ -19151,7 +20167,7 @@
         <p:spPr>
           <a:xfrm>
             <a:off x="697832" y="3888170"/>
-            <a:ext cx="3570511" cy="438525"/>
+            <a:ext cx="5136911" cy="438525"/>
           </a:xfrm>
           <a:prstGeom prst="rect">
             <a:avLst/>
@@ -19173,14 +20189,14 @@
             <a:r>
               <a:rPr lang="en-US" sz="2400" dirty="0">
                 <a:solidFill>
-                  <a:schemeClr val="dk1"/>
+                  <a:srgbClr val="00B0F0"/>
                 </a:solidFill>
                 <a:latin typeface="Calibri"/>
                 <a:ea typeface="Calibri"/>
                 <a:cs typeface="Calibri"/>
                 <a:sym typeface="Calibri"/>
               </a:rPr>
-              <a:t>345    ,    345.04  ,   2.14+e7</a:t>
+              <a:t>345, 345.04 , 2e-7, 2e7, 2e+7, 3.14e5</a:t>
             </a:r>
           </a:p>
         </p:txBody>
@@ -19195,6 +20211,360 @@
   <p:clrMapOvr>
     <a:masterClrMapping/>
   </p:clrMapOvr>
+  <p:timing>
+    <p:tnLst>
+      <p:par>
+        <p:cTn id="1" dur="indefinite" restart="never" nodeType="tmRoot">
+          <p:childTnLst>
+            <p:seq concurrent="1" nextAc="seek">
+              <p:cTn id="2" dur="indefinite" nodeType="mainSeq">
+                <p:childTnLst>
+                  <p:par>
+                    <p:cTn id="3" fill="hold">
+                      <p:stCondLst>
+                        <p:cond delay="indefinite"/>
+                      </p:stCondLst>
+                      <p:childTnLst>
+                        <p:par>
+                          <p:cTn id="4" fill="hold">
+                            <p:stCondLst>
+                              <p:cond delay="0"/>
+                            </p:stCondLst>
+                            <p:childTnLst>
+                              <p:par>
+                                <p:cTn id="5" presetID="1" presetClass="entr" presetSubtype="0" fill="hold" grpId="0" nodeType="clickEffect">
+                                  <p:stCondLst>
+                                    <p:cond delay="0"/>
+                                  </p:stCondLst>
+                                  <p:childTnLst>
+                                    <p:set>
+                                      <p:cBhvr>
+                                        <p:cTn id="6" dur="1" fill="hold">
+                                          <p:stCondLst>
+                                            <p:cond delay="0"/>
+                                          </p:stCondLst>
+                                        </p:cTn>
+                                        <p:tgtEl>
+                                          <p:spTgt spid="4"/>
+                                        </p:tgtEl>
+                                        <p:attrNameLst>
+                                          <p:attrName>style.visibility</p:attrName>
+                                        </p:attrNameLst>
+                                      </p:cBhvr>
+                                      <p:to>
+                                        <p:strVal val="visible"/>
+                                      </p:to>
+                                    </p:set>
+                                  </p:childTnLst>
+                                </p:cTn>
+                              </p:par>
+                            </p:childTnLst>
+                          </p:cTn>
+                        </p:par>
+                      </p:childTnLst>
+                    </p:cTn>
+                  </p:par>
+                  <p:par>
+                    <p:cTn id="7" fill="hold">
+                      <p:stCondLst>
+                        <p:cond delay="indefinite"/>
+                      </p:stCondLst>
+                      <p:childTnLst>
+                        <p:par>
+                          <p:cTn id="8" fill="hold">
+                            <p:stCondLst>
+                              <p:cond delay="0"/>
+                            </p:stCondLst>
+                            <p:childTnLst>
+                              <p:par>
+                                <p:cTn id="9" presetID="1" presetClass="entr" presetSubtype="0" fill="hold" grpId="0" nodeType="clickEffect">
+                                  <p:stCondLst>
+                                    <p:cond delay="0"/>
+                                  </p:stCondLst>
+                                  <p:childTnLst>
+                                    <p:set>
+                                      <p:cBhvr>
+                                        <p:cTn id="10" dur="1" fill="hold">
+                                          <p:stCondLst>
+                                            <p:cond delay="0"/>
+                                          </p:stCondLst>
+                                        </p:cTn>
+                                        <p:tgtEl>
+                                          <p:spTgt spid="5"/>
+                                        </p:tgtEl>
+                                        <p:attrNameLst>
+                                          <p:attrName>style.visibility</p:attrName>
+                                        </p:attrNameLst>
+                                      </p:cBhvr>
+                                      <p:to>
+                                        <p:strVal val="visible"/>
+                                      </p:to>
+                                    </p:set>
+                                  </p:childTnLst>
+                                </p:cTn>
+                              </p:par>
+                            </p:childTnLst>
+                          </p:cTn>
+                        </p:par>
+                      </p:childTnLst>
+                    </p:cTn>
+                  </p:par>
+                  <p:par>
+                    <p:cTn id="11" fill="hold">
+                      <p:stCondLst>
+                        <p:cond delay="indefinite"/>
+                      </p:stCondLst>
+                      <p:childTnLst>
+                        <p:par>
+                          <p:cTn id="12" fill="hold">
+                            <p:stCondLst>
+                              <p:cond delay="0"/>
+                            </p:stCondLst>
+                            <p:childTnLst>
+                              <p:par>
+                                <p:cTn id="13" presetID="1" presetClass="exit" presetSubtype="0" fill="hold" grpId="1" nodeType="clickEffect">
+                                  <p:stCondLst>
+                                    <p:cond delay="0"/>
+                                  </p:stCondLst>
+                                  <p:childTnLst>
+                                    <p:set>
+                                      <p:cBhvr>
+                                        <p:cTn id="14" dur="1" fill="hold">
+                                          <p:stCondLst>
+                                            <p:cond delay="0"/>
+                                          </p:stCondLst>
+                                        </p:cTn>
+                                        <p:tgtEl>
+                                          <p:spTgt spid="4"/>
+                                        </p:tgtEl>
+                                        <p:attrNameLst>
+                                          <p:attrName>style.visibility</p:attrName>
+                                        </p:attrNameLst>
+                                      </p:cBhvr>
+                                      <p:to>
+                                        <p:strVal val="hidden"/>
+                                      </p:to>
+                                    </p:set>
+                                  </p:childTnLst>
+                                </p:cTn>
+                              </p:par>
+                            </p:childTnLst>
+                          </p:cTn>
+                        </p:par>
+                      </p:childTnLst>
+                    </p:cTn>
+                  </p:par>
+                  <p:par>
+                    <p:cTn id="15" fill="hold">
+                      <p:stCondLst>
+                        <p:cond delay="indefinite"/>
+                      </p:stCondLst>
+                      <p:childTnLst>
+                        <p:par>
+                          <p:cTn id="16" fill="hold">
+                            <p:stCondLst>
+                              <p:cond delay="0"/>
+                            </p:stCondLst>
+                            <p:childTnLst>
+                              <p:par>
+                                <p:cTn id="17" presetID="1" presetClass="entr" presetSubtype="0" fill="hold" grpId="0" nodeType="clickEffect">
+                                  <p:stCondLst>
+                                    <p:cond delay="0"/>
+                                  </p:stCondLst>
+                                  <p:childTnLst>
+                                    <p:set>
+                                      <p:cBhvr>
+                                        <p:cTn id="18" dur="1" fill="hold">
+                                          <p:stCondLst>
+                                            <p:cond delay="0"/>
+                                          </p:stCondLst>
+                                        </p:cTn>
+                                        <p:tgtEl>
+                                          <p:spTgt spid="6"/>
+                                        </p:tgtEl>
+                                        <p:attrNameLst>
+                                          <p:attrName>style.visibility</p:attrName>
+                                        </p:attrNameLst>
+                                      </p:cBhvr>
+                                      <p:to>
+                                        <p:strVal val="visible"/>
+                                      </p:to>
+                                    </p:set>
+                                  </p:childTnLst>
+                                </p:cTn>
+                              </p:par>
+                            </p:childTnLst>
+                          </p:cTn>
+                        </p:par>
+                      </p:childTnLst>
+                    </p:cTn>
+                  </p:par>
+                  <p:par>
+                    <p:cTn id="19" fill="hold">
+                      <p:stCondLst>
+                        <p:cond delay="indefinite"/>
+                      </p:stCondLst>
+                      <p:childTnLst>
+                        <p:par>
+                          <p:cTn id="20" fill="hold">
+                            <p:stCondLst>
+                              <p:cond delay="0"/>
+                            </p:stCondLst>
+                            <p:childTnLst>
+                              <p:par>
+                                <p:cTn id="21" presetID="1" presetClass="entr" presetSubtype="0" fill="hold" grpId="0" nodeType="clickEffect">
+                                  <p:stCondLst>
+                                    <p:cond delay="0"/>
+                                  </p:stCondLst>
+                                  <p:childTnLst>
+                                    <p:set>
+                                      <p:cBhvr>
+                                        <p:cTn id="22" dur="1" fill="hold">
+                                          <p:stCondLst>
+                                            <p:cond delay="0"/>
+                                          </p:stCondLst>
+                                        </p:cTn>
+                                        <p:tgtEl>
+                                          <p:spTgt spid="7"/>
+                                        </p:tgtEl>
+                                        <p:attrNameLst>
+                                          <p:attrName>style.visibility</p:attrName>
+                                        </p:attrNameLst>
+                                      </p:cBhvr>
+                                      <p:to>
+                                        <p:strVal val="visible"/>
+                                      </p:to>
+                                    </p:set>
+                                  </p:childTnLst>
+                                </p:cTn>
+                              </p:par>
+                            </p:childTnLst>
+                          </p:cTn>
+                        </p:par>
+                      </p:childTnLst>
+                    </p:cTn>
+                  </p:par>
+                  <p:par>
+                    <p:cTn id="23" fill="hold">
+                      <p:stCondLst>
+                        <p:cond delay="indefinite"/>
+                      </p:stCondLst>
+                      <p:childTnLst>
+                        <p:par>
+                          <p:cTn id="24" fill="hold">
+                            <p:stCondLst>
+                              <p:cond delay="0"/>
+                            </p:stCondLst>
+                            <p:childTnLst>
+                              <p:par>
+                                <p:cTn id="25" presetID="1" presetClass="entr" presetSubtype="0" fill="hold" grpId="0" nodeType="clickEffect">
+                                  <p:stCondLst>
+                                    <p:cond delay="0"/>
+                                  </p:stCondLst>
+                                  <p:childTnLst>
+                                    <p:set>
+                                      <p:cBhvr>
+                                        <p:cTn id="26" dur="1" fill="hold">
+                                          <p:stCondLst>
+                                            <p:cond delay="0"/>
+                                          </p:stCondLst>
+                                        </p:cTn>
+                                        <p:tgtEl>
+                                          <p:spTgt spid="8"/>
+                                        </p:tgtEl>
+                                        <p:attrNameLst>
+                                          <p:attrName>style.visibility</p:attrName>
+                                        </p:attrNameLst>
+                                      </p:cBhvr>
+                                      <p:to>
+                                        <p:strVal val="visible"/>
+                                      </p:to>
+                                    </p:set>
+                                  </p:childTnLst>
+                                </p:cTn>
+                              </p:par>
+                            </p:childTnLst>
+                          </p:cTn>
+                        </p:par>
+                      </p:childTnLst>
+                    </p:cTn>
+                  </p:par>
+                  <p:par>
+                    <p:cTn id="27" fill="hold">
+                      <p:stCondLst>
+                        <p:cond delay="indefinite"/>
+                      </p:stCondLst>
+                      <p:childTnLst>
+                        <p:par>
+                          <p:cTn id="28" fill="hold">
+                            <p:stCondLst>
+                              <p:cond delay="0"/>
+                            </p:stCondLst>
+                            <p:childTnLst>
+                              <p:par>
+                                <p:cTn id="29" presetID="1" presetClass="entr" presetSubtype="0" fill="hold" grpId="0" nodeType="clickEffect">
+                                  <p:stCondLst>
+                                    <p:cond delay="0"/>
+                                  </p:stCondLst>
+                                  <p:childTnLst>
+                                    <p:set>
+                                      <p:cBhvr>
+                                        <p:cTn id="30" dur="1" fill="hold">
+                                          <p:stCondLst>
+                                            <p:cond delay="0"/>
+                                          </p:stCondLst>
+                                        </p:cTn>
+                                        <p:tgtEl>
+                                          <p:spTgt spid="9"/>
+                                        </p:tgtEl>
+                                        <p:attrNameLst>
+                                          <p:attrName>style.visibility</p:attrName>
+                                        </p:attrNameLst>
+                                      </p:cBhvr>
+                                      <p:to>
+                                        <p:strVal val="visible"/>
+                                      </p:to>
+                                    </p:set>
+                                  </p:childTnLst>
+                                </p:cTn>
+                              </p:par>
+                            </p:childTnLst>
+                          </p:cTn>
+                        </p:par>
+                      </p:childTnLst>
+                    </p:cTn>
+                  </p:par>
+                </p:childTnLst>
+              </p:cTn>
+              <p:prevCondLst>
+                <p:cond evt="onPrev" delay="0">
+                  <p:tgtEl>
+                    <p:sldTgt/>
+                  </p:tgtEl>
+                </p:cond>
+              </p:prevCondLst>
+              <p:nextCondLst>
+                <p:cond evt="onNext" delay="0">
+                  <p:tgtEl>
+                    <p:sldTgt/>
+                  </p:tgtEl>
+                </p:cond>
+              </p:nextCondLst>
+            </p:seq>
+          </p:childTnLst>
+        </p:cTn>
+      </p:par>
+    </p:tnLst>
+    <p:bldLst>
+      <p:bldP spid="4" grpId="0"/>
+      <p:bldP spid="4" grpId="1"/>
+      <p:bldP spid="5" grpId="0"/>
+      <p:bldP spid="6" grpId="0"/>
+      <p:bldP spid="7" grpId="0"/>
+      <p:bldP spid="8" grpId="0"/>
+      <p:bldP spid="9" grpId="0"/>
+    </p:bldLst>
+  </p:timing>
 </p:sld>
 </file>
 

--- a/assets/ppt/lex/lex2-regular-expressions.pptx
+++ b/assets/ppt/lex/lex2-regular-expressions.pptx
@@ -15859,7 +15859,7 @@
                 <a:pPr indent="-257175"/>
                 <a:r>
                   <a:rPr lang="en-US" dirty="0"/>
-                  <a:t>Each regular language is an example of a (formal) language, i.e. a set of strings</a:t>
+                  <a:t>Each regular language is a formal language, i.e. a set of strings</a:t>
                 </a:r>
               </a:p>
               <a:p>
@@ -15873,7 +15873,7 @@
                 <a14:m>
                   <m:oMathPara xmlns:m="http://schemas.openxmlformats.org/officeDocument/2006/math">
                     <m:oMathParaPr>
-                      <m:jc m:val="centerGroup"/>
+                      <m:jc m:val="left"/>
                     </m:oMathParaPr>
                     <m:oMath xmlns:m="http://schemas.openxmlformats.org/officeDocument/2006/math">
                       <m:r>
@@ -15901,8 +15901,33 @@
                           </a:solidFill>
                           <a:latin typeface="Cambria Math" panose="02040503050406030204" pitchFamily="18" charset="0"/>
                         </a:rPr>
-                        <m:t> = {</m:t>
+                        <m:t> = </m:t>
                       </m:r>
+                      <m:d>
+                        <m:dPr>
+                          <m:begChr m:val="{"/>
+                          <m:endChr m:val="}"/>
+                          <m:ctrlPr>
+                            <a:rPr lang="en-US" i="1" dirty="0">
+                              <a:solidFill>
+                                <a:schemeClr val="accent2"/>
+                              </a:solidFill>
+                              <a:latin typeface="Cambria Math" panose="02040503050406030204" pitchFamily="18" charset="0"/>
+                            </a:rPr>
+                          </m:ctrlPr>
+                        </m:dPr>
+                        <m:e>
+                          <m:r>
+                            <a:rPr lang="en-US" i="1" dirty="0">
+                              <a:solidFill>
+                                <a:schemeClr val="accent2"/>
+                              </a:solidFill>
+                              <a:latin typeface="Cambria Math" panose="02040503050406030204" pitchFamily="18" charset="0"/>
+                            </a:rPr>
+                            <m:t>𝑎</m:t>
+                          </m:r>
+                        </m:e>
+                      </m:d>
                       <m:r>
                         <a:rPr lang="en-US" i="1" dirty="0">
                           <a:solidFill>
@@ -15910,17 +15935,32 @@
                           </a:solidFill>
                           <a:latin typeface="Cambria Math" panose="02040503050406030204" pitchFamily="18" charset="0"/>
                         </a:rPr>
-                        <m:t>𝑎</m:t>
+                        <m:t>, </m:t>
                       </m:r>
-                      <m:r>
-                        <a:rPr lang="en-US" i="1" dirty="0">
-                          <a:solidFill>
-                            <a:schemeClr val="accent2"/>
-                          </a:solidFill>
-                          <a:latin typeface="Cambria Math" panose="02040503050406030204" pitchFamily="18" charset="0"/>
-                        </a:rPr>
-                        <m:t>}, </m:t>
-                      </m:r>
+                    </m:oMath>
+                  </m:oMathPara>
+                </a14:m>
+                <a:endParaRPr lang="en-US" i="1" dirty="0">
+                  <a:solidFill>
+                    <a:schemeClr val="accent2"/>
+                  </a:solidFill>
+                  <a:latin typeface="Cambria Math" panose="02040503050406030204" pitchFamily="18" charset="0"/>
+                </a:endParaRPr>
+              </a:p>
+              <a:p>
+                <a:pPr lvl="1" indent="-214313">
+                  <a:buClr>
+                    <a:schemeClr val="accent2"/>
+                  </a:buClr>
+                  <a:buSzPct val="25000"/>
+                  <a:buNone/>
+                </a:pPr>
+                <a14:m>
+                  <m:oMathPara xmlns:m="http://schemas.openxmlformats.org/officeDocument/2006/math">
+                    <m:oMathParaPr>
+                      <m:jc m:val="left"/>
+                    </m:oMathParaPr>
+                    <m:oMath xmlns:m="http://schemas.openxmlformats.org/officeDocument/2006/math">
                       <m:r>
                         <a:rPr lang="en-US" i="1" dirty="0">
                           <a:solidFill>
@@ -15946,17 +15986,148 @@
                           </a:solidFill>
                           <a:latin typeface="Cambria Math" panose="02040503050406030204" pitchFamily="18" charset="0"/>
                         </a:rPr>
-                        <m:t> = {</m:t>
+                        <m:t> =</m:t>
                       </m:r>
+                      <m:d>
+                        <m:dPr>
+                          <m:begChr m:val="{"/>
+                          <m:endChr m:val="}"/>
+                          <m:ctrlPr>
+                            <a:rPr lang="en-US" b="0" i="1" dirty="0" smtClean="0">
+                              <a:solidFill>
+                                <a:schemeClr val="accent2"/>
+                              </a:solidFill>
+                              <a:latin typeface="Cambria Math" panose="02040503050406030204" pitchFamily="18" charset="0"/>
+                            </a:rPr>
+                          </m:ctrlPr>
+                        </m:dPr>
+                        <m:e>
+                          <m:r>
+                            <a:rPr lang="en-US" b="0" i="1" dirty="0" smtClean="0">
+                              <a:solidFill>
+                                <a:schemeClr val="accent2"/>
+                              </a:solidFill>
+                              <a:latin typeface="Cambria Math" panose="02040503050406030204" pitchFamily="18" charset="0"/>
+                            </a:rPr>
+                            <m:t>𝑎</m:t>
+                          </m:r>
+                          <m:r>
+                            <a:rPr lang="en-US" b="0" i="1" baseline="30000" dirty="0" smtClean="0">
+                              <a:solidFill>
+                                <a:schemeClr val="accent2"/>
+                              </a:solidFill>
+                              <a:latin typeface="Cambria Math" panose="02040503050406030204" pitchFamily="18" charset="0"/>
+                            </a:rPr>
+                            <m:t>𝑛</m:t>
+                          </m:r>
+                          <m:r>
+                            <a:rPr lang="en-US" b="0" i="1" dirty="0" smtClean="0">
+                              <a:solidFill>
+                                <a:schemeClr val="accent2"/>
+                              </a:solidFill>
+                              <a:latin typeface="Cambria Math" panose="02040503050406030204" pitchFamily="18" charset="0"/>
+                            </a:rPr>
+                            <m:t> :</m:t>
+                          </m:r>
+                          <m:r>
+                            <a:rPr lang="en-US" b="0" i="1" dirty="0" smtClean="0">
+                              <a:solidFill>
+                                <a:schemeClr val="accent2"/>
+                              </a:solidFill>
+                              <a:latin typeface="Cambria Math" panose="02040503050406030204" pitchFamily="18" charset="0"/>
+                            </a:rPr>
+                            <m:t>𝑛</m:t>
+                          </m:r>
+                          <m:r>
+                            <a:rPr lang="en-US" b="0" i="1" dirty="0" smtClean="0">
+                              <a:solidFill>
+                                <a:schemeClr val="accent2"/>
+                              </a:solidFill>
+                              <a:latin typeface="Cambria Math" panose="02040503050406030204" pitchFamily="18" charset="0"/>
+                            </a:rPr>
+                            <m:t>&gt;0</m:t>
+                          </m:r>
+                        </m:e>
+                      </m:d>
                       <m:r>
-                        <a:rPr lang="en-US" i="1" dirty="0">
+                        <a:rPr lang="en-US" b="0" i="1" dirty="0" smtClean="0">
                           <a:solidFill>
                             <a:schemeClr val="accent2"/>
                           </a:solidFill>
                           <a:latin typeface="Cambria Math" panose="02040503050406030204" pitchFamily="18" charset="0"/>
                         </a:rPr>
-                        <m:t>𝑎</m:t>
+                        <m:t>=</m:t>
                       </m:r>
+                      <m:d>
+                        <m:dPr>
+                          <m:begChr m:val="{"/>
+                          <m:endChr m:val="}"/>
+                          <m:ctrlPr>
+                            <a:rPr lang="en-US" i="1" dirty="0">
+                              <a:solidFill>
+                                <a:schemeClr val="accent2"/>
+                              </a:solidFill>
+                              <a:latin typeface="Cambria Math" panose="02040503050406030204" pitchFamily="18" charset="0"/>
+                            </a:rPr>
+                          </m:ctrlPr>
+                        </m:dPr>
+                        <m:e>
+                          <m:r>
+                            <a:rPr lang="en-US" i="1" dirty="0">
+                              <a:solidFill>
+                                <a:schemeClr val="accent2"/>
+                              </a:solidFill>
+                              <a:latin typeface="Cambria Math" panose="02040503050406030204" pitchFamily="18" charset="0"/>
+                            </a:rPr>
+                            <m:t>𝑎</m:t>
+                          </m:r>
+                          <m:r>
+                            <a:rPr lang="en-US" i="1" dirty="0">
+                              <a:solidFill>
+                                <a:schemeClr val="accent2"/>
+                              </a:solidFill>
+                              <a:latin typeface="Cambria Math" panose="02040503050406030204" pitchFamily="18" charset="0"/>
+                            </a:rPr>
+                            <m:t>, </m:t>
+                          </m:r>
+                          <m:r>
+                            <a:rPr lang="en-US" i="1" dirty="0">
+                              <a:solidFill>
+                                <a:schemeClr val="accent2"/>
+                              </a:solidFill>
+                              <a:latin typeface="Cambria Math" panose="02040503050406030204" pitchFamily="18" charset="0"/>
+                            </a:rPr>
+                            <m:t>𝑎𝑎</m:t>
+                          </m:r>
+                          <m:r>
+                            <a:rPr lang="en-US" i="1" dirty="0">
+                              <a:solidFill>
+                                <a:schemeClr val="accent2"/>
+                              </a:solidFill>
+                              <a:latin typeface="Cambria Math" panose="02040503050406030204" pitchFamily="18" charset="0"/>
+                            </a:rPr>
+                            <m:t>, </m:t>
+                          </m:r>
+                          <m:r>
+                            <a:rPr lang="en-US" i="1" dirty="0" err="1">
+                              <a:solidFill>
+                                <a:schemeClr val="accent2"/>
+                              </a:solidFill>
+                              <a:latin typeface="Cambria Math" panose="02040503050406030204" pitchFamily="18" charset="0"/>
+                            </a:rPr>
+                            <m:t>𝑎𝑎𝑎</m:t>
+                          </m:r>
+                          <m:r>
+                            <a:rPr lang="en-US" i="1" dirty="0">
+                              <a:solidFill>
+                                <a:schemeClr val="accent2"/>
+                              </a:solidFill>
+                              <a:latin typeface="Cambria Math" panose="02040503050406030204" pitchFamily="18" charset="0"/>
+                            </a:rPr>
+                            <m:t>, …</m:t>
+                          </m:r>
+                        </m:e>
+                      </m:d>
                       <m:r>
                         <a:rPr lang="en-US" i="1" dirty="0">
                           <a:solidFill>
@@ -15966,42 +16137,30 @@
                         </a:rPr>
                         <m:t>, </m:t>
                       </m:r>
-                      <m:r>
-                        <a:rPr lang="en-US" i="1" dirty="0">
-                          <a:solidFill>
-                            <a:schemeClr val="accent2"/>
-                          </a:solidFill>
-                          <a:latin typeface="Cambria Math" panose="02040503050406030204" pitchFamily="18" charset="0"/>
-                        </a:rPr>
-                        <m:t>𝑎𝑎</m:t>
-                      </m:r>
-                      <m:r>
-                        <a:rPr lang="en-US" i="1" dirty="0">
-                          <a:solidFill>
-                            <a:schemeClr val="accent2"/>
-                          </a:solidFill>
-                          <a:latin typeface="Cambria Math" panose="02040503050406030204" pitchFamily="18" charset="0"/>
-                        </a:rPr>
-                        <m:t>, </m:t>
-                      </m:r>
-                      <m:r>
-                        <a:rPr lang="en-US" i="1" dirty="0" err="1">
-                          <a:solidFill>
-                            <a:schemeClr val="accent2"/>
-                          </a:solidFill>
-                          <a:latin typeface="Cambria Math" panose="02040503050406030204" pitchFamily="18" charset="0"/>
-                        </a:rPr>
-                        <m:t>𝑎𝑎𝑎</m:t>
-                      </m:r>
-                      <m:r>
-                        <a:rPr lang="en-US" i="1" dirty="0">
-                          <a:solidFill>
-                            <a:schemeClr val="accent2"/>
-                          </a:solidFill>
-                          <a:latin typeface="Cambria Math" panose="02040503050406030204" pitchFamily="18" charset="0"/>
-                        </a:rPr>
-                        <m:t>, …}, </m:t>
-                      </m:r>
+                    </m:oMath>
+                  </m:oMathPara>
+                </a14:m>
+                <a:endParaRPr lang="en-US" i="1" dirty="0">
+                  <a:solidFill>
+                    <a:schemeClr val="accent2"/>
+                  </a:solidFill>
+                  <a:latin typeface="Cambria Math" panose="02040503050406030204" pitchFamily="18" charset="0"/>
+                </a:endParaRPr>
+              </a:p>
+              <a:p>
+                <a:pPr lvl="1" indent="-214313">
+                  <a:buClr>
+                    <a:schemeClr val="accent2"/>
+                  </a:buClr>
+                  <a:buSzPct val="25000"/>
+                  <a:buNone/>
+                </a:pPr>
+                <a14:m>
+                  <m:oMathPara xmlns:m="http://schemas.openxmlformats.org/officeDocument/2006/math">
+                    <m:oMathParaPr>
+                      <m:jc m:val="left"/>
+                    </m:oMathParaPr>
+                    <m:oMath xmlns:m="http://schemas.openxmlformats.org/officeDocument/2006/math">
                       <m:r>
                         <a:rPr lang="en-US" i="1" dirty="0">
                           <a:solidFill>
@@ -16067,7 +16226,7 @@
                 <a14:m>
                   <m:oMathPara xmlns:m="http://schemas.openxmlformats.org/officeDocument/2006/math">
                     <m:oMathParaPr>
-                      <m:jc m:val="centerGroup"/>
+                      <m:jc m:val="left"/>
                     </m:oMathParaPr>
                     <m:oMath xmlns:m="http://schemas.openxmlformats.org/officeDocument/2006/math">
                       <m:r>
@@ -16095,17 +16254,51 @@
                           </a:solidFill>
                           <a:latin typeface="Cambria Math" panose="02040503050406030204" pitchFamily="18" charset="0"/>
                         </a:rPr>
-                        <m:t> = {</m:t>
+                        <m:t> = </m:t>
                       </m:r>
-                      <m:r>
-                        <a:rPr lang="en-US" i="1" dirty="0" err="1">
-                          <a:solidFill>
-                            <a:schemeClr val="accent2"/>
-                          </a:solidFill>
-                          <a:latin typeface="Cambria Math" panose="02040503050406030204" pitchFamily="18" charset="0"/>
-                        </a:rPr>
-                        <m:t>𝑏𝑎</m:t>
-                      </m:r>
+                      <m:d>
+                        <m:dPr>
+                          <m:begChr m:val="{"/>
+                          <m:endChr m:val="}"/>
+                          <m:ctrlPr>
+                            <a:rPr lang="en-US" i="1" dirty="0">
+                              <a:solidFill>
+                                <a:schemeClr val="accent2"/>
+                              </a:solidFill>
+                              <a:latin typeface="Cambria Math" panose="02040503050406030204" pitchFamily="18" charset="0"/>
+                            </a:rPr>
+                          </m:ctrlPr>
+                        </m:dPr>
+                        <m:e>
+                          <m:r>
+                            <a:rPr lang="en-US" i="1" dirty="0" err="1">
+                              <a:solidFill>
+                                <a:schemeClr val="accent2"/>
+                              </a:solidFill>
+                              <a:latin typeface="Cambria Math" panose="02040503050406030204" pitchFamily="18" charset="0"/>
+                            </a:rPr>
+                            <m:t>𝑏𝑎</m:t>
+                          </m:r>
+                          <m:r>
+                            <a:rPr lang="en-US" i="1" dirty="0">
+                              <a:solidFill>
+                                <a:schemeClr val="accent2"/>
+                              </a:solidFill>
+                              <a:latin typeface="Cambria Math" panose="02040503050406030204" pitchFamily="18" charset="0"/>
+                            </a:rPr>
+                            <m:t>, </m:t>
+                          </m:r>
+                          <m:r>
+                            <a:rPr lang="en-US" i="1" dirty="0">
+                              <a:solidFill>
+                                <a:schemeClr val="accent2"/>
+                              </a:solidFill>
+                              <a:latin typeface="Cambria Math" panose="02040503050406030204" pitchFamily="18" charset="0"/>
+                            </a:rPr>
+                            <m:t>𝑎𝑏</m:t>
+                          </m:r>
+                        </m:e>
+                      </m:d>
                       <m:r>
                         <a:rPr lang="en-US" i="1" dirty="0">
                           <a:solidFill>
@@ -16115,130 +16308,14 @@
                         </a:rPr>
                         <m:t>, </m:t>
                       </m:r>
-                      <m:r>
-                        <a:rPr lang="en-US" i="1" dirty="0">
-                          <a:solidFill>
-                            <a:schemeClr val="accent2"/>
-                          </a:solidFill>
-                          <a:latin typeface="Cambria Math" panose="02040503050406030204" pitchFamily="18" charset="0"/>
-                        </a:rPr>
-                        <m:t>𝑎𝑏</m:t>
-                      </m:r>
-                      <m:r>
-                        <a:rPr lang="en-US" i="1" dirty="0">
-                          <a:solidFill>
-                            <a:schemeClr val="accent2"/>
-                          </a:solidFill>
-                          <a:latin typeface="Cambria Math" panose="02040503050406030204" pitchFamily="18" charset="0"/>
-                        </a:rPr>
-                        <m:t>}, </m:t>
-                      </m:r>
-                      <m:r>
-                        <a:rPr lang="en-US" i="1" dirty="0">
-                          <a:solidFill>
-                            <a:schemeClr val="accent2"/>
-                          </a:solidFill>
-                          <a:latin typeface="Cambria Math" panose="02040503050406030204" pitchFamily="18" charset="0"/>
-                        </a:rPr>
-                        <m:t>𝑅</m:t>
-                      </m:r>
-                      <m:r>
-                        <a:rPr lang="en-US" i="1" baseline="-25000" dirty="0">
-                          <a:solidFill>
-                            <a:schemeClr val="accent2"/>
-                          </a:solidFill>
-                          <a:latin typeface="Cambria Math" panose="02040503050406030204" pitchFamily="18" charset="0"/>
-                        </a:rPr>
-                        <m:t>5</m:t>
-                      </m:r>
-                      <m:r>
-                        <a:rPr lang="en-US" i="1" dirty="0">
-                          <a:solidFill>
-                            <a:schemeClr val="accent2"/>
-                          </a:solidFill>
-                          <a:latin typeface="Cambria Math" panose="02040503050406030204" pitchFamily="18" charset="0"/>
-                        </a:rPr>
-                        <m:t> = {</m:t>
-                      </m:r>
-                      <m:r>
-                        <a:rPr lang="en-US" i="1" dirty="0" err="1">
-                          <a:solidFill>
-                            <a:schemeClr val="accent2"/>
-                          </a:solidFill>
-                          <a:latin typeface="Cambria Math" panose="02040503050406030204" pitchFamily="18" charset="0"/>
-                        </a:rPr>
-                        <m:t>𝜀</m:t>
-                      </m:r>
-                      <m:r>
-                        <a:rPr lang="en-US" i="1" dirty="0">
-                          <a:solidFill>
-                            <a:schemeClr val="accent2"/>
-                          </a:solidFill>
-                          <a:latin typeface="Cambria Math" panose="02040503050406030204" pitchFamily="18" charset="0"/>
-                        </a:rPr>
-                        <m:t>, </m:t>
-                      </m:r>
-                      <m:r>
-                        <a:rPr lang="en-US" i="1" dirty="0">
-                          <a:solidFill>
-                            <a:schemeClr val="accent2"/>
-                          </a:solidFill>
-                          <a:latin typeface="Cambria Math" panose="02040503050406030204" pitchFamily="18" charset="0"/>
-                        </a:rPr>
-                        <m:t>𝑏</m:t>
-                      </m:r>
-                      <m:r>
-                        <a:rPr lang="en-US" i="1" dirty="0">
-                          <a:solidFill>
-                            <a:schemeClr val="accent2"/>
-                          </a:solidFill>
-                          <a:latin typeface="Cambria Math" panose="02040503050406030204" pitchFamily="18" charset="0"/>
-                        </a:rPr>
-                        <m:t>, </m:t>
-                      </m:r>
-                      <m:r>
-                        <a:rPr lang="en-US" i="1" dirty="0">
-                          <a:solidFill>
-                            <a:schemeClr val="accent2"/>
-                          </a:solidFill>
-                          <a:latin typeface="Cambria Math" panose="02040503050406030204" pitchFamily="18" charset="0"/>
-                        </a:rPr>
-                        <m:t>𝑏𝑏</m:t>
-                      </m:r>
-                      <m:r>
-                        <a:rPr lang="en-US" i="1" dirty="0">
-                          <a:solidFill>
-                            <a:schemeClr val="accent2"/>
-                          </a:solidFill>
-                          <a:latin typeface="Cambria Math" panose="02040503050406030204" pitchFamily="18" charset="0"/>
-                        </a:rPr>
-                        <m:t>, </m:t>
-                      </m:r>
-                      <m:r>
-                        <a:rPr lang="en-US" i="1" dirty="0" err="1">
-                          <a:solidFill>
-                            <a:schemeClr val="accent2"/>
-                          </a:solidFill>
-                          <a:latin typeface="Cambria Math" panose="02040503050406030204" pitchFamily="18" charset="0"/>
-                        </a:rPr>
-                        <m:t>𝑏𝑏𝑏</m:t>
-                      </m:r>
-                      <m:r>
-                        <a:rPr lang="en-US" i="1" dirty="0">
-                          <a:solidFill>
-                            <a:schemeClr val="accent2"/>
-                          </a:solidFill>
-                          <a:latin typeface="Cambria Math" panose="02040503050406030204" pitchFamily="18" charset="0"/>
-                        </a:rPr>
-                        <m:t>, …}, …</m:t>
-                      </m:r>
                     </m:oMath>
                   </m:oMathPara>
                 </a14:m>
-                <a:endParaRPr lang="en-US" dirty="0">
+                <a:endParaRPr lang="en-US" i="1" dirty="0">
                   <a:solidFill>
                     <a:schemeClr val="accent2"/>
                   </a:solidFill>
+                  <a:latin typeface="Cambria Math" panose="02040503050406030204" pitchFamily="18" charset="0"/>
                 </a:endParaRPr>
               </a:p>
               <a:p>
@@ -16249,14 +16326,263 @@
                   <a:buSzPct val="25000"/>
                   <a:buNone/>
                 </a:pPr>
-                <a:r>
-                  <a:rPr lang="en-US" dirty="0">
-                    <a:solidFill>
-                      <a:schemeClr val="accent2"/>
-                    </a:solidFill>
-                  </a:rPr>
-                  <a:t> </a:t>
-                </a:r>
+                <a14:m>
+                  <m:oMathPara xmlns:m="http://schemas.openxmlformats.org/officeDocument/2006/math">
+                    <m:oMathParaPr>
+                      <m:jc m:val="left"/>
+                    </m:oMathParaPr>
+                    <m:oMath xmlns:m="http://schemas.openxmlformats.org/officeDocument/2006/math">
+                      <m:r>
+                        <a:rPr lang="en-US" i="1" dirty="0">
+                          <a:solidFill>
+                            <a:schemeClr val="accent2"/>
+                          </a:solidFill>
+                          <a:latin typeface="Cambria Math" panose="02040503050406030204" pitchFamily="18" charset="0"/>
+                        </a:rPr>
+                        <m:t>𝑅</m:t>
+                      </m:r>
+                      <m:r>
+                        <a:rPr lang="en-US" i="1" baseline="-25000" dirty="0">
+                          <a:solidFill>
+                            <a:schemeClr val="accent2"/>
+                          </a:solidFill>
+                          <a:latin typeface="Cambria Math" panose="02040503050406030204" pitchFamily="18" charset="0"/>
+                        </a:rPr>
+                        <m:t>5</m:t>
+                      </m:r>
+                      <m:r>
+                        <a:rPr lang="en-US" i="1" dirty="0">
+                          <a:solidFill>
+                            <a:schemeClr val="accent2"/>
+                          </a:solidFill>
+                          <a:latin typeface="Cambria Math" panose="02040503050406030204" pitchFamily="18" charset="0"/>
+                        </a:rPr>
+                        <m:t> =</m:t>
+                      </m:r>
+                      <m:d>
+                        <m:dPr>
+                          <m:begChr m:val="{"/>
+                          <m:endChr m:val="}"/>
+                          <m:ctrlPr>
+                            <a:rPr lang="en-US" b="0" i="1" dirty="0" smtClean="0">
+                              <a:solidFill>
+                                <a:schemeClr val="accent2"/>
+                              </a:solidFill>
+                              <a:latin typeface="Cambria Math" panose="02040503050406030204" pitchFamily="18" charset="0"/>
+                            </a:rPr>
+                          </m:ctrlPr>
+                        </m:dPr>
+                        <m:e>
+                          <m:sSup>
+                            <m:sSupPr>
+                              <m:ctrlPr>
+                                <a:rPr lang="en-US" b="0" i="1" dirty="0" smtClean="0">
+                                  <a:solidFill>
+                                    <a:schemeClr val="accent2"/>
+                                  </a:solidFill>
+                                  <a:latin typeface="Cambria Math" panose="02040503050406030204" pitchFamily="18" charset="0"/>
+                                </a:rPr>
+                              </m:ctrlPr>
+                            </m:sSupPr>
+                            <m:e>
+                              <m:r>
+                                <a:rPr lang="en-US" b="0" i="1" dirty="0" smtClean="0">
+                                  <a:solidFill>
+                                    <a:schemeClr val="accent2"/>
+                                  </a:solidFill>
+                                  <a:latin typeface="Cambria Math" panose="02040503050406030204" pitchFamily="18" charset="0"/>
+                                </a:rPr>
+                                <m:t>𝑏</m:t>
+                              </m:r>
+                            </m:e>
+                            <m:sup>
+                              <m:r>
+                                <a:rPr lang="en-US" b="0" i="1" dirty="0" smtClean="0">
+                                  <a:solidFill>
+                                    <a:schemeClr val="accent2"/>
+                                  </a:solidFill>
+                                  <a:latin typeface="Cambria Math" panose="02040503050406030204" pitchFamily="18" charset="0"/>
+                                </a:rPr>
+                                <m:t>𝑛</m:t>
+                              </m:r>
+                            </m:sup>
+                          </m:sSup>
+                          <m:r>
+                            <a:rPr lang="en-US" b="0" i="1" dirty="0" smtClean="0">
+                              <a:solidFill>
+                                <a:schemeClr val="accent2"/>
+                              </a:solidFill>
+                              <a:latin typeface="Cambria Math" panose="02040503050406030204" pitchFamily="18" charset="0"/>
+                            </a:rPr>
+                            <m:t>:</m:t>
+                          </m:r>
+                          <m:r>
+                            <a:rPr lang="en-US" b="0" i="1" dirty="0" smtClean="0">
+                              <a:solidFill>
+                                <a:schemeClr val="accent2"/>
+                              </a:solidFill>
+                              <a:latin typeface="Cambria Math" panose="02040503050406030204" pitchFamily="18" charset="0"/>
+                            </a:rPr>
+                            <m:t>𝑛</m:t>
+                          </m:r>
+                          <m:r>
+                            <a:rPr lang="en-US" b="0" i="1" dirty="0" smtClean="0">
+                              <a:solidFill>
+                                <a:schemeClr val="accent2"/>
+                              </a:solidFill>
+                              <a:latin typeface="Cambria Math" panose="02040503050406030204" pitchFamily="18" charset="0"/>
+                            </a:rPr>
+                            <m:t>≥0</m:t>
+                          </m:r>
+                        </m:e>
+                      </m:d>
+                      <m:r>
+                        <a:rPr lang="en-US" b="0" i="1" dirty="0" smtClean="0">
+                          <a:solidFill>
+                            <a:schemeClr val="accent2"/>
+                          </a:solidFill>
+                          <a:latin typeface="Cambria Math" panose="02040503050406030204" pitchFamily="18" charset="0"/>
+                        </a:rPr>
+                        <m:t>=</m:t>
+                      </m:r>
+                      <m:d>
+                        <m:dPr>
+                          <m:begChr m:val="{"/>
+                          <m:endChr m:val="}"/>
+                          <m:ctrlPr>
+                            <a:rPr lang="en-US" i="1" dirty="0">
+                              <a:solidFill>
+                                <a:schemeClr val="accent2"/>
+                              </a:solidFill>
+                              <a:latin typeface="Cambria Math" panose="02040503050406030204" pitchFamily="18" charset="0"/>
+                            </a:rPr>
+                          </m:ctrlPr>
+                        </m:dPr>
+                        <m:e>
+                          <m:r>
+                            <a:rPr lang="en-US" i="1" dirty="0" err="1">
+                              <a:solidFill>
+                                <a:schemeClr val="accent2"/>
+                              </a:solidFill>
+                              <a:latin typeface="Cambria Math" panose="02040503050406030204" pitchFamily="18" charset="0"/>
+                            </a:rPr>
+                            <m:t>𝜀</m:t>
+                          </m:r>
+                          <m:r>
+                            <a:rPr lang="en-US" i="1" dirty="0">
+                              <a:solidFill>
+                                <a:schemeClr val="accent2"/>
+                              </a:solidFill>
+                              <a:latin typeface="Cambria Math" panose="02040503050406030204" pitchFamily="18" charset="0"/>
+                            </a:rPr>
+                            <m:t>, </m:t>
+                          </m:r>
+                          <m:r>
+                            <a:rPr lang="en-US" i="1" dirty="0">
+                              <a:solidFill>
+                                <a:schemeClr val="accent2"/>
+                              </a:solidFill>
+                              <a:latin typeface="Cambria Math" panose="02040503050406030204" pitchFamily="18" charset="0"/>
+                            </a:rPr>
+                            <m:t>𝑏</m:t>
+                          </m:r>
+                          <m:r>
+                            <a:rPr lang="en-US" i="1" dirty="0">
+                              <a:solidFill>
+                                <a:schemeClr val="accent2"/>
+                              </a:solidFill>
+                              <a:latin typeface="Cambria Math" panose="02040503050406030204" pitchFamily="18" charset="0"/>
+                            </a:rPr>
+                            <m:t>, </m:t>
+                          </m:r>
+                          <m:r>
+                            <a:rPr lang="en-US" i="1" dirty="0">
+                              <a:solidFill>
+                                <a:schemeClr val="accent2"/>
+                              </a:solidFill>
+                              <a:latin typeface="Cambria Math" panose="02040503050406030204" pitchFamily="18" charset="0"/>
+                            </a:rPr>
+                            <m:t>𝑏𝑏</m:t>
+                          </m:r>
+                          <m:r>
+                            <a:rPr lang="en-US" i="1" dirty="0">
+                              <a:solidFill>
+                                <a:schemeClr val="accent2"/>
+                              </a:solidFill>
+                              <a:latin typeface="Cambria Math" panose="02040503050406030204" pitchFamily="18" charset="0"/>
+                            </a:rPr>
+                            <m:t>, </m:t>
+                          </m:r>
+                          <m:r>
+                            <a:rPr lang="en-US" i="1" dirty="0" err="1">
+                              <a:solidFill>
+                                <a:schemeClr val="accent2"/>
+                              </a:solidFill>
+                              <a:latin typeface="Cambria Math" panose="02040503050406030204" pitchFamily="18" charset="0"/>
+                            </a:rPr>
+                            <m:t>𝑏𝑏𝑏</m:t>
+                          </m:r>
+                          <m:r>
+                            <a:rPr lang="en-US" i="1" dirty="0">
+                              <a:solidFill>
+                                <a:schemeClr val="accent2"/>
+                              </a:solidFill>
+                              <a:latin typeface="Cambria Math" panose="02040503050406030204" pitchFamily="18" charset="0"/>
+                            </a:rPr>
+                            <m:t>, …</m:t>
+                          </m:r>
+                        </m:e>
+                      </m:d>
+                      <m:r>
+                        <a:rPr lang="en-US" i="1" dirty="0">
+                          <a:solidFill>
+                            <a:schemeClr val="accent2"/>
+                          </a:solidFill>
+                          <a:latin typeface="Cambria Math" panose="02040503050406030204" pitchFamily="18" charset="0"/>
+                        </a:rPr>
+                        <m:t>, </m:t>
+                      </m:r>
+                    </m:oMath>
+                  </m:oMathPara>
+                </a14:m>
+                <a:endParaRPr lang="en-US" i="1" dirty="0">
+                  <a:solidFill>
+                    <a:schemeClr val="accent2"/>
+                  </a:solidFill>
+                  <a:latin typeface="Cambria Math" panose="02040503050406030204" pitchFamily="18" charset="0"/>
+                </a:endParaRPr>
+              </a:p>
+              <a:p>
+                <a:pPr lvl="1" indent="-214313">
+                  <a:buClr>
+                    <a:schemeClr val="accent2"/>
+                  </a:buClr>
+                  <a:buSzPct val="25000"/>
+                  <a:buNone/>
+                </a:pPr>
+                <a14:m>
+                  <m:oMathPara xmlns:m="http://schemas.openxmlformats.org/officeDocument/2006/math">
+                    <m:oMathParaPr>
+                      <m:jc m:val="left"/>
+                    </m:oMathParaPr>
+                    <m:oMath xmlns:m="http://schemas.openxmlformats.org/officeDocument/2006/math">
+                      <m:r>
+                        <a:rPr lang="en-US" i="1" dirty="0">
+                          <a:solidFill>
+                            <a:schemeClr val="accent2"/>
+                          </a:solidFill>
+                          <a:latin typeface="Cambria Math" panose="02040503050406030204" pitchFamily="18" charset="0"/>
+                        </a:rPr>
+                        <m:t>…</m:t>
+                      </m:r>
+                    </m:oMath>
+                  </m:oMathPara>
+                </a14:m>
+                <a:endParaRPr lang="en-US" dirty="0">
+                  <a:solidFill>
+                    <a:schemeClr val="accent2"/>
+                  </a:solidFill>
+                </a:endParaRPr>
               </a:p>
               <a:p>
                 <a:pPr lvl="1" indent="-214313">
@@ -16290,7 +16616,7 @@
               <a:blipFill>
                 <a:blip r:embed="rId3"/>
                 <a:stretch>
-                  <a:fillRect l="-966" t="-3125" r="-483"/>
+                  <a:fillRect l="-966" t="-3125"/>
                 </a:stretch>
               </a:blipFill>
               <a:ln>
@@ -16421,8 +16747,8 @@
               <a:buSzPct val="25000"/>
             </a:pPr>
             <a:r>
-              <a:rPr lang="en-US"/>
-              <a:t>Regular Expressions: Definition</a:t>
+              <a:rPr lang="en-US" dirty="0"/>
+              <a:t>Regular Expressions and Regular Languages</a:t>
             </a:r>
           </a:p>
         </p:txBody>
@@ -20643,15 +20969,21 @@
           </a:p>
         </p:txBody>
       </p:sp>
-      <mc:AlternateContent xmlns:mc="http://schemas.openxmlformats.org/markup-compatibility/2006" xmlns:a14="http://schemas.microsoft.com/office/drawing/2010/main">
-        <mc:Choice Requires="a14">
+      <mc:AlternateContent xmlns:mc="http://schemas.openxmlformats.org/markup-compatibility/2006">
+        <mc:Choice xmlns:a14="http://schemas.microsoft.com/office/drawing/2010/main" Requires="a14">
           <p:graphicFrame>
             <p:nvGraphicFramePr>
               <p:cNvPr id="309383" name="Group 135"/>
               <p:cNvGraphicFramePr>
                 <a:graphicFrameLocks noGrp="1"/>
               </p:cNvGraphicFramePr>
-              <p:nvPr/>
+              <p:nvPr>
+                <p:extLst>
+                  <p:ext uri="{D42A27DB-BD31-4B8C-83A1-F6EECF244321}">
+                    <p14:modId xmlns:p14="http://schemas.microsoft.com/office/powerpoint/2010/main" val="3147854471"/>
+                  </p:ext>
+                </p:extLst>
+              </p:nvPr>
             </p:nvGraphicFramePr>
             <p:xfrm>
               <a:off x="1628774" y="309563"/>
@@ -24957,7 +25289,33 @@
                                     <a:effectLst/>
                                     <a:latin typeface="Cambria Math" panose="02040503050406030204" pitchFamily="18" charset="0"/>
                                   </a:rPr>
-                                  <m:t>|)</m:t>
+                                  <m:t>|</m:t>
+                                </m:r>
+                                <m:r>
+                                  <a:rPr kumimoji="0" lang="en-US" sz="1200" b="0" i="1" u="none" strike="noStrike" cap="none" normalizeH="0" baseline="0" dirty="0" smtClean="0">
+                                    <a:ln>
+                                      <a:noFill/>
+                                    </a:ln>
+                                    <a:solidFill>
+                                      <a:schemeClr val="tx1"/>
+                                    </a:solidFill>
+                                    <a:effectLst/>
+                                    <a:latin typeface="Cambria Math" panose="02040503050406030204" pitchFamily="18" charset="0"/>
+                                  </a:rPr>
+                                  <m:t>𝜀</m:t>
+                                </m:r>
+                                <m:r>
+                                  <a:rPr kumimoji="0" lang="en-US" sz="1200" b="0" i="1" u="none" strike="noStrike" cap="none" normalizeH="0" baseline="0" dirty="0" smtClean="0">
+                                    <a:ln>
+                                      <a:noFill/>
+                                    </a:ln>
+                                    <a:solidFill>
+                                      <a:schemeClr val="tx1"/>
+                                    </a:solidFill>
+                                    <a:effectLst/>
+                                    <a:latin typeface="Cambria Math" panose="02040503050406030204" pitchFamily="18" charset="0"/>
+                                  </a:rPr>
+                                  <m:t>)</m:t>
                                 </m:r>
                               </m:oMath>
                             </m:oMathPara>
@@ -27083,7 +27441,7 @@
             </a:graphic>
           </p:graphicFrame>
         </mc:Choice>
-        <mc:Fallback xmlns="">
+        <mc:Fallback>
           <p:graphicFrame>
             <p:nvGraphicFramePr>
               <p:cNvPr id="309383" name="Group 135"/>
@@ -27093,7 +27451,7 @@
               <p:nvPr>
                 <p:extLst>
                   <p:ext uri="{D42A27DB-BD31-4B8C-83A1-F6EECF244321}">
-                    <p14:modId xmlns:p14="http://schemas.microsoft.com/office/powerpoint/2010/main" val="1386507808"/>
+                    <p14:modId xmlns:p14="http://schemas.microsoft.com/office/powerpoint/2010/main" val="3147854471"/>
                   </p:ext>
                 </p:extLst>
               </p:nvPr>

--- a/assets/ppt/lex/lex2-regular-expressions.pptx
+++ b/assets/ppt/lex/lex2-regular-expressions.pptx
@@ -15712,8 +15712,8 @@
           </a:p>
         </p:txBody>
       </p:sp>
-      <mc:AlternateContent xmlns:mc="http://schemas.openxmlformats.org/markup-compatibility/2006">
-        <mc:Choice xmlns:a14="http://schemas.microsoft.com/office/drawing/2010/main" Requires="a14">
+      <mc:AlternateContent xmlns:mc="http://schemas.openxmlformats.org/markup-compatibility/2006" xmlns:a14="http://schemas.microsoft.com/office/drawing/2010/main">
+        <mc:Choice Requires="a14">
           <p:sp>
             <p:nvSpPr>
               <p:cNvPr id="156" name="Shape 156"/>
@@ -16598,7 +16598,7 @@
             </p:txBody>
           </p:sp>
         </mc:Choice>
-        <mc:Fallback>
+        <mc:Fallback xmlns="">
           <p:sp>
             <p:nvSpPr>
               <p:cNvPr id="156" name="Shape 156"/>
@@ -16847,11 +16847,7 @@
                 </a:r>
               </a:p>
               <a:p>
-                <a:pPr lvl="1" indent="-214313">
-                  <a:lnSpc>
-                    <a:spcPct val="90000"/>
-                  </a:lnSpc>
-                </a:pPr>
+                <a:pPr lvl="1" indent="-214313"/>
                 <a:r>
                   <a:rPr lang="en-US" dirty="0"/>
                   <a:t>L(</a:t>
@@ -16869,6 +16865,85 @@
                 </a:r>
                 <a14:m>
                   <m:oMath xmlns:m="http://schemas.openxmlformats.org/officeDocument/2006/math">
+                    <m:d>
+                      <m:dPr>
+                        <m:begChr m:val="{"/>
+                        <m:endChr m:val="}"/>
+                        <m:ctrlPr>
+                          <a:rPr lang="en-US" i="1" dirty="0">
+                            <a:solidFill>
+                              <a:schemeClr val="accent2"/>
+                            </a:solidFill>
+                            <a:latin typeface="Cambria Math" panose="02040503050406030204" pitchFamily="18" charset="0"/>
+                          </a:rPr>
+                        </m:ctrlPr>
+                      </m:dPr>
+                      <m:e>
+                        <m:r>
+                          <a:rPr lang="en-US" i="1" dirty="0">
+                            <a:solidFill>
+                              <a:schemeClr val="accent2"/>
+                            </a:solidFill>
+                            <a:latin typeface="Cambria Math" panose="02040503050406030204" pitchFamily="18" charset="0"/>
+                          </a:rPr>
+                          <m:t>𝑎</m:t>
+                        </m:r>
+                        <m:r>
+                          <a:rPr lang="en-US" i="1" baseline="30000" dirty="0">
+                            <a:solidFill>
+                              <a:schemeClr val="accent2"/>
+                            </a:solidFill>
+                            <a:latin typeface="Cambria Math" panose="02040503050406030204" pitchFamily="18" charset="0"/>
+                          </a:rPr>
+                          <m:t>𝑛</m:t>
+                        </m:r>
+                        <m:r>
+                          <a:rPr lang="en-US" i="1" dirty="0">
+                            <a:solidFill>
+                              <a:schemeClr val="accent2"/>
+                            </a:solidFill>
+                            <a:latin typeface="Cambria Math" panose="02040503050406030204" pitchFamily="18" charset="0"/>
+                          </a:rPr>
+                          <m:t> :</m:t>
+                        </m:r>
+                        <m:r>
+                          <a:rPr lang="en-US" i="1" dirty="0">
+                            <a:solidFill>
+                              <a:schemeClr val="accent2"/>
+                            </a:solidFill>
+                            <a:latin typeface="Cambria Math" panose="02040503050406030204" pitchFamily="18" charset="0"/>
+                          </a:rPr>
+                          <m:t>𝑛</m:t>
+                        </m:r>
+                        <m:r>
+                          <a:rPr lang="en-US" b="0" i="1" dirty="0" smtClean="0">
+                            <a:solidFill>
+                              <a:schemeClr val="accent2"/>
+                            </a:solidFill>
+                            <a:latin typeface="Cambria Math" panose="02040503050406030204" pitchFamily="18" charset="0"/>
+                          </a:rPr>
+                          <m:t>≥</m:t>
+                        </m:r>
+                        <m:r>
+                          <a:rPr lang="en-US" i="1" dirty="0">
+                            <a:solidFill>
+                              <a:schemeClr val="accent2"/>
+                            </a:solidFill>
+                            <a:latin typeface="Cambria Math" panose="02040503050406030204" pitchFamily="18" charset="0"/>
+                          </a:rPr>
+                          <m:t>0</m:t>
+                        </m:r>
+                      </m:e>
+                    </m:d>
+                    <m:r>
+                      <a:rPr lang="en-US" b="0" i="1" dirty="0" smtClean="0">
+                        <a:solidFill>
+                          <a:schemeClr val="accent2"/>
+                        </a:solidFill>
+                        <a:latin typeface="Cambria Math" panose="02040503050406030204" pitchFamily="18" charset="0"/>
+                      </a:rPr>
+                      <m:t>=</m:t>
+                    </m:r>
                     <m:r>
                       <a:rPr lang="en-US" i="1" dirty="0" smtClean="0">
                         <a:solidFill>
@@ -17406,16 +17481,7 @@
                         </a:solidFill>
                         <a:latin typeface="Cambria Math" panose="02040503050406030204" pitchFamily="18" charset="0"/>
                       </a:rPr>
-                      <m:t>),</m:t>
-                    </m:r>
-                    <m:r>
-                      <a:rPr lang="en-US" i="1" dirty="0">
-                        <a:solidFill>
-                          <a:srgbClr val="FF0000"/>
-                        </a:solidFill>
-                        <a:latin typeface="Cambria Math" panose="02040503050406030204" pitchFamily="18" charset="0"/>
-                      </a:rPr>
-                      <m:t> </m:t>
+                      <m:t>), </m:t>
                     </m:r>
                     <m:r>
                       <a:rPr lang="en-US" b="0" i="1" dirty="0" smtClean="0">
@@ -20969,8 +21035,8 @@
           </a:p>
         </p:txBody>
       </p:sp>
-      <mc:AlternateContent xmlns:mc="http://schemas.openxmlformats.org/markup-compatibility/2006">
-        <mc:Choice xmlns:a14="http://schemas.microsoft.com/office/drawing/2010/main" Requires="a14">
+      <mc:AlternateContent xmlns:mc="http://schemas.openxmlformats.org/markup-compatibility/2006" xmlns:a14="http://schemas.microsoft.com/office/drawing/2010/main">
+        <mc:Choice Requires="a14">
           <p:graphicFrame>
             <p:nvGraphicFramePr>
               <p:cNvPr id="309383" name="Group 135"/>
@@ -27441,7 +27507,7 @@
             </a:graphic>
           </p:graphicFrame>
         </mc:Choice>
-        <mc:Fallback>
+        <mc:Fallback xmlns="">
           <p:graphicFrame>
             <p:nvGraphicFramePr>
               <p:cNvPr id="309383" name="Group 135"/>

--- a/assets/ppt/lex/lex2-regular-expressions.pptx
+++ b/assets/ppt/lex/lex2-regular-expressions.pptx
@@ -6110,7 +6110,7 @@
                 <a:latin typeface="Consolas" panose="020B0609020204030204" pitchFamily="49" charset="0"/>
                 <a:cs typeface="Consolas" panose="020B0609020204030204" pitchFamily="49" charset="0"/>
               </a:rPr>
-              <a:t>:T_INTCONSTANT =  digit+</a:t>
+              <a:t>:T_INTCONSTANT =  {digit}+</a:t>
             </a:r>
           </a:p>
           <a:p>
@@ -6184,27 +6184,7 @@
                 <a:latin typeface="Consolas" panose="020B0609020204030204" pitchFamily="49" charset="0"/>
                 <a:cs typeface="Consolas" panose="020B0609020204030204" pitchFamily="49" charset="0"/>
               </a:rPr>
-              <a:t>:T_IDENTIFIER  =  letter(</a:t>
-            </a:r>
-            <a:r>
-              <a:rPr lang="en-US" dirty="0" err="1">
-                <a:solidFill>
-                  <a:srgbClr val="0070C0"/>
-                </a:solidFill>
-                <a:latin typeface="Consolas" panose="020B0609020204030204" pitchFamily="49" charset="0"/>
-                <a:cs typeface="Consolas" panose="020B0609020204030204" pitchFamily="49" charset="0"/>
-              </a:rPr>
-              <a:t>letter|digit</a:t>
-            </a:r>
-            <a:r>
-              <a:rPr lang="en-US" dirty="0">
-                <a:solidFill>
-                  <a:srgbClr val="0070C0"/>
-                </a:solidFill>
-                <a:latin typeface="Consolas" panose="020B0609020204030204" pitchFamily="49" charset="0"/>
-                <a:cs typeface="Consolas" panose="020B0609020204030204" pitchFamily="49" charset="0"/>
-              </a:rPr>
-              <a:t>)+</a:t>
+              <a:t>:T_IDENTIFIER  =  {letter}({letter}|{digit})+</a:t>
             </a:r>
           </a:p>
           <a:p>
@@ -15539,6 +15519,34 @@
                   <a:srgbClr val="0070C0"/>
                 </a:solidFill>
               </a:rPr>
+              <a:t>Break ties using </a:t>
+            </a:r>
+            <a:r>
+              <a:rPr lang="en-US">
+                <a:solidFill>
+                  <a:srgbClr val="0070C0"/>
+                </a:solidFill>
+              </a:rPr>
+              <a:t>priority ordering</a:t>
+            </a:r>
+            <a:endParaRPr lang="en-US" dirty="0">
+              <a:solidFill>
+                <a:srgbClr val="0070C0"/>
+              </a:solidFill>
+            </a:endParaRPr>
+          </a:p>
+          <a:p>
+            <a:pPr lvl="1" indent="-214313">
+              <a:buClr>
+                <a:srgbClr val="0070C0"/>
+              </a:buClr>
+            </a:pPr>
+            <a:r>
+              <a:rPr lang="en-US" dirty="0">
+                <a:solidFill>
+                  <a:srgbClr val="0070C0"/>
+                </a:solidFill>
+              </a:rPr>
               <a:t>Handle errors</a:t>
             </a:r>
           </a:p>

--- a/assets/ppt/lex/lex2-regular-expressions.pptx
+++ b/assets/ppt/lex/lex2-regular-expressions.pptx
@@ -2568,7 +2568,7 @@
           <a:p>
             <a:fld id="{1B6DC762-1116-2146-A47C-D79A5A5DBAFD}" type="datetime1">
               <a:rPr lang="en-CA" smtClean="0"/>
-              <a:t>2020-09-13</a:t>
+              <a:t>2020-09-16</a:t>
             </a:fld>
             <a:endParaRPr lang="en-US"/>
           </a:p>
@@ -2766,7 +2766,7 @@
           <a:p>
             <a:fld id="{725FEDD1-5A1B-2342-BAF0-F7C5511A73CE}" type="datetime1">
               <a:rPr lang="en-CA" smtClean="0"/>
-              <a:t>2020-09-13</a:t>
+              <a:t>2020-09-16</a:t>
             </a:fld>
             <a:endParaRPr lang="en-US"/>
           </a:p>
@@ -2974,7 +2974,7 @@
           <a:p>
             <a:fld id="{F09E59AE-0AE1-4048-8BD6-D39FC0EBB194}" type="datetime1">
               <a:rPr lang="en-CA" smtClean="0"/>
-              <a:t>2020-09-13</a:t>
+              <a:t>2020-09-16</a:t>
             </a:fld>
             <a:endParaRPr lang="en-US"/>
           </a:p>
@@ -3324,7 +3324,7 @@
           <a:p>
             <a:fld id="{A2849525-9B7D-5945-A782-775278635E42}" type="datetime1">
               <a:rPr lang="en-CA" smtClean="0"/>
-              <a:t>2020-09-13</a:t>
+              <a:t>2020-09-16</a:t>
             </a:fld>
             <a:endParaRPr lang="en-US"/>
           </a:p>
@@ -3599,7 +3599,7 @@
           <a:p>
             <a:fld id="{D05E1499-BDD1-6940-8C79-13A8B8E63D57}" type="datetime1">
               <a:rPr lang="en-CA" smtClean="0"/>
-              <a:t>2020-09-13</a:t>
+              <a:t>2020-09-16</a:t>
             </a:fld>
             <a:endParaRPr lang="en-US"/>
           </a:p>
@@ -3864,7 +3864,7 @@
           <a:p>
             <a:fld id="{17E70EF3-18A7-4644-8DA2-1EB9CA66C736}" type="datetime1">
               <a:rPr lang="en-CA" smtClean="0"/>
-              <a:t>2020-09-13</a:t>
+              <a:t>2020-09-16</a:t>
             </a:fld>
             <a:endParaRPr lang="en-US"/>
           </a:p>
@@ -4276,7 +4276,7 @@
           <a:p>
             <a:fld id="{54538FC1-2481-FB4A-91E5-87F3422DE2D5}" type="datetime1">
               <a:rPr lang="en-CA" smtClean="0"/>
-              <a:t>2020-09-13</a:t>
+              <a:t>2020-09-16</a:t>
             </a:fld>
             <a:endParaRPr lang="en-US"/>
           </a:p>
@@ -4417,7 +4417,7 @@
           <a:p>
             <a:fld id="{93D5C515-1622-C840-89B2-A4A55D34866A}" type="datetime1">
               <a:rPr lang="en-CA" smtClean="0"/>
-              <a:t>2020-09-13</a:t>
+              <a:t>2020-09-16</a:t>
             </a:fld>
             <a:endParaRPr lang="en-US"/>
           </a:p>
@@ -4530,7 +4530,7 @@
           <a:p>
             <a:fld id="{B9077E75-6C88-BB47-AC6F-0DCA859E7113}" type="datetime1">
               <a:rPr lang="en-CA" smtClean="0"/>
-              <a:t>2020-09-13</a:t>
+              <a:t>2020-09-16</a:t>
             </a:fld>
             <a:endParaRPr lang="en-US"/>
           </a:p>
@@ -4841,7 +4841,7 @@
           <a:p>
             <a:fld id="{1AD12F8B-7E05-A047-BAC3-EE71BEBBE5BE}" type="datetime1">
               <a:rPr lang="en-CA" smtClean="0"/>
-              <a:t>2020-09-13</a:t>
+              <a:t>2020-09-16</a:t>
             </a:fld>
             <a:endParaRPr lang="en-US"/>
           </a:p>
@@ -5129,7 +5129,7 @@
           <a:p>
             <a:fld id="{C1D9F72A-E93E-B546-8268-6408A6E1DA62}" type="datetime1">
               <a:rPr lang="en-CA" smtClean="0"/>
-              <a:t>2020-09-13</a:t>
+              <a:t>2020-09-16</a:t>
             </a:fld>
             <a:endParaRPr lang="en-US"/>
           </a:p>
@@ -5370,7 +5370,7 @@
           <a:p>
             <a:fld id="{97DF4AC7-DB73-7444-A2A7-FD79FE1A2B2B}" type="datetime1">
               <a:rPr lang="en-CA" smtClean="0"/>
-              <a:t>2020-09-13</a:t>
+              <a:t>2020-09-16</a:t>
             </a:fld>
             <a:endParaRPr lang="en-US"/>
           </a:p>
@@ -15307,6 +15307,72 @@
           </p:sp>
         </mc:Fallback>
       </mc:AlternateContent>
+      <p:sp>
+        <p:nvSpPr>
+          <p:cNvPr id="16" name="Rectangular Callout 15">
+            <a:extLst>
+              <a:ext uri="{FF2B5EF4-FFF2-40B4-BE49-F238E27FC236}">
+                <a16:creationId xmlns:a16="http://schemas.microsoft.com/office/drawing/2014/main" id="{6DB781D0-45E5-CB49-97F5-49D3F8AEAFD4}"/>
+              </a:ext>
+            </a:extLst>
+          </p:cNvPr>
+          <p:cNvSpPr/>
+          <p:nvPr/>
+        </p:nvSpPr>
+        <p:spPr>
+          <a:xfrm>
+            <a:off x="5922533" y="1263413"/>
+            <a:ext cx="2592817" cy="804289"/>
+          </a:xfrm>
+          <a:prstGeom prst="wedgeRectCallout">
+            <a:avLst>
+              <a:gd name="adj1" fmla="val -59474"/>
+              <a:gd name="adj2" fmla="val -3991"/>
+            </a:avLst>
+          </a:prstGeom>
+        </p:spPr>
+        <p:style>
+          <a:lnRef idx="2">
+            <a:schemeClr val="accent1">
+              <a:shade val="50000"/>
+            </a:schemeClr>
+          </a:lnRef>
+          <a:fillRef idx="1">
+            <a:schemeClr val="accent1"/>
+          </a:fillRef>
+          <a:effectRef idx="0">
+            <a:schemeClr val="accent1"/>
+          </a:effectRef>
+          <a:fontRef idx="minor">
+            <a:schemeClr val="lt1"/>
+          </a:fontRef>
+        </p:style>
+        <p:txBody>
+          <a:bodyPr rtlCol="0" anchor="ctr"/>
+          <a:lstStyle/>
+          <a:p>
+            <a:r>
+              <a:rPr lang="en-US" sz="1400" dirty="0"/>
+              <a:t>Q: Provide the list of tokens for the input </a:t>
+            </a:r>
+            <a:r>
+              <a:rPr lang="en-US" sz="1400" dirty="0">
+                <a:latin typeface="Consolas" panose="020B0609020204030204" pitchFamily="49" charset="0"/>
+                <a:cs typeface="Consolas" panose="020B0609020204030204" pitchFamily="49" charset="0"/>
+              </a:rPr>
+              <a:t>1double1</a:t>
+            </a:r>
+            <a:r>
+              <a:rPr lang="en-US" sz="1400" dirty="0"/>
+              <a:t> (using the token definitions from slide 10)</a:t>
+            </a:r>
+            <a:endParaRPr lang="en-US" sz="1400" dirty="0">
+              <a:latin typeface="Consolas" panose="020B0609020204030204" pitchFamily="49" charset="0"/>
+              <a:cs typeface="Consolas" panose="020B0609020204030204" pitchFamily="49" charset="0"/>
+            </a:endParaRPr>
+          </a:p>
+        </p:txBody>
+      </p:sp>
     </p:spTree>
     <p:extLst>
       <p:ext uri="{BB962C8B-B14F-4D97-AF65-F5344CB8AC3E}">
@@ -15370,6 +15436,51 @@
                       </p:childTnLst>
                     </p:cTn>
                   </p:par>
+                  <p:par>
+                    <p:cTn id="7" fill="hold">
+                      <p:stCondLst>
+                        <p:cond delay="indefinite"/>
+                      </p:stCondLst>
+                      <p:childTnLst>
+                        <p:par>
+                          <p:cTn id="8" fill="hold">
+                            <p:stCondLst>
+                              <p:cond delay="0"/>
+                            </p:stCondLst>
+                            <p:childTnLst>
+                              <p:par>
+                                <p:cTn id="9" presetID="1" presetClass="entr" presetSubtype="0" fill="hold" grpId="0" nodeType="clickEffect">
+                                  <p:stCondLst>
+                                    <p:cond delay="0"/>
+                                  </p:stCondLst>
+                                  <p:childTnLst>
+                                    <p:set>
+                                      <p:cBhvr>
+                                        <p:cTn id="10" dur="1" fill="hold">
+                                          <p:stCondLst>
+                                            <p:cond delay="0"/>
+                                          </p:stCondLst>
+                                        </p:cTn>
+                                        <p:tgtEl>
+                                          <p:spTgt spid="16"/>
+                                        </p:tgtEl>
+                                        <p:attrNameLst>
+                                          <p:attrName>style.visibility</p:attrName>
+                                        </p:attrNameLst>
+                                      </p:cBhvr>
+                                      <p:to>
+                                        <p:strVal val="visible"/>
+                                      </p:to>
+                                    </p:set>
+                                  </p:childTnLst>
+                                </p:cTn>
+                              </p:par>
+                            </p:childTnLst>
+                          </p:cTn>
+                        </p:par>
+                      </p:childTnLst>
+                    </p:cTn>
+                  </p:par>
                 </p:childTnLst>
               </p:cTn>
               <p:prevCondLst>
@@ -15393,6 +15504,7 @@
     </p:tnLst>
     <p:bldLst>
       <p:bldP spid="3" grpId="0" animBg="1"/>
+      <p:bldP spid="16" grpId="0" animBg="1"/>
     </p:bldLst>
   </p:timing>
 </p:sld>
@@ -16761,8 +16873,8 @@
           </a:p>
         </p:txBody>
       </p:sp>
-      <mc:AlternateContent xmlns:mc="http://schemas.openxmlformats.org/markup-compatibility/2006">
-        <mc:Choice xmlns:a14="http://schemas.microsoft.com/office/drawing/2010/main" Requires="a14">
+      <mc:AlternateContent xmlns:mc="http://schemas.openxmlformats.org/markup-compatibility/2006" xmlns:a14="http://schemas.microsoft.com/office/drawing/2010/main">
+        <mc:Choice Requires="a14">
           <p:sp>
             <p:nvSpPr>
               <p:cNvPr id="163" name="Shape 163"/>
@@ -18205,7 +18317,7 @@
             </p:txBody>
           </p:sp>
         </mc:Choice>
-        <mc:Fallback>
+        <mc:Fallback xmlns="">
           <p:sp>
             <p:nvSpPr>
               <p:cNvPr id="163" name="Shape 163"/>
